--- a/W3_16S_analysis.pptx
+++ b/W3_16S_analysis.pptx
@@ -6,7 +6,7 @@
   </p:sldMasterIdLst>
   <p:sldIdLst>
     <p:sldId id="256" r:id="rId2"/>
-    <p:sldId id="280" r:id="rId3"/>
+    <p:sldId id="286" r:id="rId3"/>
     <p:sldId id="274" r:id="rId4"/>
     <p:sldId id="275" r:id="rId5"/>
     <p:sldId id="276" r:id="rId6"/>
@@ -23,13 +23,11 @@
     <p:sldId id="266" r:id="rId17"/>
     <p:sldId id="264" r:id="rId18"/>
     <p:sldId id="258" r:id="rId19"/>
-    <p:sldId id="285" r:id="rId20"/>
-    <p:sldId id="283" r:id="rId21"/>
-    <p:sldId id="268" r:id="rId22"/>
-    <p:sldId id="267" r:id="rId23"/>
-    <p:sldId id="270" r:id="rId24"/>
-    <p:sldId id="259" r:id="rId25"/>
-    <p:sldId id="273" r:id="rId26"/>
+    <p:sldId id="283" r:id="rId20"/>
+    <p:sldId id="287" r:id="rId21"/>
+    <p:sldId id="288" r:id="rId22"/>
+    <p:sldId id="270" r:id="rId23"/>
+    <p:sldId id="289" r:id="rId24"/>
   </p:sldIdLst>
   <p:sldSz cx="9144000" cy="6858000" type="screen4x3"/>
   <p:notesSz cx="6858000" cy="9144000"/>
@@ -134,7 +132,7 @@
         <p14:section name="Default Section" id="{3C043F48-CF00-436B-A5A0-11BABEBF4B2E}">
           <p14:sldIdLst>
             <p14:sldId id="256"/>
-            <p14:sldId id="280"/>
+            <p14:sldId id="286"/>
             <p14:sldId id="274"/>
             <p14:sldId id="275"/>
             <p14:sldId id="276"/>
@@ -151,13 +149,11 @@
             <p14:sldId id="266"/>
             <p14:sldId id="264"/>
             <p14:sldId id="258"/>
-            <p14:sldId id="285"/>
             <p14:sldId id="283"/>
-            <p14:sldId id="268"/>
-            <p14:sldId id="267"/>
+            <p14:sldId id="287"/>
+            <p14:sldId id="288"/>
             <p14:sldId id="270"/>
-            <p14:sldId id="259"/>
-            <p14:sldId id="273"/>
+            <p14:sldId id="289"/>
           </p14:sldIdLst>
         </p14:section>
       </p14:sectionLst>
@@ -12599,7 +12595,7 @@
           <p:cNvPr id="2" name="Title 1">
             <a:extLst>
               <a:ext uri="{FF2B5EF4-FFF2-40B4-BE49-F238E27FC236}">
-                <a16:creationId xmlns:a16="http://schemas.microsoft.com/office/drawing/2014/main" id="{491BBEE1-EAF2-4688-A5FB-5D5F31007B5A}"/>
+                <a16:creationId xmlns:a16="http://schemas.microsoft.com/office/drawing/2014/main" id="{C392817B-2F5E-4202-8159-31860D675E80}"/>
               </a:ext>
             </a:extLst>
           </p:cNvPr>
@@ -12615,7 +12611,30 @@
           <a:bodyPr/>
           <a:lstStyle/>
           <a:p>
-            <a:endParaRPr lang="es-PE"/>
+            <a:r>
+              <a:rPr lang="es-PE" dirty="0" err="1"/>
+              <a:t>Quality</a:t>
+            </a:r>
+            <a:r>
+              <a:rPr lang="es-PE" dirty="0"/>
+              <a:t> control and </a:t>
+            </a:r>
+            <a:r>
+              <a:rPr lang="es-PE" dirty="0" err="1"/>
+              <a:t>noise</a:t>
+            </a:r>
+            <a:r>
+              <a:rPr lang="es-PE" dirty="0"/>
+              <a:t> </a:t>
+            </a:r>
+            <a:r>
+              <a:rPr lang="es-PE" dirty="0" err="1"/>
+              <a:t>reduction</a:t>
+            </a:r>
+            <a:r>
+              <a:rPr lang="es-PE" dirty="0"/>
+              <a:t> I</a:t>
+            </a:r>
           </a:p>
         </p:txBody>
       </p:sp>
@@ -12624,7 +12643,7 @@
           <p:cNvPr id="3" name="Content Placeholder 2">
             <a:extLst>
               <a:ext uri="{FF2B5EF4-FFF2-40B4-BE49-F238E27FC236}">
-                <a16:creationId xmlns:a16="http://schemas.microsoft.com/office/drawing/2014/main" id="{89650247-E427-4DAB-9DAD-E9D6273C5C1C}"/>
+                <a16:creationId xmlns:a16="http://schemas.microsoft.com/office/drawing/2014/main" id="{3DD6B102-B303-4227-908B-54AF4C6643E4}"/>
               </a:ext>
             </a:extLst>
           </p:cNvPr>
@@ -12637,42 +12656,791 @@
         </p:nvSpPr>
         <p:spPr/>
         <p:txBody>
-          <a:bodyPr/>
+          <a:bodyPr>
+            <a:normAutofit fontScale="92500" lnSpcReduction="20000"/>
+          </a:bodyPr>
           <a:lstStyle/>
           <a:p>
-            <a:endParaRPr lang="es-PE"/>
+            <a:r>
+              <a:rPr lang="es-PE" dirty="0" err="1"/>
+              <a:t>Joining</a:t>
+            </a:r>
+            <a:r>
+              <a:rPr lang="es-PE" dirty="0"/>
+              <a:t> </a:t>
+            </a:r>
+            <a:r>
+              <a:rPr lang="es-PE" dirty="0" err="1"/>
+              <a:t>overlapping</a:t>
+            </a:r>
+            <a:r>
+              <a:rPr lang="es-PE" dirty="0"/>
+              <a:t> </a:t>
+            </a:r>
+            <a:r>
+              <a:rPr lang="es-PE" dirty="0" err="1"/>
+              <a:t>reads</a:t>
+            </a:r>
+            <a:endParaRPr lang="es-PE" dirty="0"/>
+          </a:p>
+          <a:p>
+            <a:pPr lvl="1"/>
+            <a:r>
+              <a:rPr lang="es-PE" dirty="0" err="1"/>
+              <a:t>Correct</a:t>
+            </a:r>
+            <a:r>
+              <a:rPr lang="es-PE" dirty="0"/>
+              <a:t> bases </a:t>
+            </a:r>
+            <a:r>
+              <a:rPr lang="es-PE" dirty="0" err="1"/>
+              <a:t>call</a:t>
+            </a:r>
+            <a:r>
+              <a:rPr lang="es-PE" dirty="0"/>
+              <a:t> </a:t>
+            </a:r>
+            <a:r>
+              <a:rPr lang="es-PE" dirty="0" err="1"/>
+              <a:t>using</a:t>
+            </a:r>
+            <a:r>
+              <a:rPr lang="es-PE" dirty="0"/>
+              <a:t> </a:t>
+            </a:r>
+            <a:r>
+              <a:rPr lang="es-PE" dirty="0" err="1"/>
+              <a:t>best</a:t>
+            </a:r>
+            <a:r>
+              <a:rPr lang="es-PE" dirty="0"/>
+              <a:t> </a:t>
+            </a:r>
+            <a:r>
+              <a:rPr lang="es-PE" dirty="0" err="1"/>
+              <a:t>information</a:t>
+            </a:r>
+            <a:r>
+              <a:rPr lang="es-PE" dirty="0"/>
+              <a:t> </a:t>
+            </a:r>
+            <a:r>
+              <a:rPr lang="es-PE" dirty="0" err="1"/>
+              <a:t>possible</a:t>
+            </a:r>
+            <a:endParaRPr lang="es-PE" dirty="0"/>
+          </a:p>
+          <a:p>
+            <a:r>
+              <a:rPr lang="es-PE" dirty="0" err="1"/>
+              <a:t>Removing</a:t>
+            </a:r>
+            <a:r>
+              <a:rPr lang="es-PE" dirty="0"/>
+              <a:t> </a:t>
+            </a:r>
+            <a:r>
+              <a:rPr lang="es-PE" err="1"/>
+              <a:t>weird</a:t>
+            </a:r>
+            <a:r>
+              <a:rPr lang="es-PE"/>
+              <a:t> sequences</a:t>
+            </a:r>
+          </a:p>
+          <a:p>
+            <a:r>
+              <a:rPr lang="es-PE"/>
+              <a:t>Remove poorly aligned sequences</a:t>
+            </a:r>
+          </a:p>
+          <a:p>
+            <a:r>
+              <a:rPr lang="es-PE"/>
+              <a:t>Remove chimeras</a:t>
+            </a:r>
+          </a:p>
+          <a:p>
+            <a:r>
+              <a:rPr lang="es-PE"/>
+              <a:t>Remove contaminants</a:t>
+            </a:r>
+          </a:p>
+          <a:p>
+            <a:r>
+              <a:rPr lang="es-PE"/>
+              <a:t>Preclustering</a:t>
+            </a:r>
+            <a:endParaRPr lang="es-PE" dirty="0"/>
           </a:p>
         </p:txBody>
       </p:sp>
-      <p:sp>
-        <p:nvSpPr>
-          <p:cNvPr id="4" name="Content Placeholder 3">
+      <p:grpSp>
+        <p:nvGrpSpPr>
+          <p:cNvPr id="18" name="Group 17">
             <a:extLst>
               <a:ext uri="{FF2B5EF4-FFF2-40B4-BE49-F238E27FC236}">
-                <a16:creationId xmlns:a16="http://schemas.microsoft.com/office/drawing/2014/main" id="{0DF8DDDF-4385-4651-B7BB-2F5836023405}"/>
+                <a16:creationId xmlns:a16="http://schemas.microsoft.com/office/drawing/2014/main" id="{741A743A-9E1C-44B3-8C6B-A2C9BAB93111}"/>
               </a:ext>
             </a:extLst>
           </p:cNvPr>
-          <p:cNvSpPr>
-            <a:spLocks noGrp="1"/>
-          </p:cNvSpPr>
-          <p:nvPr>
-            <p:ph sz="quarter" idx="14"/>
-          </p:nvPr>
-        </p:nvSpPr>
-        <p:spPr/>
-        <p:txBody>
-          <a:bodyPr/>
-          <a:lstStyle/>
-          <a:p>
-            <a:endParaRPr lang="es-PE"/>
-          </a:p>
-        </p:txBody>
-      </p:sp>
+          <p:cNvGrpSpPr/>
+          <p:nvPr/>
+        </p:nvGrpSpPr>
+        <p:grpSpPr>
+          <a:xfrm>
+            <a:off x="6510787" y="1367596"/>
+            <a:ext cx="1242138" cy="1434267"/>
+            <a:chOff x="323528" y="2419845"/>
+            <a:chExt cx="2664296" cy="3601443"/>
+          </a:xfrm>
+        </p:grpSpPr>
+        <p:sp>
+          <p:nvSpPr>
+            <p:cNvPr id="6" name="Oval 5">
+              <a:extLst>
+                <a:ext uri="{FF2B5EF4-FFF2-40B4-BE49-F238E27FC236}">
+                  <a16:creationId xmlns:a16="http://schemas.microsoft.com/office/drawing/2014/main" id="{BC09EBC7-9574-48E9-B79B-1EA9EB8221D0}"/>
+                </a:ext>
+              </a:extLst>
+            </p:cNvPr>
+            <p:cNvSpPr/>
+            <p:nvPr/>
+          </p:nvSpPr>
+          <p:spPr>
+            <a:xfrm>
+              <a:off x="323528" y="3645024"/>
+              <a:ext cx="2664296" cy="2376264"/>
+            </a:xfrm>
+            <a:prstGeom prst="ellipse">
+              <a:avLst/>
+            </a:prstGeom>
+            <a:gradFill flip="none" rotWithShape="1">
+              <a:gsLst>
+                <a:gs pos="0">
+                  <a:schemeClr val="tx1">
+                    <a:lumMod val="50000"/>
+                    <a:lumOff val="50000"/>
+                  </a:schemeClr>
+                </a:gs>
+                <a:gs pos="45000">
+                  <a:schemeClr val="bg1">
+                    <a:lumMod val="85000"/>
+                    <a:shade val="67500"/>
+                    <a:satMod val="115000"/>
+                  </a:schemeClr>
+                </a:gs>
+                <a:gs pos="100000">
+                  <a:schemeClr val="bg1">
+                    <a:lumMod val="95000"/>
+                  </a:schemeClr>
+                </a:gs>
+              </a:gsLst>
+              <a:lin ang="16200000" scaled="1"/>
+              <a:tileRect/>
+            </a:gradFill>
+            <a:ln>
+              <a:solidFill>
+                <a:schemeClr val="tx1">
+                  <a:lumMod val="65000"/>
+                  <a:lumOff val="35000"/>
+                </a:schemeClr>
+              </a:solidFill>
+            </a:ln>
+          </p:spPr>
+          <p:style>
+            <a:lnRef idx="2">
+              <a:schemeClr val="accent1">
+                <a:shade val="50000"/>
+              </a:schemeClr>
+            </a:lnRef>
+            <a:fillRef idx="1">
+              <a:schemeClr val="accent1"/>
+            </a:fillRef>
+            <a:effectRef idx="0">
+              <a:schemeClr val="accent1"/>
+            </a:effectRef>
+            <a:fontRef idx="minor">
+              <a:schemeClr val="lt1"/>
+            </a:fontRef>
+          </p:style>
+          <p:txBody>
+            <a:bodyPr rtlCol="0" anchor="ctr"/>
+            <a:lstStyle/>
+            <a:p>
+              <a:pPr algn="ctr"/>
+              <a:endParaRPr lang="en-US"/>
+            </a:p>
+          </p:txBody>
+        </p:sp>
+        <p:sp>
+          <p:nvSpPr>
+            <p:cNvPr id="7" name="Block Arc 6">
+              <a:extLst>
+                <a:ext uri="{FF2B5EF4-FFF2-40B4-BE49-F238E27FC236}">
+                  <a16:creationId xmlns:a16="http://schemas.microsoft.com/office/drawing/2014/main" id="{55752CA1-C2B2-4D3B-A231-BF4D0134131C}"/>
+                </a:ext>
+              </a:extLst>
+            </p:cNvPr>
+            <p:cNvSpPr/>
+            <p:nvPr/>
+          </p:nvSpPr>
+          <p:spPr>
+            <a:xfrm>
+              <a:off x="1079612" y="2419845"/>
+              <a:ext cx="1152128" cy="2803624"/>
+            </a:xfrm>
+            <a:prstGeom prst="blockArc">
+              <a:avLst/>
+            </a:prstGeom>
+            <a:gradFill flip="none" rotWithShape="1">
+              <a:gsLst>
+                <a:gs pos="0">
+                  <a:schemeClr val="accent2">
+                    <a:tint val="66000"/>
+                    <a:satMod val="160000"/>
+                  </a:schemeClr>
+                </a:gs>
+                <a:gs pos="50000">
+                  <a:schemeClr val="accent2">
+                    <a:tint val="44500"/>
+                    <a:satMod val="160000"/>
+                  </a:schemeClr>
+                </a:gs>
+                <a:gs pos="100000">
+                  <a:schemeClr val="accent2">
+                    <a:tint val="23500"/>
+                    <a:satMod val="160000"/>
+                  </a:schemeClr>
+                </a:gs>
+              </a:gsLst>
+              <a:lin ang="16200000" scaled="1"/>
+              <a:tileRect/>
+            </a:gradFill>
+            <a:ln>
+              <a:solidFill>
+                <a:schemeClr val="accent2">
+                  <a:lumMod val="75000"/>
+                </a:schemeClr>
+              </a:solidFill>
+            </a:ln>
+          </p:spPr>
+          <p:style>
+            <a:lnRef idx="2">
+              <a:schemeClr val="accent2">
+                <a:shade val="50000"/>
+              </a:schemeClr>
+            </a:lnRef>
+            <a:fillRef idx="1">
+              <a:schemeClr val="accent2"/>
+            </a:fillRef>
+            <a:effectRef idx="0">
+              <a:schemeClr val="accent2"/>
+            </a:effectRef>
+            <a:fontRef idx="minor">
+              <a:schemeClr val="lt1"/>
+            </a:fontRef>
+          </p:style>
+          <p:txBody>
+            <a:bodyPr rtlCol="0" anchor="ctr"/>
+            <a:lstStyle/>
+            <a:p>
+              <a:pPr algn="ctr"/>
+              <a:endParaRPr lang="en-US">
+                <a:solidFill>
+                  <a:schemeClr val="tx1"/>
+                </a:solidFill>
+              </a:endParaRPr>
+            </a:p>
+          </p:txBody>
+        </p:sp>
+        <p:sp>
+          <p:nvSpPr>
+            <p:cNvPr id="8" name="Down Arrow 6">
+              <a:extLst>
+                <a:ext uri="{FF2B5EF4-FFF2-40B4-BE49-F238E27FC236}">
+                  <a16:creationId xmlns:a16="http://schemas.microsoft.com/office/drawing/2014/main" id="{F122EFED-89A1-4AD7-922B-58A21CDD9C9E}"/>
+                </a:ext>
+              </a:extLst>
+            </p:cNvPr>
+            <p:cNvSpPr/>
+            <p:nvPr/>
+          </p:nvSpPr>
+          <p:spPr>
+            <a:xfrm rot="10800000">
+              <a:off x="899590" y="3281597"/>
+              <a:ext cx="432049" cy="540060"/>
+            </a:xfrm>
+            <a:prstGeom prst="downArrow">
+              <a:avLst/>
+            </a:prstGeom>
+          </p:spPr>
+          <p:style>
+            <a:lnRef idx="2">
+              <a:schemeClr val="dk1"/>
+            </a:lnRef>
+            <a:fillRef idx="1">
+              <a:schemeClr val="lt1"/>
+            </a:fillRef>
+            <a:effectRef idx="0">
+              <a:schemeClr val="dk1"/>
+            </a:effectRef>
+            <a:fontRef idx="minor">
+              <a:schemeClr val="dk1"/>
+            </a:fontRef>
+          </p:style>
+          <p:txBody>
+            <a:bodyPr rtlCol="0" anchor="ctr"/>
+            <a:lstStyle/>
+            <a:p>
+              <a:pPr algn="ctr"/>
+              <a:endParaRPr lang="en-US"/>
+            </a:p>
+          </p:txBody>
+        </p:sp>
+        <p:sp>
+          <p:nvSpPr>
+            <p:cNvPr id="14" name="Down Arrow 14">
+              <a:extLst>
+                <a:ext uri="{FF2B5EF4-FFF2-40B4-BE49-F238E27FC236}">
+                  <a16:creationId xmlns:a16="http://schemas.microsoft.com/office/drawing/2014/main" id="{1FAF77B1-3407-4EE8-97B8-FC605A914BD0}"/>
+                </a:ext>
+              </a:extLst>
+            </p:cNvPr>
+            <p:cNvSpPr/>
+            <p:nvPr/>
+          </p:nvSpPr>
+          <p:spPr>
+            <a:xfrm rot="10800000">
+              <a:off x="1823545" y="3281598"/>
+              <a:ext cx="432049" cy="540060"/>
+            </a:xfrm>
+            <a:prstGeom prst="downArrow">
+              <a:avLst/>
+            </a:prstGeom>
+          </p:spPr>
+          <p:style>
+            <a:lnRef idx="2">
+              <a:schemeClr val="dk1"/>
+            </a:lnRef>
+            <a:fillRef idx="1">
+              <a:schemeClr val="lt1"/>
+            </a:fillRef>
+            <a:effectRef idx="0">
+              <a:schemeClr val="dk1"/>
+            </a:effectRef>
+            <a:fontRef idx="minor">
+              <a:schemeClr val="dk1"/>
+            </a:fontRef>
+          </p:style>
+          <p:txBody>
+            <a:bodyPr rtlCol="0" anchor="ctr"/>
+            <a:lstStyle/>
+            <a:p>
+              <a:pPr algn="ctr"/>
+              <a:endParaRPr lang="en-US"/>
+            </a:p>
+          </p:txBody>
+        </p:sp>
+      </p:grpSp>
+      <p:grpSp>
+        <p:nvGrpSpPr>
+          <p:cNvPr id="19" name="Group 18">
+            <a:extLst>
+              <a:ext uri="{FF2B5EF4-FFF2-40B4-BE49-F238E27FC236}">
+                <a16:creationId xmlns:a16="http://schemas.microsoft.com/office/drawing/2014/main" id="{DDAE844D-0D32-4437-AA65-1E75053B33B7}"/>
+              </a:ext>
+            </a:extLst>
+          </p:cNvPr>
+          <p:cNvGrpSpPr/>
+          <p:nvPr/>
+        </p:nvGrpSpPr>
+        <p:grpSpPr>
+          <a:xfrm>
+            <a:off x="6516215" y="3645023"/>
+            <a:ext cx="1801057" cy="1938485"/>
+            <a:chOff x="4481989" y="2040305"/>
+            <a:chExt cx="3835284" cy="3543204"/>
+          </a:xfrm>
+        </p:grpSpPr>
+        <p:sp>
+          <p:nvSpPr>
+            <p:cNvPr id="9" name="Rectangle 8">
+              <a:extLst>
+                <a:ext uri="{FF2B5EF4-FFF2-40B4-BE49-F238E27FC236}">
+                  <a16:creationId xmlns:a16="http://schemas.microsoft.com/office/drawing/2014/main" id="{079C9C17-48C4-4FF0-918F-DA10A5645133}"/>
+                </a:ext>
+              </a:extLst>
+            </p:cNvPr>
+            <p:cNvSpPr/>
+            <p:nvPr/>
+          </p:nvSpPr>
+          <p:spPr>
+            <a:xfrm>
+              <a:off x="4517780" y="2292337"/>
+              <a:ext cx="2916324" cy="360040"/>
+            </a:xfrm>
+            <a:prstGeom prst="rect">
+              <a:avLst/>
+            </a:prstGeom>
+            <a:solidFill>
+              <a:schemeClr val="accent2">
+                <a:lumMod val="40000"/>
+                <a:lumOff val="60000"/>
+              </a:schemeClr>
+            </a:solidFill>
+          </p:spPr>
+          <p:style>
+            <a:lnRef idx="2">
+              <a:schemeClr val="accent2">
+                <a:shade val="50000"/>
+              </a:schemeClr>
+            </a:lnRef>
+            <a:fillRef idx="1">
+              <a:schemeClr val="accent2"/>
+            </a:fillRef>
+            <a:effectRef idx="0">
+              <a:schemeClr val="accent2"/>
+            </a:effectRef>
+            <a:fontRef idx="minor">
+              <a:schemeClr val="lt1"/>
+            </a:fontRef>
+          </p:style>
+          <p:txBody>
+            <a:bodyPr rtlCol="0" anchor="ctr"/>
+            <a:lstStyle/>
+            <a:p>
+              <a:pPr algn="ctr"/>
+              <a:endParaRPr lang="en-US"/>
+            </a:p>
+          </p:txBody>
+        </p:sp>
+        <p:sp>
+          <p:nvSpPr>
+            <p:cNvPr id="10" name="Down Arrow 9">
+              <a:extLst>
+                <a:ext uri="{FF2B5EF4-FFF2-40B4-BE49-F238E27FC236}">
+                  <a16:creationId xmlns:a16="http://schemas.microsoft.com/office/drawing/2014/main" id="{CB04BA22-A014-428E-A82D-BA6CB65FFDEE}"/>
+                </a:ext>
+              </a:extLst>
+            </p:cNvPr>
+            <p:cNvSpPr/>
+            <p:nvPr/>
+          </p:nvSpPr>
+          <p:spPr>
+            <a:xfrm rot="16200000">
+              <a:off x="5238073" y="1284221"/>
+              <a:ext cx="432049" cy="1944217"/>
+            </a:xfrm>
+            <a:prstGeom prst="downArrow">
+              <a:avLst/>
+            </a:prstGeom>
+          </p:spPr>
+          <p:style>
+            <a:lnRef idx="2">
+              <a:schemeClr val="dk1"/>
+            </a:lnRef>
+            <a:fillRef idx="1">
+              <a:schemeClr val="lt1"/>
+            </a:fillRef>
+            <a:effectRef idx="0">
+              <a:schemeClr val="dk1"/>
+            </a:effectRef>
+            <a:fontRef idx="minor">
+              <a:schemeClr val="dk1"/>
+            </a:fontRef>
+          </p:style>
+          <p:txBody>
+            <a:bodyPr rtlCol="0" anchor="ctr"/>
+            <a:lstStyle/>
+            <a:p>
+              <a:pPr algn="ctr"/>
+              <a:endParaRPr lang="en-US"/>
+            </a:p>
+          </p:txBody>
+        </p:sp>
+        <p:sp>
+          <p:nvSpPr>
+            <p:cNvPr id="11" name="Down Arrow 10">
+              <a:extLst>
+                <a:ext uri="{FF2B5EF4-FFF2-40B4-BE49-F238E27FC236}">
+                  <a16:creationId xmlns:a16="http://schemas.microsoft.com/office/drawing/2014/main" id="{A73384D0-EE1B-4787-8923-F5CBF8430303}"/>
+                </a:ext>
+              </a:extLst>
+            </p:cNvPr>
+            <p:cNvSpPr/>
+            <p:nvPr/>
+          </p:nvSpPr>
+          <p:spPr>
+            <a:xfrm rot="5400000">
+              <a:off x="6245971" y="1617122"/>
+              <a:ext cx="432049" cy="1944217"/>
+            </a:xfrm>
+            <a:prstGeom prst="downArrow">
+              <a:avLst/>
+            </a:prstGeom>
+          </p:spPr>
+          <p:style>
+            <a:lnRef idx="2">
+              <a:schemeClr val="dk1"/>
+            </a:lnRef>
+            <a:fillRef idx="1">
+              <a:schemeClr val="lt1"/>
+            </a:fillRef>
+            <a:effectRef idx="0">
+              <a:schemeClr val="dk1"/>
+            </a:effectRef>
+            <a:fontRef idx="minor">
+              <a:schemeClr val="dk1"/>
+            </a:fontRef>
+          </p:style>
+          <p:txBody>
+            <a:bodyPr rtlCol="0" anchor="ctr"/>
+            <a:lstStyle/>
+            <a:p>
+              <a:pPr algn="ctr"/>
+              <a:endParaRPr lang="en-US"/>
+            </a:p>
+          </p:txBody>
+        </p:sp>
+        <p:sp>
+          <p:nvSpPr>
+            <p:cNvPr id="12" name="Down Arrow 12">
+              <a:extLst>
+                <a:ext uri="{FF2B5EF4-FFF2-40B4-BE49-F238E27FC236}">
+                  <a16:creationId xmlns:a16="http://schemas.microsoft.com/office/drawing/2014/main" id="{A20256DB-57F7-4F71-9201-A0EFC275D24B}"/>
+                </a:ext>
+              </a:extLst>
+            </p:cNvPr>
+            <p:cNvSpPr/>
+            <p:nvPr/>
+          </p:nvSpPr>
+          <p:spPr>
+            <a:xfrm rot="16200000">
+              <a:off x="5256075" y="2960949"/>
+              <a:ext cx="432049" cy="1944217"/>
+            </a:xfrm>
+            <a:prstGeom prst="downArrow">
+              <a:avLst/>
+            </a:prstGeom>
+          </p:spPr>
+          <p:style>
+            <a:lnRef idx="2">
+              <a:schemeClr val="dk1"/>
+            </a:lnRef>
+            <a:fillRef idx="1">
+              <a:schemeClr val="lt1"/>
+            </a:fillRef>
+            <a:effectRef idx="0">
+              <a:schemeClr val="dk1"/>
+            </a:effectRef>
+            <a:fontRef idx="minor">
+              <a:schemeClr val="dk1"/>
+            </a:fontRef>
+          </p:style>
+          <p:txBody>
+            <a:bodyPr rtlCol="0" anchor="ctr"/>
+            <a:lstStyle/>
+            <a:p>
+              <a:pPr algn="ctr"/>
+              <a:endParaRPr lang="en-US"/>
+            </a:p>
+          </p:txBody>
+        </p:sp>
+        <p:sp>
+          <p:nvSpPr>
+            <p:cNvPr id="13" name="Down Arrow 13">
+              <a:extLst>
+                <a:ext uri="{FF2B5EF4-FFF2-40B4-BE49-F238E27FC236}">
+                  <a16:creationId xmlns:a16="http://schemas.microsoft.com/office/drawing/2014/main" id="{6002A82A-1215-4540-BE51-DF10D8D66BCD}"/>
+                </a:ext>
+              </a:extLst>
+            </p:cNvPr>
+            <p:cNvSpPr/>
+            <p:nvPr/>
+          </p:nvSpPr>
+          <p:spPr>
+            <a:xfrm rot="5400000">
+              <a:off x="6210181" y="3098028"/>
+              <a:ext cx="432049" cy="1944217"/>
+            </a:xfrm>
+            <a:prstGeom prst="downArrow">
+              <a:avLst/>
+            </a:prstGeom>
+          </p:spPr>
+          <p:style>
+            <a:lnRef idx="2">
+              <a:schemeClr val="dk1"/>
+            </a:lnRef>
+            <a:fillRef idx="1">
+              <a:schemeClr val="lt1"/>
+            </a:fillRef>
+            <a:effectRef idx="0">
+              <a:schemeClr val="dk1"/>
+            </a:effectRef>
+            <a:fontRef idx="minor">
+              <a:schemeClr val="dk1"/>
+            </a:fontRef>
+          </p:style>
+          <p:txBody>
+            <a:bodyPr rtlCol="0" anchor="ctr"/>
+            <a:lstStyle/>
+            <a:p>
+              <a:pPr algn="ctr"/>
+              <a:endParaRPr lang="en-US"/>
+            </a:p>
+          </p:txBody>
+        </p:sp>
+        <p:sp>
+          <p:nvSpPr>
+            <p:cNvPr id="15" name="Rectangle 14">
+              <a:extLst>
+                <a:ext uri="{FF2B5EF4-FFF2-40B4-BE49-F238E27FC236}">
+                  <a16:creationId xmlns:a16="http://schemas.microsoft.com/office/drawing/2014/main" id="{36BE2343-DCE8-411D-95CE-6FFE18B67B00}"/>
+                </a:ext>
+              </a:extLst>
+            </p:cNvPr>
+            <p:cNvSpPr/>
+            <p:nvPr/>
+          </p:nvSpPr>
+          <p:spPr>
+            <a:xfrm>
+              <a:off x="4512574" y="5223469"/>
+              <a:ext cx="2916324" cy="360040"/>
+            </a:xfrm>
+            <a:prstGeom prst="rect">
+              <a:avLst/>
+            </a:prstGeom>
+          </p:spPr>
+          <p:style>
+            <a:lnRef idx="2">
+              <a:schemeClr val="dk1"/>
+            </a:lnRef>
+            <a:fillRef idx="1">
+              <a:schemeClr val="lt1"/>
+            </a:fillRef>
+            <a:effectRef idx="0">
+              <a:schemeClr val="dk1"/>
+            </a:effectRef>
+            <a:fontRef idx="minor">
+              <a:schemeClr val="dk1"/>
+            </a:fontRef>
+          </p:style>
+          <p:txBody>
+            <a:bodyPr rtlCol="0" anchor="ctr"/>
+            <a:lstStyle/>
+            <a:p>
+              <a:pPr algn="ctr"/>
+              <a:endParaRPr lang="en-US"/>
+            </a:p>
+          </p:txBody>
+        </p:sp>
+        <p:sp>
+          <p:nvSpPr>
+            <p:cNvPr id="16" name="Curved Left Arrow 17">
+              <a:extLst>
+                <a:ext uri="{FF2B5EF4-FFF2-40B4-BE49-F238E27FC236}">
+                  <a16:creationId xmlns:a16="http://schemas.microsoft.com/office/drawing/2014/main" id="{7F742B97-E8E5-42EF-93E6-8812C278DE5C}"/>
+                </a:ext>
+              </a:extLst>
+            </p:cNvPr>
+            <p:cNvSpPr/>
+            <p:nvPr/>
+          </p:nvSpPr>
+          <p:spPr>
+            <a:xfrm>
+              <a:off x="7812360" y="2924944"/>
+              <a:ext cx="432048" cy="720080"/>
+            </a:xfrm>
+            <a:prstGeom prst="curvedLeftArrow">
+              <a:avLst/>
+            </a:prstGeom>
+          </p:spPr>
+          <p:style>
+            <a:lnRef idx="2">
+              <a:schemeClr val="accent5">
+                <a:shade val="50000"/>
+              </a:schemeClr>
+            </a:lnRef>
+            <a:fillRef idx="1">
+              <a:schemeClr val="accent5"/>
+            </a:fillRef>
+            <a:effectRef idx="0">
+              <a:schemeClr val="accent5"/>
+            </a:effectRef>
+            <a:fontRef idx="minor">
+              <a:schemeClr val="lt1"/>
+            </a:fontRef>
+          </p:style>
+          <p:txBody>
+            <a:bodyPr rtlCol="0" anchor="ctr"/>
+            <a:lstStyle/>
+            <a:p>
+              <a:pPr algn="ctr"/>
+              <a:endParaRPr lang="en-US">
+                <a:solidFill>
+                  <a:schemeClr val="tx1"/>
+                </a:solidFill>
+              </a:endParaRPr>
+            </a:p>
+          </p:txBody>
+        </p:sp>
+        <p:sp>
+          <p:nvSpPr>
+            <p:cNvPr id="17" name="Curved Left Arrow 18">
+              <a:extLst>
+                <a:ext uri="{FF2B5EF4-FFF2-40B4-BE49-F238E27FC236}">
+                  <a16:creationId xmlns:a16="http://schemas.microsoft.com/office/drawing/2014/main" id="{7881D2CE-572E-44AC-A252-CD741C8BA0D7}"/>
+                </a:ext>
+              </a:extLst>
+            </p:cNvPr>
+            <p:cNvSpPr/>
+            <p:nvPr/>
+          </p:nvSpPr>
+          <p:spPr>
+            <a:xfrm>
+              <a:off x="7885225" y="4292043"/>
+              <a:ext cx="432048" cy="720080"/>
+            </a:xfrm>
+            <a:prstGeom prst="curvedLeftArrow">
+              <a:avLst/>
+            </a:prstGeom>
+          </p:spPr>
+          <p:style>
+            <a:lnRef idx="2">
+              <a:schemeClr val="accent5">
+                <a:shade val="50000"/>
+              </a:schemeClr>
+            </a:lnRef>
+            <a:fillRef idx="1">
+              <a:schemeClr val="accent5"/>
+            </a:fillRef>
+            <a:effectRef idx="0">
+              <a:schemeClr val="accent5"/>
+            </a:effectRef>
+            <a:fontRef idx="minor">
+              <a:schemeClr val="lt1"/>
+            </a:fontRef>
+          </p:style>
+          <p:txBody>
+            <a:bodyPr rtlCol="0" anchor="ctr"/>
+            <a:lstStyle/>
+            <a:p>
+              <a:pPr algn="ctr"/>
+              <a:endParaRPr lang="en-US">
+                <a:solidFill>
+                  <a:schemeClr val="tx1"/>
+                </a:solidFill>
+              </a:endParaRPr>
+            </a:p>
+          </p:txBody>
+        </p:sp>
+      </p:grpSp>
     </p:spTree>
     <p:extLst>
       <p:ext uri="{BB962C8B-B14F-4D97-AF65-F5344CB8AC3E}">
-        <p14:creationId xmlns:p14="http://schemas.microsoft.com/office/powerpoint/2010/main" val="3918102079"/>
+        <p14:creationId xmlns:p14="http://schemas.microsoft.com/office/powerpoint/2010/main" val="3732680159"/>
       </p:ext>
     </p:extLst>
   </p:cSld>
@@ -12699,6 +13467,100 @@
           <a:chExt cx="0" cy="0"/>
         </a:xfrm>
       </p:grpSpPr>
+      <p:pic>
+        <p:nvPicPr>
+          <p:cNvPr id="1026" name="Picture 2" descr="https://pbs.twimg.com/media/BuUO9NFCUAENDtr.jpg">
+            <a:extLst>
+              <a:ext uri="{FF2B5EF4-FFF2-40B4-BE49-F238E27FC236}">
+                <a16:creationId xmlns:a16="http://schemas.microsoft.com/office/drawing/2014/main" id="{420E43BD-2F77-41ED-A572-8B9CCB3773F6}"/>
+              </a:ext>
+            </a:extLst>
+          </p:cNvPr>
+          <p:cNvPicPr>
+            <a:picLocks noChangeAspect="1" noChangeArrowheads="1"/>
+          </p:cNvPicPr>
+          <p:nvPr/>
+        </p:nvPicPr>
+        <p:blipFill>
+          <a:blip r:embed="rId2" cstate="print">
+            <a:extLst>
+              <a:ext uri="{28A0092B-C50C-407E-A947-70E740481C1C}">
+                <a14:useLocalDpi xmlns:a14="http://schemas.microsoft.com/office/drawing/2010/main" val="0"/>
+              </a:ext>
+            </a:extLst>
+          </a:blip>
+          <a:srcRect/>
+          <a:stretch>
+            <a:fillRect/>
+          </a:stretch>
+        </p:blipFill>
+        <p:spPr bwMode="auto">
+          <a:xfrm>
+            <a:off x="3471592" y="2253958"/>
+            <a:ext cx="1967964" cy="2623952"/>
+          </a:xfrm>
+          <a:prstGeom prst="rect">
+            <a:avLst/>
+          </a:prstGeom>
+          <a:noFill/>
+          <a:extLst>
+            <a:ext uri="{909E8E84-426E-40DD-AFC4-6F175D3DCCD1}">
+              <a14:hiddenFill xmlns:a14="http://schemas.microsoft.com/office/drawing/2010/main">
+                <a:solidFill>
+                  <a:srgbClr val="FFFFFF"/>
+                </a:solidFill>
+              </a14:hiddenFill>
+            </a:ext>
+          </a:extLst>
+        </p:spPr>
+      </p:pic>
+      <p:pic>
+        <p:nvPicPr>
+          <p:cNvPr id="1028" name="Picture 4" descr="Image result for piles of papers">
+            <a:extLst>
+              <a:ext uri="{FF2B5EF4-FFF2-40B4-BE49-F238E27FC236}">
+                <a16:creationId xmlns:a16="http://schemas.microsoft.com/office/drawing/2014/main" id="{14548868-E4F4-4C79-B674-7D704B87E095}"/>
+              </a:ext>
+            </a:extLst>
+          </p:cNvPr>
+          <p:cNvPicPr>
+            <a:picLocks noChangeAspect="1" noChangeArrowheads="1"/>
+          </p:cNvPicPr>
+          <p:nvPr/>
+        </p:nvPicPr>
+        <p:blipFill>
+          <a:blip r:embed="rId3" cstate="print">
+            <a:extLst>
+              <a:ext uri="{28A0092B-C50C-407E-A947-70E740481C1C}">
+                <a14:useLocalDpi xmlns:a14="http://schemas.microsoft.com/office/drawing/2010/main" val="0"/>
+              </a:ext>
+            </a:extLst>
+          </a:blip>
+          <a:srcRect/>
+          <a:stretch>
+            <a:fillRect/>
+          </a:stretch>
+        </p:blipFill>
+        <p:spPr bwMode="auto">
+          <a:xfrm>
+            <a:off x="3304153" y="2441781"/>
+            <a:ext cx="2314190" cy="2312049"/>
+          </a:xfrm>
+          <a:prstGeom prst="rect">
+            <a:avLst/>
+          </a:prstGeom>
+          <a:noFill/>
+          <a:extLst>
+            <a:ext uri="{909E8E84-426E-40DD-AFC4-6F175D3DCCD1}">
+              <a14:hiddenFill xmlns:a14="http://schemas.microsoft.com/office/drawing/2010/main">
+                <a:solidFill>
+                  <a:srgbClr val="FFFFFF"/>
+                </a:solidFill>
+              </a14:hiddenFill>
+            </a:ext>
+          </a:extLst>
+        </p:spPr>
+      </p:pic>
       <p:sp>
         <p:nvSpPr>
           <p:cNvPr id="5" name="TextBox 4">
@@ -12789,7 +13651,7 @@
         </p:nvSpPr>
         <p:spPr>
           <a:xfrm>
-            <a:off x="3471541" y="2345811"/>
+            <a:off x="3346273" y="2274374"/>
             <a:ext cx="2356993" cy="2516073"/>
           </a:xfrm>
           <a:prstGeom prst="rect">
@@ -12827,6 +13689,53 @@
           </a:p>
         </p:txBody>
       </p:sp>
+      <p:pic>
+        <p:nvPicPr>
+          <p:cNvPr id="1032" name="Picture 8" descr="Image result for barplot bacteria">
+            <a:extLst>
+              <a:ext uri="{FF2B5EF4-FFF2-40B4-BE49-F238E27FC236}">
+                <a16:creationId xmlns:a16="http://schemas.microsoft.com/office/drawing/2014/main" id="{28C79F11-D52A-49E0-B4F0-A97E18AC80DE}"/>
+              </a:ext>
+            </a:extLst>
+          </p:cNvPr>
+          <p:cNvPicPr>
+            <a:picLocks noChangeAspect="1" noChangeArrowheads="1"/>
+          </p:cNvPicPr>
+          <p:nvPr/>
+        </p:nvPicPr>
+        <p:blipFill>
+          <a:blip r:embed="rId4">
+            <a:extLst>
+              <a:ext uri="{28A0092B-C50C-407E-A947-70E740481C1C}">
+                <a14:useLocalDpi xmlns:a14="http://schemas.microsoft.com/office/drawing/2010/main" val="0"/>
+              </a:ext>
+            </a:extLst>
+          </a:blip>
+          <a:srcRect/>
+          <a:stretch>
+            <a:fillRect/>
+          </a:stretch>
+        </p:blipFill>
+        <p:spPr bwMode="auto">
+          <a:xfrm>
+            <a:off x="3021473" y="2484485"/>
+            <a:ext cx="2947592" cy="2346584"/>
+          </a:xfrm>
+          <a:prstGeom prst="rect">
+            <a:avLst/>
+          </a:prstGeom>
+          <a:noFill/>
+          <a:extLst>
+            <a:ext uri="{909E8E84-426E-40DD-AFC4-6F175D3DCCD1}">
+              <a14:hiddenFill xmlns:a14="http://schemas.microsoft.com/office/drawing/2010/main">
+                <a:solidFill>
+                  <a:srgbClr val="FFFFFF"/>
+                </a:solidFill>
+              </a14:hiddenFill>
+            </a:ext>
+          </a:extLst>
+        </p:spPr>
+      </p:pic>
       <p:grpSp>
         <p:nvGrpSpPr>
           <p:cNvPr id="31" name="Group 30">
@@ -12841,10 +13750,10 @@
         </p:nvGrpSpPr>
         <p:grpSpPr>
           <a:xfrm>
-            <a:off x="1097409" y="2000256"/>
-            <a:ext cx="2589845" cy="825384"/>
-            <a:chOff x="1478452" y="1554489"/>
-            <a:chExt cx="3453126" cy="1100512"/>
+            <a:off x="1461669" y="2000257"/>
+            <a:ext cx="2225585" cy="1148549"/>
+            <a:chOff x="1964132" y="1554489"/>
+            <a:chExt cx="2967446" cy="1531398"/>
           </a:xfrm>
         </p:grpSpPr>
         <p:sp>
@@ -12861,8 +13770,8 @@
           </p:nvSpPr>
           <p:spPr>
             <a:xfrm>
-              <a:off x="1478452" y="1670116"/>
-              <a:ext cx="2633135" cy="984885"/>
+              <a:off x="1964132" y="1670116"/>
+              <a:ext cx="2147454" cy="1415771"/>
             </a:xfrm>
             <a:prstGeom prst="rect">
               <a:avLst/>
@@ -13589,16 +14498,1725 @@
           </a:p>
         </p:txBody>
       </p:sp>
+      <p:graphicFrame>
+        <p:nvGraphicFramePr>
+          <p:cNvPr id="48" name="Content Placeholder 4">
+            <a:extLst>
+              <a:ext uri="{FF2B5EF4-FFF2-40B4-BE49-F238E27FC236}">
+                <a16:creationId xmlns:a16="http://schemas.microsoft.com/office/drawing/2014/main" id="{E57DF772-F213-4E11-877F-89700F644B01}"/>
+              </a:ext>
+            </a:extLst>
+          </p:cNvPr>
+          <p:cNvGraphicFramePr>
+            <a:graphicFrameLocks/>
+          </p:cNvGraphicFramePr>
+          <p:nvPr>
+            <p:extLst/>
+          </p:nvPr>
+        </p:nvGraphicFramePr>
+        <p:xfrm>
+          <a:off x="2515795" y="2953175"/>
+          <a:ext cx="3795228" cy="1181100"/>
+        </p:xfrm>
+        <a:graphic>
+          <a:graphicData uri="http://schemas.openxmlformats.org/drawingml/2006/table">
+            <a:tbl>
+              <a:tblPr firstRow="1" bandRow="1">
+                <a:tableStyleId>{5940675A-B579-460E-94D1-54222C63F5DA}</a:tableStyleId>
+              </a:tblPr>
+              <a:tblGrid>
+                <a:gridCol w="1043059">
+                  <a:extLst>
+                    <a:ext uri="{9D8B030D-6E8A-4147-A177-3AD203B41FA5}">
+                      <a16:colId xmlns:a16="http://schemas.microsoft.com/office/drawing/2014/main" val="20000"/>
+                    </a:ext>
+                  </a:extLst>
+                </a:gridCol>
+                <a:gridCol w="476339">
+                  <a:extLst>
+                    <a:ext uri="{9D8B030D-6E8A-4147-A177-3AD203B41FA5}">
+                      <a16:colId xmlns:a16="http://schemas.microsoft.com/office/drawing/2014/main" val="20001"/>
+                    </a:ext>
+                  </a:extLst>
+                </a:gridCol>
+                <a:gridCol w="529263">
+                  <a:extLst>
+                    <a:ext uri="{9D8B030D-6E8A-4147-A177-3AD203B41FA5}">
+                      <a16:colId xmlns:a16="http://schemas.microsoft.com/office/drawing/2014/main" val="20002"/>
+                    </a:ext>
+                  </a:extLst>
+                </a:gridCol>
+                <a:gridCol w="582189">
+                  <a:extLst>
+                    <a:ext uri="{9D8B030D-6E8A-4147-A177-3AD203B41FA5}">
+                      <a16:colId xmlns:a16="http://schemas.microsoft.com/office/drawing/2014/main" val="20003"/>
+                    </a:ext>
+                  </a:extLst>
+                </a:gridCol>
+                <a:gridCol w="582189">
+                  <a:extLst>
+                    <a:ext uri="{9D8B030D-6E8A-4147-A177-3AD203B41FA5}">
+                      <a16:colId xmlns:a16="http://schemas.microsoft.com/office/drawing/2014/main" val="20004"/>
+                    </a:ext>
+                  </a:extLst>
+                </a:gridCol>
+                <a:gridCol w="582189">
+                  <a:extLst>
+                    <a:ext uri="{9D8B030D-6E8A-4147-A177-3AD203B41FA5}">
+                      <a16:colId xmlns:a16="http://schemas.microsoft.com/office/drawing/2014/main" val="20005"/>
+                    </a:ext>
+                  </a:extLst>
+                </a:gridCol>
+              </a:tblGrid>
+              <a:tr h="228600">
+                <a:tc>
+                  <a:txBody>
+                    <a:bodyPr/>
+                    <a:lstStyle/>
+                    <a:p>
+                      <a:pPr algn="ctr"/>
+                      <a:endParaRPr lang="en-US" sz="1100" dirty="0">
+                        <a:latin typeface="Helvetica Neue" panose="02000503000000020004" pitchFamily="2"/>
+                      </a:endParaRPr>
+                    </a:p>
+                  </a:txBody>
+                  <a:tcPr marL="243513" marR="243513" marT="34290" marB="34290" anchor="ctr"/>
+                </a:tc>
+                <a:tc>
+                  <a:txBody>
+                    <a:bodyPr/>
+                    <a:lstStyle/>
+                    <a:p>
+                      <a:pPr marL="0" indent="0" algn="ctr"/>
+                      <a:r>
+                        <a:rPr lang="en-US" sz="1100" dirty="0">
+                          <a:latin typeface="Helvetica Neue" panose="02000503000000020004" pitchFamily="2"/>
+                        </a:rPr>
+                        <a:t>OTU1</a:t>
+                      </a:r>
+                    </a:p>
+                  </a:txBody>
+                  <a:tcPr marL="0" marR="0" marT="0" marB="0" anchor="ctr"/>
+                </a:tc>
+                <a:tc>
+                  <a:txBody>
+                    <a:bodyPr/>
+                    <a:lstStyle/>
+                    <a:p>
+                      <a:pPr marL="0" marR="0" indent="0" algn="ctr" defTabSz="914400" rtl="0" eaLnBrk="1" fontAlgn="auto" latinLnBrk="0" hangingPunct="1">
+                        <a:lnSpc>
+                          <a:spcPct val="100000"/>
+                        </a:lnSpc>
+                        <a:spcBef>
+                          <a:spcPts val="0"/>
+                        </a:spcBef>
+                        <a:spcAft>
+                          <a:spcPts val="0"/>
+                        </a:spcAft>
+                        <a:buClrTx/>
+                        <a:buSzTx/>
+                        <a:buFontTx/>
+                        <a:buNone/>
+                        <a:tabLst/>
+                        <a:defRPr/>
+                      </a:pPr>
+                      <a:r>
+                        <a:rPr lang="en-US" sz="1100" dirty="0">
+                          <a:latin typeface="Helvetica Neue" panose="02000503000000020004" pitchFamily="2"/>
+                        </a:rPr>
+                        <a:t>OTU2</a:t>
+                      </a:r>
+                    </a:p>
+                  </a:txBody>
+                  <a:tcPr marL="0" marR="0" marT="0" marB="0" anchor="ctr"/>
+                </a:tc>
+                <a:tc>
+                  <a:txBody>
+                    <a:bodyPr/>
+                    <a:lstStyle/>
+                    <a:p>
+                      <a:pPr marL="0" marR="0" indent="0" algn="ctr" defTabSz="914400" rtl="0" eaLnBrk="1" fontAlgn="auto" latinLnBrk="0" hangingPunct="1">
+                        <a:lnSpc>
+                          <a:spcPct val="100000"/>
+                        </a:lnSpc>
+                        <a:spcBef>
+                          <a:spcPts val="0"/>
+                        </a:spcBef>
+                        <a:spcAft>
+                          <a:spcPts val="0"/>
+                        </a:spcAft>
+                        <a:buClrTx/>
+                        <a:buSzTx/>
+                        <a:buFontTx/>
+                        <a:buNone/>
+                        <a:tabLst/>
+                        <a:defRPr/>
+                      </a:pPr>
+                      <a:r>
+                        <a:rPr lang="en-US" sz="1100" dirty="0">
+                          <a:latin typeface="Helvetica Neue" panose="02000503000000020004" pitchFamily="2"/>
+                        </a:rPr>
+                        <a:t>OTU3</a:t>
+                      </a:r>
+                    </a:p>
+                  </a:txBody>
+                  <a:tcPr marL="0" marR="0" marT="0" marB="0" anchor="ctr"/>
+                </a:tc>
+                <a:tc>
+                  <a:txBody>
+                    <a:bodyPr/>
+                    <a:lstStyle/>
+                    <a:p>
+                      <a:pPr marL="0" marR="0" indent="0" algn="ctr" defTabSz="914400" rtl="0" eaLnBrk="1" fontAlgn="auto" latinLnBrk="0" hangingPunct="1">
+                        <a:lnSpc>
+                          <a:spcPct val="100000"/>
+                        </a:lnSpc>
+                        <a:spcBef>
+                          <a:spcPts val="0"/>
+                        </a:spcBef>
+                        <a:spcAft>
+                          <a:spcPts val="0"/>
+                        </a:spcAft>
+                        <a:buClrTx/>
+                        <a:buSzTx/>
+                        <a:buFontTx/>
+                        <a:buNone/>
+                        <a:tabLst/>
+                        <a:defRPr/>
+                      </a:pPr>
+                      <a:r>
+                        <a:rPr lang="en-US" sz="1100" dirty="0">
+                          <a:latin typeface="Helvetica Neue" panose="02000503000000020004" pitchFamily="2"/>
+                        </a:rPr>
+                        <a:t>OTU4</a:t>
+                      </a:r>
+                    </a:p>
+                  </a:txBody>
+                  <a:tcPr marL="0" marR="0" marT="0" marB="0" anchor="ctr">
+                    <a:lnR w="12700" cap="flat" cmpd="sng" algn="ctr">
+                      <a:solidFill>
+                        <a:schemeClr val="tx1"/>
+                      </a:solidFill>
+                      <a:prstDash val="solid"/>
+                      <a:round/>
+                      <a:headEnd type="none" w="med" len="med"/>
+                      <a:tailEnd type="none" w="med" len="med"/>
+                    </a:lnR>
+                  </a:tcPr>
+                </a:tc>
+                <a:tc>
+                  <a:txBody>
+                    <a:bodyPr/>
+                    <a:lstStyle/>
+                    <a:p>
+                      <a:pPr marL="0" marR="0" indent="0" algn="ctr" defTabSz="914400" rtl="0" eaLnBrk="1" fontAlgn="auto" latinLnBrk="0" hangingPunct="1">
+                        <a:lnSpc>
+                          <a:spcPct val="100000"/>
+                        </a:lnSpc>
+                        <a:spcBef>
+                          <a:spcPts val="0"/>
+                        </a:spcBef>
+                        <a:spcAft>
+                          <a:spcPts val="0"/>
+                        </a:spcAft>
+                        <a:buClrTx/>
+                        <a:buSzTx/>
+                        <a:buFontTx/>
+                        <a:buNone/>
+                        <a:tabLst/>
+                        <a:defRPr/>
+                      </a:pPr>
+                      <a:r>
+                        <a:rPr lang="en-US" sz="1100" dirty="0">
+                          <a:latin typeface="Helvetica Neue" panose="02000503000000020004" pitchFamily="2"/>
+                        </a:rPr>
+                        <a:t>OTU5</a:t>
+                      </a:r>
+                    </a:p>
+                  </a:txBody>
+                  <a:tcPr marL="0" marR="0" marT="0" marB="0" anchor="ctr">
+                    <a:lnL w="12700" cap="flat" cmpd="sng" algn="ctr">
+                      <a:solidFill>
+                        <a:schemeClr val="tx1"/>
+                      </a:solidFill>
+                      <a:prstDash val="solid"/>
+                      <a:round/>
+                      <a:headEnd type="none" w="med" len="med"/>
+                      <a:tailEnd type="none" w="med" len="med"/>
+                    </a:lnL>
+                    <a:lnR w="12700" cap="flat" cmpd="sng" algn="ctr">
+                      <a:solidFill>
+                        <a:schemeClr val="tx1"/>
+                      </a:solidFill>
+                      <a:prstDash val="solid"/>
+                      <a:round/>
+                      <a:headEnd type="none" w="med" len="med"/>
+                      <a:tailEnd type="none" w="med" len="med"/>
+                    </a:lnR>
+                    <a:lnT w="12700" cap="flat" cmpd="sng" algn="ctr">
+                      <a:solidFill>
+                        <a:schemeClr val="tx1"/>
+                      </a:solidFill>
+                      <a:prstDash val="solid"/>
+                      <a:round/>
+                      <a:headEnd type="none" w="med" len="med"/>
+                      <a:tailEnd type="none" w="med" len="med"/>
+                    </a:lnT>
+                  </a:tcPr>
+                </a:tc>
+                <a:extLst>
+                  <a:ext uri="{0D108BD9-81ED-4DB2-BD59-A6C34878D82A}">
+                    <a16:rowId xmlns:a16="http://schemas.microsoft.com/office/drawing/2014/main" val="10000"/>
+                  </a:ext>
+                </a:extLst>
+              </a:tr>
+              <a:tr h="228600">
+                <a:tc>
+                  <a:txBody>
+                    <a:bodyPr/>
+                    <a:lstStyle/>
+                    <a:p>
+                      <a:pPr algn="ctr"/>
+                      <a:r>
+                        <a:rPr lang="en-US" sz="1100" dirty="0">
+                          <a:latin typeface="Helvetica Neue" panose="02000503000000020004" pitchFamily="2"/>
+                        </a:rPr>
+                        <a:t>Sample1</a:t>
+                      </a:r>
+                    </a:p>
+                  </a:txBody>
+                  <a:tcPr marL="243513" marR="243513" marT="34290" marB="34290" anchor="ctr"/>
+                </a:tc>
+                <a:tc>
+                  <a:txBody>
+                    <a:bodyPr/>
+                    <a:lstStyle/>
+                    <a:p>
+                      <a:pPr algn="ctr"/>
+                      <a:r>
+                        <a:rPr lang="en-US" sz="1100" dirty="0">
+                          <a:latin typeface="Helvetica Neue" panose="02000503000000020004" pitchFamily="2"/>
+                        </a:rPr>
+                        <a:t>20</a:t>
+                      </a:r>
+                    </a:p>
+                  </a:txBody>
+                  <a:tcPr marL="0" marR="0" marT="0" marB="0" anchor="ctr"/>
+                </a:tc>
+                <a:tc>
+                  <a:txBody>
+                    <a:bodyPr/>
+                    <a:lstStyle/>
+                    <a:p>
+                      <a:pPr algn="ctr"/>
+                      <a:r>
+                        <a:rPr lang="en-US" sz="1100" dirty="0">
+                          <a:latin typeface="Helvetica Neue" panose="02000503000000020004" pitchFamily="2"/>
+                        </a:rPr>
+                        <a:t>15</a:t>
+                      </a:r>
+                    </a:p>
+                  </a:txBody>
+                  <a:tcPr marL="0" marR="0" marT="0" marB="0" anchor="ctr"/>
+                </a:tc>
+                <a:tc>
+                  <a:txBody>
+                    <a:bodyPr/>
+                    <a:lstStyle/>
+                    <a:p>
+                      <a:pPr algn="ctr"/>
+                      <a:r>
+                        <a:rPr lang="en-US" sz="1100" dirty="0">
+                          <a:latin typeface="Helvetica Neue" panose="02000503000000020004" pitchFamily="2"/>
+                        </a:rPr>
+                        <a:t>50</a:t>
+                      </a:r>
+                    </a:p>
+                  </a:txBody>
+                  <a:tcPr marL="0" marR="0" marT="0" marB="0" anchor="ctr"/>
+                </a:tc>
+                <a:tc>
+                  <a:txBody>
+                    <a:bodyPr/>
+                    <a:lstStyle/>
+                    <a:p>
+                      <a:pPr algn="ctr"/>
+                      <a:r>
+                        <a:rPr lang="en-US" sz="1100" dirty="0">
+                          <a:latin typeface="Helvetica Neue" panose="02000503000000020004" pitchFamily="2"/>
+                        </a:rPr>
+                        <a:t>10</a:t>
+                      </a:r>
+                    </a:p>
+                  </a:txBody>
+                  <a:tcPr marL="0" marR="0" marT="0" marB="0" anchor="ctr">
+                    <a:lnR w="12700" cap="flat" cmpd="sng" algn="ctr">
+                      <a:solidFill>
+                        <a:schemeClr val="tx1"/>
+                      </a:solidFill>
+                      <a:prstDash val="solid"/>
+                      <a:round/>
+                      <a:headEnd type="none" w="med" len="med"/>
+                      <a:tailEnd type="none" w="med" len="med"/>
+                    </a:lnR>
+                  </a:tcPr>
+                </a:tc>
+                <a:tc>
+                  <a:txBody>
+                    <a:bodyPr/>
+                    <a:lstStyle/>
+                    <a:p>
+                      <a:pPr algn="ctr"/>
+                      <a:r>
+                        <a:rPr lang="en-US" sz="1100" dirty="0">
+                          <a:latin typeface="Helvetica Neue" panose="02000503000000020004" pitchFamily="2"/>
+                        </a:rPr>
+                        <a:t>0</a:t>
+                      </a:r>
+                    </a:p>
+                  </a:txBody>
+                  <a:tcPr marL="0" marR="0" marT="0" marB="0" anchor="ctr">
+                    <a:lnL w="12700" cap="flat" cmpd="sng" algn="ctr">
+                      <a:solidFill>
+                        <a:schemeClr val="tx1"/>
+                      </a:solidFill>
+                      <a:prstDash val="solid"/>
+                      <a:round/>
+                      <a:headEnd type="none" w="med" len="med"/>
+                      <a:tailEnd type="none" w="med" len="med"/>
+                    </a:lnL>
+                    <a:lnR w="12700" cap="flat" cmpd="sng" algn="ctr">
+                      <a:solidFill>
+                        <a:schemeClr val="tx1"/>
+                      </a:solidFill>
+                      <a:prstDash val="solid"/>
+                      <a:round/>
+                      <a:headEnd type="none" w="med" len="med"/>
+                      <a:tailEnd type="none" w="med" len="med"/>
+                    </a:lnR>
+                  </a:tcPr>
+                </a:tc>
+                <a:extLst>
+                  <a:ext uri="{0D108BD9-81ED-4DB2-BD59-A6C34878D82A}">
+                    <a16:rowId xmlns:a16="http://schemas.microsoft.com/office/drawing/2014/main" val="10001"/>
+                  </a:ext>
+                </a:extLst>
+              </a:tr>
+              <a:tr h="228600">
+                <a:tc>
+                  <a:txBody>
+                    <a:bodyPr/>
+                    <a:lstStyle/>
+                    <a:p>
+                      <a:pPr algn="ctr"/>
+                      <a:r>
+                        <a:rPr lang="en-US" sz="1100" dirty="0">
+                          <a:latin typeface="Helvetica Neue" panose="02000503000000020004" pitchFamily="2"/>
+                        </a:rPr>
+                        <a:t>Sample2</a:t>
+                      </a:r>
+                    </a:p>
+                  </a:txBody>
+                  <a:tcPr marL="243513" marR="243513" marT="34290" marB="34290" anchor="ctr"/>
+                </a:tc>
+                <a:tc>
+                  <a:txBody>
+                    <a:bodyPr/>
+                    <a:lstStyle/>
+                    <a:p>
+                      <a:pPr algn="ctr"/>
+                      <a:r>
+                        <a:rPr lang="en-US" sz="1100" dirty="0">
+                          <a:latin typeface="Helvetica Neue" panose="02000503000000020004" pitchFamily="2"/>
+                        </a:rPr>
+                        <a:t>15</a:t>
+                      </a:r>
+                    </a:p>
+                  </a:txBody>
+                  <a:tcPr marL="0" marR="0" marT="0" marB="0" anchor="ctr"/>
+                </a:tc>
+                <a:tc>
+                  <a:txBody>
+                    <a:bodyPr/>
+                    <a:lstStyle/>
+                    <a:p>
+                      <a:pPr algn="ctr"/>
+                      <a:r>
+                        <a:rPr lang="en-US" sz="1100" dirty="0">
+                          <a:latin typeface="Helvetica Neue" panose="02000503000000020004" pitchFamily="2"/>
+                        </a:rPr>
+                        <a:t>30</a:t>
+                      </a:r>
+                    </a:p>
+                  </a:txBody>
+                  <a:tcPr marL="0" marR="0" marT="0" marB="0" anchor="ctr"/>
+                </a:tc>
+                <a:tc>
+                  <a:txBody>
+                    <a:bodyPr/>
+                    <a:lstStyle/>
+                    <a:p>
+                      <a:pPr algn="ctr"/>
+                      <a:r>
+                        <a:rPr lang="en-US" sz="1100" dirty="0">
+                          <a:latin typeface="Helvetica Neue" panose="02000503000000020004" pitchFamily="2"/>
+                        </a:rPr>
+                        <a:t>35</a:t>
+                      </a:r>
+                    </a:p>
+                  </a:txBody>
+                  <a:tcPr marL="0" marR="0" marT="0" marB="0" anchor="ctr"/>
+                </a:tc>
+                <a:tc>
+                  <a:txBody>
+                    <a:bodyPr/>
+                    <a:lstStyle/>
+                    <a:p>
+                      <a:pPr algn="ctr"/>
+                      <a:r>
+                        <a:rPr lang="en-US" sz="1100" dirty="0">
+                          <a:latin typeface="Helvetica Neue" panose="02000503000000020004" pitchFamily="2"/>
+                        </a:rPr>
+                        <a:t>20</a:t>
+                      </a:r>
+                    </a:p>
+                  </a:txBody>
+                  <a:tcPr marL="0" marR="0" marT="0" marB="0" anchor="ctr">
+                    <a:lnR w="12700" cap="flat" cmpd="sng" algn="ctr">
+                      <a:solidFill>
+                        <a:schemeClr val="tx1"/>
+                      </a:solidFill>
+                      <a:prstDash val="solid"/>
+                      <a:round/>
+                      <a:headEnd type="none" w="med" len="med"/>
+                      <a:tailEnd type="none" w="med" len="med"/>
+                    </a:lnR>
+                  </a:tcPr>
+                </a:tc>
+                <a:tc>
+                  <a:txBody>
+                    <a:bodyPr/>
+                    <a:lstStyle/>
+                    <a:p>
+                      <a:pPr algn="ctr"/>
+                      <a:r>
+                        <a:rPr lang="en-US" sz="1100" dirty="0">
+                          <a:latin typeface="Helvetica Neue" panose="02000503000000020004" pitchFamily="2"/>
+                        </a:rPr>
+                        <a:t>0</a:t>
+                      </a:r>
+                    </a:p>
+                  </a:txBody>
+                  <a:tcPr marL="0" marR="0" marT="0" marB="0" anchor="ctr">
+                    <a:lnL w="12700" cap="flat" cmpd="sng" algn="ctr">
+                      <a:solidFill>
+                        <a:schemeClr val="tx1"/>
+                      </a:solidFill>
+                      <a:prstDash val="solid"/>
+                      <a:round/>
+                      <a:headEnd type="none" w="med" len="med"/>
+                      <a:tailEnd type="none" w="med" len="med"/>
+                    </a:lnL>
+                    <a:lnR w="12700" cap="flat" cmpd="sng" algn="ctr">
+                      <a:solidFill>
+                        <a:schemeClr val="tx1"/>
+                      </a:solidFill>
+                      <a:prstDash val="solid"/>
+                      <a:round/>
+                      <a:headEnd type="none" w="med" len="med"/>
+                      <a:tailEnd type="none" w="med" len="med"/>
+                    </a:lnR>
+                  </a:tcPr>
+                </a:tc>
+                <a:extLst>
+                  <a:ext uri="{0D108BD9-81ED-4DB2-BD59-A6C34878D82A}">
+                    <a16:rowId xmlns:a16="http://schemas.microsoft.com/office/drawing/2014/main" val="10002"/>
+                  </a:ext>
+                </a:extLst>
+              </a:tr>
+              <a:tr h="228600">
+                <a:tc>
+                  <a:txBody>
+                    <a:bodyPr/>
+                    <a:lstStyle/>
+                    <a:p>
+                      <a:pPr algn="ctr"/>
+                      <a:r>
+                        <a:rPr lang="en-US" sz="1100" dirty="0">
+                          <a:latin typeface="Helvetica Neue" panose="02000503000000020004" pitchFamily="2"/>
+                        </a:rPr>
+                        <a:t>Sample3</a:t>
+                      </a:r>
+                    </a:p>
+                  </a:txBody>
+                  <a:tcPr marL="243513" marR="243513" marT="34290" marB="34290" anchor="ctr"/>
+                </a:tc>
+                <a:tc>
+                  <a:txBody>
+                    <a:bodyPr/>
+                    <a:lstStyle/>
+                    <a:p>
+                      <a:pPr algn="ctr"/>
+                      <a:r>
+                        <a:rPr lang="en-US" sz="1100" dirty="0">
+                          <a:latin typeface="Helvetica Neue" panose="02000503000000020004" pitchFamily="2"/>
+                        </a:rPr>
+                        <a:t>0</a:t>
+                      </a:r>
+                    </a:p>
+                  </a:txBody>
+                  <a:tcPr marL="0" marR="0" marT="0" marB="0" anchor="ctr"/>
+                </a:tc>
+                <a:tc>
+                  <a:txBody>
+                    <a:bodyPr/>
+                    <a:lstStyle/>
+                    <a:p>
+                      <a:pPr algn="ctr"/>
+                      <a:r>
+                        <a:rPr lang="en-US" sz="1100" dirty="0">
+                          <a:latin typeface="Helvetica Neue" panose="02000503000000020004" pitchFamily="2"/>
+                        </a:rPr>
+                        <a:t>12</a:t>
+                      </a:r>
+                    </a:p>
+                  </a:txBody>
+                  <a:tcPr marL="0" marR="0" marT="0" marB="0" anchor="ctr"/>
+                </a:tc>
+                <a:tc>
+                  <a:txBody>
+                    <a:bodyPr/>
+                    <a:lstStyle/>
+                    <a:p>
+                      <a:pPr algn="ctr"/>
+                      <a:r>
+                        <a:rPr lang="en-US" sz="1100" dirty="0">
+                          <a:latin typeface="Helvetica Neue" panose="02000503000000020004" pitchFamily="2"/>
+                        </a:rPr>
+                        <a:t>0</a:t>
+                      </a:r>
+                    </a:p>
+                  </a:txBody>
+                  <a:tcPr marL="0" marR="0" marT="0" marB="0" anchor="ctr"/>
+                </a:tc>
+                <a:tc>
+                  <a:txBody>
+                    <a:bodyPr/>
+                    <a:lstStyle/>
+                    <a:p>
+                      <a:pPr algn="ctr"/>
+                      <a:r>
+                        <a:rPr lang="en-US" sz="1100" dirty="0">
+                          <a:latin typeface="Helvetica Neue" panose="02000503000000020004" pitchFamily="2"/>
+                        </a:rPr>
+                        <a:t>100</a:t>
+                      </a:r>
+                    </a:p>
+                  </a:txBody>
+                  <a:tcPr marL="0" marR="0" marT="0" marB="0" anchor="ctr">
+                    <a:lnR w="12700" cap="flat" cmpd="sng" algn="ctr">
+                      <a:solidFill>
+                        <a:schemeClr val="tx1"/>
+                      </a:solidFill>
+                      <a:prstDash val="solid"/>
+                      <a:round/>
+                      <a:headEnd type="none" w="med" len="med"/>
+                      <a:tailEnd type="none" w="med" len="med"/>
+                    </a:lnR>
+                  </a:tcPr>
+                </a:tc>
+                <a:tc>
+                  <a:txBody>
+                    <a:bodyPr/>
+                    <a:lstStyle/>
+                    <a:p>
+                      <a:pPr algn="ctr"/>
+                      <a:r>
+                        <a:rPr lang="en-US" sz="1100" dirty="0">
+                          <a:latin typeface="Helvetica Neue" panose="02000503000000020004" pitchFamily="2"/>
+                        </a:rPr>
+                        <a:t>0</a:t>
+                      </a:r>
+                    </a:p>
+                  </a:txBody>
+                  <a:tcPr marL="0" marR="0" marT="0" marB="0" anchor="ctr">
+                    <a:lnL w="12700" cap="flat" cmpd="sng" algn="ctr">
+                      <a:solidFill>
+                        <a:schemeClr val="tx1"/>
+                      </a:solidFill>
+                      <a:prstDash val="solid"/>
+                      <a:round/>
+                      <a:headEnd type="none" w="med" len="med"/>
+                      <a:tailEnd type="none" w="med" len="med"/>
+                    </a:lnL>
+                    <a:lnR w="12700" cap="flat" cmpd="sng" algn="ctr">
+                      <a:solidFill>
+                        <a:schemeClr val="tx1"/>
+                      </a:solidFill>
+                      <a:prstDash val="solid"/>
+                      <a:round/>
+                      <a:headEnd type="none" w="med" len="med"/>
+                      <a:tailEnd type="none" w="med" len="med"/>
+                    </a:lnR>
+                  </a:tcPr>
+                </a:tc>
+                <a:extLst>
+                  <a:ext uri="{0D108BD9-81ED-4DB2-BD59-A6C34878D82A}">
+                    <a16:rowId xmlns:a16="http://schemas.microsoft.com/office/drawing/2014/main" val="10003"/>
+                  </a:ext>
+                </a:extLst>
+              </a:tr>
+              <a:tr h="228600">
+                <a:tc>
+                  <a:txBody>
+                    <a:bodyPr/>
+                    <a:lstStyle/>
+                    <a:p>
+                      <a:pPr algn="ctr"/>
+                      <a:r>
+                        <a:rPr lang="en-US" sz="1100" dirty="0">
+                          <a:latin typeface="Helvetica Neue" panose="02000503000000020004" pitchFamily="2"/>
+                        </a:rPr>
+                        <a:t>Sample4</a:t>
+                      </a:r>
+                    </a:p>
+                  </a:txBody>
+                  <a:tcPr marL="243513" marR="243513" marT="34290" marB="34290" anchor="ctr"/>
+                </a:tc>
+                <a:tc>
+                  <a:txBody>
+                    <a:bodyPr/>
+                    <a:lstStyle/>
+                    <a:p>
+                      <a:pPr algn="ctr"/>
+                      <a:r>
+                        <a:rPr lang="en-US" sz="1100" dirty="0">
+                          <a:latin typeface="Helvetica Neue" panose="02000503000000020004" pitchFamily="2"/>
+                        </a:rPr>
+                        <a:t>0</a:t>
+                      </a:r>
+                    </a:p>
+                  </a:txBody>
+                  <a:tcPr marL="0" marR="0" marT="0" marB="0" anchor="ctr"/>
+                </a:tc>
+                <a:tc>
+                  <a:txBody>
+                    <a:bodyPr/>
+                    <a:lstStyle/>
+                    <a:p>
+                      <a:pPr algn="ctr"/>
+                      <a:r>
+                        <a:rPr lang="en-US" sz="1100" dirty="0">
+                          <a:latin typeface="Helvetica Neue" panose="02000503000000020004" pitchFamily="2"/>
+                        </a:rPr>
+                        <a:t>10</a:t>
+                      </a:r>
+                    </a:p>
+                  </a:txBody>
+                  <a:tcPr marL="0" marR="0" marT="0" marB="0" anchor="ctr"/>
+                </a:tc>
+                <a:tc>
+                  <a:txBody>
+                    <a:bodyPr/>
+                    <a:lstStyle/>
+                    <a:p>
+                      <a:pPr algn="ctr"/>
+                      <a:r>
+                        <a:rPr lang="en-US" sz="1100" dirty="0">
+                          <a:latin typeface="Helvetica Neue" panose="02000503000000020004" pitchFamily="2"/>
+                        </a:rPr>
+                        <a:t>100</a:t>
+                      </a:r>
+                    </a:p>
+                  </a:txBody>
+                  <a:tcPr marL="0" marR="0" marT="0" marB="0" anchor="ctr"/>
+                </a:tc>
+                <a:tc>
+                  <a:txBody>
+                    <a:bodyPr/>
+                    <a:lstStyle/>
+                    <a:p>
+                      <a:pPr algn="ctr"/>
+                      <a:r>
+                        <a:rPr lang="en-US" sz="1100" dirty="0">
+                          <a:latin typeface="Helvetica Neue" panose="02000503000000020004" pitchFamily="2"/>
+                        </a:rPr>
+                        <a:t>0</a:t>
+                      </a:r>
+                    </a:p>
+                  </a:txBody>
+                  <a:tcPr marL="0" marR="0" marT="0" marB="0" anchor="ctr">
+                    <a:lnR w="12700" cap="flat" cmpd="sng" algn="ctr">
+                      <a:solidFill>
+                        <a:schemeClr val="tx1"/>
+                      </a:solidFill>
+                      <a:prstDash val="solid"/>
+                      <a:round/>
+                      <a:headEnd type="none" w="med" len="med"/>
+                      <a:tailEnd type="none" w="med" len="med"/>
+                    </a:lnR>
+                  </a:tcPr>
+                </a:tc>
+                <a:tc>
+                  <a:txBody>
+                    <a:bodyPr/>
+                    <a:lstStyle/>
+                    <a:p>
+                      <a:pPr marL="0" indent="77788" algn="ctr">
+                        <a:tabLst/>
+                      </a:pPr>
+                      <a:r>
+                        <a:rPr lang="en-US" sz="1100" dirty="0">
+                          <a:latin typeface="Helvetica Neue" panose="02000503000000020004" pitchFamily="2"/>
+                        </a:rPr>
+                        <a:t>1</a:t>
+                      </a:r>
+                    </a:p>
+                  </a:txBody>
+                  <a:tcPr marL="0" marR="0" marT="0" marB="0" anchor="ctr">
+                    <a:lnL w="12700" cap="flat" cmpd="sng" algn="ctr">
+                      <a:solidFill>
+                        <a:schemeClr val="tx1"/>
+                      </a:solidFill>
+                      <a:prstDash val="solid"/>
+                      <a:round/>
+                      <a:headEnd type="none" w="med" len="med"/>
+                      <a:tailEnd type="none" w="med" len="med"/>
+                    </a:lnL>
+                    <a:lnR w="12700" cap="flat" cmpd="sng" algn="ctr">
+                      <a:solidFill>
+                        <a:schemeClr val="tx1"/>
+                      </a:solidFill>
+                      <a:prstDash val="solid"/>
+                      <a:round/>
+                      <a:headEnd type="none" w="med" len="med"/>
+                      <a:tailEnd type="none" w="med" len="med"/>
+                    </a:lnR>
+                    <a:lnB w="12700" cap="flat" cmpd="sng" algn="ctr">
+                      <a:solidFill>
+                        <a:schemeClr val="tx1"/>
+                      </a:solidFill>
+                      <a:prstDash val="solid"/>
+                      <a:round/>
+                      <a:headEnd type="none" w="med" len="med"/>
+                      <a:tailEnd type="none" w="med" len="med"/>
+                    </a:lnB>
+                  </a:tcPr>
+                </a:tc>
+                <a:extLst>
+                  <a:ext uri="{0D108BD9-81ED-4DB2-BD59-A6C34878D82A}">
+                    <a16:rowId xmlns:a16="http://schemas.microsoft.com/office/drawing/2014/main" val="10004"/>
+                  </a:ext>
+                </a:extLst>
+              </a:tr>
+            </a:tbl>
+          </a:graphicData>
+        </a:graphic>
+      </p:graphicFrame>
+      <p:pic>
+        <p:nvPicPr>
+          <p:cNvPr id="20" name="Picture 19">
+            <a:extLst>
+              <a:ext uri="{FF2B5EF4-FFF2-40B4-BE49-F238E27FC236}">
+                <a16:creationId xmlns:a16="http://schemas.microsoft.com/office/drawing/2014/main" id="{3F3BAB4C-EC15-4B70-B104-310C1FB7991D}"/>
+              </a:ext>
+            </a:extLst>
+          </p:cNvPr>
+          <p:cNvPicPr>
+            <a:picLocks noChangeAspect="1"/>
+          </p:cNvPicPr>
+          <p:nvPr/>
+        </p:nvPicPr>
+        <p:blipFill rotWithShape="1">
+          <a:blip r:embed="rId5"/>
+          <a:srcRect l="2861" t="10256" r="1355" b="172"/>
+          <a:stretch/>
+        </p:blipFill>
+        <p:spPr>
+          <a:xfrm>
+            <a:off x="2478363" y="2912159"/>
+            <a:ext cx="4160662" cy="1228258"/>
+          </a:xfrm>
+          <a:prstGeom prst="rect">
+            <a:avLst/>
+          </a:prstGeom>
+        </p:spPr>
+        <p:style>
+          <a:lnRef idx="2">
+            <a:schemeClr val="dk1"/>
+          </a:lnRef>
+          <a:fillRef idx="1">
+            <a:schemeClr val="lt1"/>
+          </a:fillRef>
+          <a:effectRef idx="0">
+            <a:schemeClr val="dk1"/>
+          </a:effectRef>
+          <a:fontRef idx="minor">
+            <a:schemeClr val="dk1"/>
+          </a:fontRef>
+        </p:style>
+      </p:pic>
+      <p:sp>
+        <p:nvSpPr>
+          <p:cNvPr id="2" name="Oval 1">
+            <a:extLst>
+              <a:ext uri="{FF2B5EF4-FFF2-40B4-BE49-F238E27FC236}">
+                <a16:creationId xmlns:a16="http://schemas.microsoft.com/office/drawing/2014/main" id="{59F2F99B-F7BB-43BE-B3F8-7167F6E861E5}"/>
+              </a:ext>
+            </a:extLst>
+          </p:cNvPr>
+          <p:cNvSpPr/>
+          <p:nvPr/>
+        </p:nvSpPr>
+        <p:spPr>
+          <a:xfrm rot="20419249">
+            <a:off x="3554045" y="4099865"/>
+            <a:ext cx="3616199" cy="1864649"/>
+          </a:xfrm>
+          <a:prstGeom prst="ellipse">
+            <a:avLst/>
+          </a:prstGeom>
+          <a:noFill/>
+        </p:spPr>
+        <p:style>
+          <a:lnRef idx="2">
+            <a:schemeClr val="accent6"/>
+          </a:lnRef>
+          <a:fillRef idx="1">
+            <a:schemeClr val="lt1"/>
+          </a:fillRef>
+          <a:effectRef idx="0">
+            <a:schemeClr val="accent6"/>
+          </a:effectRef>
+          <a:fontRef idx="minor">
+            <a:schemeClr val="dk1"/>
+          </a:fontRef>
+        </p:style>
+        <p:txBody>
+          <a:bodyPr rtlCol="0" anchor="ctr"/>
+          <a:lstStyle/>
+          <a:p>
+            <a:pPr algn="ctr"/>
+            <a:endParaRPr lang="es-PE"/>
+          </a:p>
+        </p:txBody>
+      </p:sp>
     </p:spTree>
     <p:extLst>
       <p:ext uri="{BB962C8B-B14F-4D97-AF65-F5344CB8AC3E}">
-        <p14:creationId xmlns:p14="http://schemas.microsoft.com/office/powerpoint/2010/main" val="2386226475"/>
+        <p14:creationId xmlns:p14="http://schemas.microsoft.com/office/powerpoint/2010/main" val="379201782"/>
       </p:ext>
     </p:extLst>
   </p:cSld>
   <p:clrMapOvr>
     <a:masterClrMapping/>
   </p:clrMapOvr>
+  <p:timing>
+    <p:tnLst>
+      <p:par>
+        <p:cTn id="1" dur="indefinite" restart="never" nodeType="tmRoot">
+          <p:childTnLst>
+            <p:seq concurrent="1" nextAc="seek">
+              <p:cTn id="2" dur="indefinite" nodeType="mainSeq">
+                <p:childTnLst>
+                  <p:par>
+                    <p:cTn id="3" fill="hold">
+                      <p:stCondLst>
+                        <p:cond delay="indefinite"/>
+                      </p:stCondLst>
+                      <p:childTnLst>
+                        <p:par>
+                          <p:cTn id="4" fill="hold">
+                            <p:stCondLst>
+                              <p:cond delay="0"/>
+                            </p:stCondLst>
+                            <p:childTnLst>
+                              <p:par>
+                                <p:cTn id="5" presetID="10" presetClass="entr" presetSubtype="0" fill="hold" nodeType="clickEffect">
+                                  <p:stCondLst>
+                                    <p:cond delay="0"/>
+                                  </p:stCondLst>
+                                  <p:childTnLst>
+                                    <p:set>
+                                      <p:cBhvr>
+                                        <p:cTn id="6" dur="1" fill="hold">
+                                          <p:stCondLst>
+                                            <p:cond delay="0"/>
+                                          </p:stCondLst>
+                                        </p:cTn>
+                                        <p:tgtEl>
+                                          <p:spTgt spid="31"/>
+                                        </p:tgtEl>
+                                        <p:attrNameLst>
+                                          <p:attrName>style.visibility</p:attrName>
+                                        </p:attrNameLst>
+                                      </p:cBhvr>
+                                      <p:to>
+                                        <p:strVal val="visible"/>
+                                      </p:to>
+                                    </p:set>
+                                    <p:animEffect transition="in" filter="fade">
+                                      <p:cBhvr>
+                                        <p:cTn id="7" dur="500"/>
+                                        <p:tgtEl>
+                                          <p:spTgt spid="31"/>
+                                        </p:tgtEl>
+                                      </p:cBhvr>
+                                    </p:animEffect>
+                                  </p:childTnLst>
+                                </p:cTn>
+                              </p:par>
+                            </p:childTnLst>
+                          </p:cTn>
+                        </p:par>
+                      </p:childTnLst>
+                    </p:cTn>
+                  </p:par>
+                  <p:par>
+                    <p:cTn id="8" fill="hold">
+                      <p:stCondLst>
+                        <p:cond delay="indefinite"/>
+                      </p:stCondLst>
+                      <p:childTnLst>
+                        <p:par>
+                          <p:cTn id="9" fill="hold">
+                            <p:stCondLst>
+                              <p:cond delay="0"/>
+                            </p:stCondLst>
+                            <p:childTnLst>
+                              <p:par>
+                                <p:cTn id="10" presetID="10" presetClass="entr" presetSubtype="0" fill="hold" nodeType="clickEffect">
+                                  <p:stCondLst>
+                                    <p:cond delay="0"/>
+                                  </p:stCondLst>
+                                  <p:childTnLst>
+                                    <p:set>
+                                      <p:cBhvr>
+                                        <p:cTn id="11" dur="1" fill="hold">
+                                          <p:stCondLst>
+                                            <p:cond delay="0"/>
+                                          </p:stCondLst>
+                                        </p:cTn>
+                                        <p:tgtEl>
+                                          <p:spTgt spid="32"/>
+                                        </p:tgtEl>
+                                        <p:attrNameLst>
+                                          <p:attrName>style.visibility</p:attrName>
+                                        </p:attrNameLst>
+                                      </p:cBhvr>
+                                      <p:to>
+                                        <p:strVal val="visible"/>
+                                      </p:to>
+                                    </p:set>
+                                    <p:animEffect transition="in" filter="fade">
+                                      <p:cBhvr>
+                                        <p:cTn id="12" dur="500"/>
+                                        <p:tgtEl>
+                                          <p:spTgt spid="32"/>
+                                        </p:tgtEl>
+                                      </p:cBhvr>
+                                    </p:animEffect>
+                                  </p:childTnLst>
+                                </p:cTn>
+                              </p:par>
+                              <p:par>
+                                <p:cTn id="13" presetID="1" presetClass="exit" presetSubtype="0" fill="hold" nodeType="withEffect">
+                                  <p:stCondLst>
+                                    <p:cond delay="0"/>
+                                  </p:stCondLst>
+                                  <p:childTnLst>
+                                    <p:set>
+                                      <p:cBhvr>
+                                        <p:cTn id="14" dur="1" fill="hold">
+                                          <p:stCondLst>
+                                            <p:cond delay="0"/>
+                                          </p:stCondLst>
+                                        </p:cTn>
+                                        <p:tgtEl>
+                                          <p:spTgt spid="1028"/>
+                                        </p:tgtEl>
+                                        <p:attrNameLst>
+                                          <p:attrName>style.visibility</p:attrName>
+                                        </p:attrNameLst>
+                                      </p:cBhvr>
+                                      <p:to>
+                                        <p:strVal val="hidden"/>
+                                      </p:to>
+                                    </p:set>
+                                  </p:childTnLst>
+                                </p:cTn>
+                              </p:par>
+                              <p:par>
+                                <p:cTn id="15" presetID="10" presetClass="entr" presetSubtype="0" fill="hold" nodeType="withEffect">
+                                  <p:stCondLst>
+                                    <p:cond delay="0"/>
+                                  </p:stCondLst>
+                                  <p:childTnLst>
+                                    <p:set>
+                                      <p:cBhvr>
+                                        <p:cTn id="16" dur="1" fill="hold">
+                                          <p:stCondLst>
+                                            <p:cond delay="0"/>
+                                          </p:stCondLst>
+                                        </p:cTn>
+                                        <p:tgtEl>
+                                          <p:spTgt spid="1026"/>
+                                        </p:tgtEl>
+                                        <p:attrNameLst>
+                                          <p:attrName>style.visibility</p:attrName>
+                                        </p:attrNameLst>
+                                      </p:cBhvr>
+                                      <p:to>
+                                        <p:strVal val="visible"/>
+                                      </p:to>
+                                    </p:set>
+                                    <p:animEffect transition="in" filter="fade">
+                                      <p:cBhvr>
+                                        <p:cTn id="17" dur="500"/>
+                                        <p:tgtEl>
+                                          <p:spTgt spid="1026"/>
+                                        </p:tgtEl>
+                                      </p:cBhvr>
+                                    </p:animEffect>
+                                  </p:childTnLst>
+                                </p:cTn>
+                              </p:par>
+                            </p:childTnLst>
+                          </p:cTn>
+                        </p:par>
+                      </p:childTnLst>
+                    </p:cTn>
+                  </p:par>
+                  <p:par>
+                    <p:cTn id="18" fill="hold">
+                      <p:stCondLst>
+                        <p:cond delay="indefinite"/>
+                      </p:stCondLst>
+                      <p:childTnLst>
+                        <p:par>
+                          <p:cTn id="19" fill="hold">
+                            <p:stCondLst>
+                              <p:cond delay="0"/>
+                            </p:stCondLst>
+                            <p:childTnLst>
+                              <p:par>
+                                <p:cTn id="20" presetID="10" presetClass="entr" presetSubtype="0" fill="hold" nodeType="clickEffect">
+                                  <p:stCondLst>
+                                    <p:cond delay="0"/>
+                                  </p:stCondLst>
+                                  <p:childTnLst>
+                                    <p:set>
+                                      <p:cBhvr>
+                                        <p:cTn id="21" dur="1" fill="hold">
+                                          <p:stCondLst>
+                                            <p:cond delay="0"/>
+                                          </p:stCondLst>
+                                        </p:cTn>
+                                        <p:tgtEl>
+                                          <p:spTgt spid="33"/>
+                                        </p:tgtEl>
+                                        <p:attrNameLst>
+                                          <p:attrName>style.visibility</p:attrName>
+                                        </p:attrNameLst>
+                                      </p:cBhvr>
+                                      <p:to>
+                                        <p:strVal val="visible"/>
+                                      </p:to>
+                                    </p:set>
+                                    <p:animEffect transition="in" filter="fade">
+                                      <p:cBhvr>
+                                        <p:cTn id="22" dur="500"/>
+                                        <p:tgtEl>
+                                          <p:spTgt spid="33"/>
+                                        </p:tgtEl>
+                                      </p:cBhvr>
+                                    </p:animEffect>
+                                  </p:childTnLst>
+                                </p:cTn>
+                              </p:par>
+                            </p:childTnLst>
+                          </p:cTn>
+                        </p:par>
+                      </p:childTnLst>
+                    </p:cTn>
+                  </p:par>
+                  <p:par>
+                    <p:cTn id="23" fill="hold">
+                      <p:stCondLst>
+                        <p:cond delay="indefinite"/>
+                      </p:stCondLst>
+                      <p:childTnLst>
+                        <p:par>
+                          <p:cTn id="24" fill="hold">
+                            <p:stCondLst>
+                              <p:cond delay="0"/>
+                            </p:stCondLst>
+                            <p:childTnLst>
+                              <p:par>
+                                <p:cTn id="25" presetID="10" presetClass="entr" presetSubtype="0" fill="hold" nodeType="clickEffect">
+                                  <p:stCondLst>
+                                    <p:cond delay="0"/>
+                                  </p:stCondLst>
+                                  <p:childTnLst>
+                                    <p:set>
+                                      <p:cBhvr>
+                                        <p:cTn id="26" dur="1" fill="hold">
+                                          <p:stCondLst>
+                                            <p:cond delay="0"/>
+                                          </p:stCondLst>
+                                        </p:cTn>
+                                        <p:tgtEl>
+                                          <p:spTgt spid="41"/>
+                                        </p:tgtEl>
+                                        <p:attrNameLst>
+                                          <p:attrName>style.visibility</p:attrName>
+                                        </p:attrNameLst>
+                                      </p:cBhvr>
+                                      <p:to>
+                                        <p:strVal val="visible"/>
+                                      </p:to>
+                                    </p:set>
+                                    <p:animEffect transition="in" filter="fade">
+                                      <p:cBhvr>
+                                        <p:cTn id="27" dur="500"/>
+                                        <p:tgtEl>
+                                          <p:spTgt spid="41"/>
+                                        </p:tgtEl>
+                                      </p:cBhvr>
+                                    </p:animEffect>
+                                  </p:childTnLst>
+                                </p:cTn>
+                              </p:par>
+                              <p:par>
+                                <p:cTn id="28" presetID="1" presetClass="exit" presetSubtype="0" fill="hold" nodeType="withEffect">
+                                  <p:stCondLst>
+                                    <p:cond delay="0"/>
+                                  </p:stCondLst>
+                                  <p:childTnLst>
+                                    <p:set>
+                                      <p:cBhvr>
+                                        <p:cTn id="29" dur="1" fill="hold">
+                                          <p:stCondLst>
+                                            <p:cond delay="0"/>
+                                          </p:stCondLst>
+                                        </p:cTn>
+                                        <p:tgtEl>
+                                          <p:spTgt spid="1026"/>
+                                        </p:tgtEl>
+                                        <p:attrNameLst>
+                                          <p:attrName>style.visibility</p:attrName>
+                                        </p:attrNameLst>
+                                      </p:cBhvr>
+                                      <p:to>
+                                        <p:strVal val="hidden"/>
+                                      </p:to>
+                                    </p:set>
+                                  </p:childTnLst>
+                                </p:cTn>
+                              </p:par>
+                              <p:par>
+                                <p:cTn id="30" presetID="10" presetClass="entr" presetSubtype="0" fill="hold" grpId="0" nodeType="withEffect">
+                                  <p:stCondLst>
+                                    <p:cond delay="0"/>
+                                  </p:stCondLst>
+                                  <p:childTnLst>
+                                    <p:set>
+                                      <p:cBhvr>
+                                        <p:cTn id="31" dur="1" fill="hold">
+                                          <p:stCondLst>
+                                            <p:cond delay="0"/>
+                                          </p:stCondLst>
+                                        </p:cTn>
+                                        <p:tgtEl>
+                                          <p:spTgt spid="19"/>
+                                        </p:tgtEl>
+                                        <p:attrNameLst>
+                                          <p:attrName>style.visibility</p:attrName>
+                                        </p:attrNameLst>
+                                      </p:cBhvr>
+                                      <p:to>
+                                        <p:strVal val="visible"/>
+                                      </p:to>
+                                    </p:set>
+                                    <p:animEffect transition="in" filter="fade">
+                                      <p:cBhvr>
+                                        <p:cTn id="32" dur="500"/>
+                                        <p:tgtEl>
+                                          <p:spTgt spid="19"/>
+                                        </p:tgtEl>
+                                      </p:cBhvr>
+                                    </p:animEffect>
+                                  </p:childTnLst>
+                                </p:cTn>
+                              </p:par>
+                            </p:childTnLst>
+                          </p:cTn>
+                        </p:par>
+                      </p:childTnLst>
+                    </p:cTn>
+                  </p:par>
+                  <p:par>
+                    <p:cTn id="33" fill="hold">
+                      <p:stCondLst>
+                        <p:cond delay="indefinite"/>
+                      </p:stCondLst>
+                      <p:childTnLst>
+                        <p:par>
+                          <p:cTn id="34" fill="hold">
+                            <p:stCondLst>
+                              <p:cond delay="0"/>
+                            </p:stCondLst>
+                            <p:childTnLst>
+                              <p:par>
+                                <p:cTn id="35" presetID="10" presetClass="entr" presetSubtype="0" fill="hold" nodeType="clickEffect">
+                                  <p:stCondLst>
+                                    <p:cond delay="0"/>
+                                  </p:stCondLst>
+                                  <p:childTnLst>
+                                    <p:set>
+                                      <p:cBhvr>
+                                        <p:cTn id="36" dur="1" fill="hold">
+                                          <p:stCondLst>
+                                            <p:cond delay="0"/>
+                                          </p:stCondLst>
+                                        </p:cTn>
+                                        <p:tgtEl>
+                                          <p:spTgt spid="42"/>
+                                        </p:tgtEl>
+                                        <p:attrNameLst>
+                                          <p:attrName>style.visibility</p:attrName>
+                                        </p:attrNameLst>
+                                      </p:cBhvr>
+                                      <p:to>
+                                        <p:strVal val="visible"/>
+                                      </p:to>
+                                    </p:set>
+                                    <p:animEffect transition="in" filter="fade">
+                                      <p:cBhvr>
+                                        <p:cTn id="37" dur="500"/>
+                                        <p:tgtEl>
+                                          <p:spTgt spid="42"/>
+                                        </p:tgtEl>
+                                      </p:cBhvr>
+                                    </p:animEffect>
+                                  </p:childTnLst>
+                                </p:cTn>
+                              </p:par>
+                              <p:par>
+                                <p:cTn id="38" presetID="1" presetClass="exit" presetSubtype="0" fill="hold" grpId="1" nodeType="withEffect">
+                                  <p:stCondLst>
+                                    <p:cond delay="0"/>
+                                  </p:stCondLst>
+                                  <p:childTnLst>
+                                    <p:set>
+                                      <p:cBhvr>
+                                        <p:cTn id="39" dur="1" fill="hold">
+                                          <p:stCondLst>
+                                            <p:cond delay="0"/>
+                                          </p:stCondLst>
+                                        </p:cTn>
+                                        <p:tgtEl>
+                                          <p:spTgt spid="19"/>
+                                        </p:tgtEl>
+                                        <p:attrNameLst>
+                                          <p:attrName>style.visibility</p:attrName>
+                                        </p:attrNameLst>
+                                      </p:cBhvr>
+                                      <p:to>
+                                        <p:strVal val="hidden"/>
+                                      </p:to>
+                                    </p:set>
+                                  </p:childTnLst>
+                                </p:cTn>
+                              </p:par>
+                              <p:par>
+                                <p:cTn id="40" presetID="1" presetClass="entr" presetSubtype="0" fill="hold" nodeType="withEffect">
+                                  <p:stCondLst>
+                                    <p:cond delay="0"/>
+                                  </p:stCondLst>
+                                  <p:childTnLst>
+                                    <p:set>
+                                      <p:cBhvr>
+                                        <p:cTn id="41" dur="1" fill="hold">
+                                          <p:stCondLst>
+                                            <p:cond delay="0"/>
+                                          </p:stCondLst>
+                                        </p:cTn>
+                                        <p:tgtEl>
+                                          <p:spTgt spid="48"/>
+                                        </p:tgtEl>
+                                        <p:attrNameLst>
+                                          <p:attrName>style.visibility</p:attrName>
+                                        </p:attrNameLst>
+                                      </p:cBhvr>
+                                      <p:to>
+                                        <p:strVal val="visible"/>
+                                      </p:to>
+                                    </p:set>
+                                  </p:childTnLst>
+                                </p:cTn>
+                              </p:par>
+                            </p:childTnLst>
+                          </p:cTn>
+                        </p:par>
+                      </p:childTnLst>
+                    </p:cTn>
+                  </p:par>
+                  <p:par>
+                    <p:cTn id="42" fill="hold">
+                      <p:stCondLst>
+                        <p:cond delay="indefinite"/>
+                      </p:stCondLst>
+                      <p:childTnLst>
+                        <p:par>
+                          <p:cTn id="43" fill="hold">
+                            <p:stCondLst>
+                              <p:cond delay="0"/>
+                            </p:stCondLst>
+                            <p:childTnLst>
+                              <p:par>
+                                <p:cTn id="44" presetID="10" presetClass="entr" presetSubtype="0" fill="hold" nodeType="clickEffect">
+                                  <p:stCondLst>
+                                    <p:cond delay="0"/>
+                                  </p:stCondLst>
+                                  <p:childTnLst>
+                                    <p:set>
+                                      <p:cBhvr>
+                                        <p:cTn id="45" dur="1" fill="hold">
+                                          <p:stCondLst>
+                                            <p:cond delay="0"/>
+                                          </p:stCondLst>
+                                        </p:cTn>
+                                        <p:tgtEl>
+                                          <p:spTgt spid="43"/>
+                                        </p:tgtEl>
+                                        <p:attrNameLst>
+                                          <p:attrName>style.visibility</p:attrName>
+                                        </p:attrNameLst>
+                                      </p:cBhvr>
+                                      <p:to>
+                                        <p:strVal val="visible"/>
+                                      </p:to>
+                                    </p:set>
+                                    <p:animEffect transition="in" filter="fade">
+                                      <p:cBhvr>
+                                        <p:cTn id="46" dur="500"/>
+                                        <p:tgtEl>
+                                          <p:spTgt spid="43"/>
+                                        </p:tgtEl>
+                                      </p:cBhvr>
+                                    </p:animEffect>
+                                  </p:childTnLst>
+                                </p:cTn>
+                              </p:par>
+                              <p:par>
+                                <p:cTn id="47" presetID="10" presetClass="exit" presetSubtype="0" fill="hold" nodeType="withEffect">
+                                  <p:stCondLst>
+                                    <p:cond delay="0"/>
+                                  </p:stCondLst>
+                                  <p:childTnLst>
+                                    <p:animEffect transition="out" filter="fade">
+                                      <p:cBhvr>
+                                        <p:cTn id="48" dur="500"/>
+                                        <p:tgtEl>
+                                          <p:spTgt spid="48"/>
+                                        </p:tgtEl>
+                                      </p:cBhvr>
+                                    </p:animEffect>
+                                    <p:set>
+                                      <p:cBhvr>
+                                        <p:cTn id="49" dur="1" fill="hold">
+                                          <p:stCondLst>
+                                            <p:cond delay="499"/>
+                                          </p:stCondLst>
+                                        </p:cTn>
+                                        <p:tgtEl>
+                                          <p:spTgt spid="48"/>
+                                        </p:tgtEl>
+                                        <p:attrNameLst>
+                                          <p:attrName>style.visibility</p:attrName>
+                                        </p:attrNameLst>
+                                      </p:cBhvr>
+                                      <p:to>
+                                        <p:strVal val="hidden"/>
+                                      </p:to>
+                                    </p:set>
+                                  </p:childTnLst>
+                                </p:cTn>
+                              </p:par>
+                              <p:par>
+                                <p:cTn id="50" presetID="10" presetClass="entr" presetSubtype="0" fill="hold" nodeType="withEffect">
+                                  <p:stCondLst>
+                                    <p:cond delay="0"/>
+                                  </p:stCondLst>
+                                  <p:childTnLst>
+                                    <p:set>
+                                      <p:cBhvr>
+                                        <p:cTn id="51" dur="1" fill="hold">
+                                          <p:stCondLst>
+                                            <p:cond delay="0"/>
+                                          </p:stCondLst>
+                                        </p:cTn>
+                                        <p:tgtEl>
+                                          <p:spTgt spid="1032"/>
+                                        </p:tgtEl>
+                                        <p:attrNameLst>
+                                          <p:attrName>style.visibility</p:attrName>
+                                        </p:attrNameLst>
+                                      </p:cBhvr>
+                                      <p:to>
+                                        <p:strVal val="visible"/>
+                                      </p:to>
+                                    </p:set>
+                                    <p:animEffect transition="in" filter="fade">
+                                      <p:cBhvr>
+                                        <p:cTn id="52" dur="500"/>
+                                        <p:tgtEl>
+                                          <p:spTgt spid="1032"/>
+                                        </p:tgtEl>
+                                      </p:cBhvr>
+                                    </p:animEffect>
+                                  </p:childTnLst>
+                                </p:cTn>
+                              </p:par>
+                            </p:childTnLst>
+                          </p:cTn>
+                        </p:par>
+                      </p:childTnLst>
+                    </p:cTn>
+                  </p:par>
+                  <p:par>
+                    <p:cTn id="53" fill="hold">
+                      <p:stCondLst>
+                        <p:cond delay="indefinite"/>
+                      </p:stCondLst>
+                      <p:childTnLst>
+                        <p:par>
+                          <p:cTn id="54" fill="hold">
+                            <p:stCondLst>
+                              <p:cond delay="0"/>
+                            </p:stCondLst>
+                            <p:childTnLst>
+                              <p:par>
+                                <p:cTn id="55" presetID="10" presetClass="entr" presetSubtype="0" fill="hold" grpId="0" nodeType="clickEffect">
+                                  <p:stCondLst>
+                                    <p:cond delay="0"/>
+                                  </p:stCondLst>
+                                  <p:childTnLst>
+                                    <p:set>
+                                      <p:cBhvr>
+                                        <p:cTn id="56" dur="1" fill="hold">
+                                          <p:stCondLst>
+                                            <p:cond delay="0"/>
+                                          </p:stCondLst>
+                                        </p:cTn>
+                                        <p:tgtEl>
+                                          <p:spTgt spid="39"/>
+                                        </p:tgtEl>
+                                        <p:attrNameLst>
+                                          <p:attrName>style.visibility</p:attrName>
+                                        </p:attrNameLst>
+                                      </p:cBhvr>
+                                      <p:to>
+                                        <p:strVal val="visible"/>
+                                      </p:to>
+                                    </p:set>
+                                    <p:animEffect transition="in" filter="fade">
+                                      <p:cBhvr>
+                                        <p:cTn id="57" dur="500"/>
+                                        <p:tgtEl>
+                                          <p:spTgt spid="39"/>
+                                        </p:tgtEl>
+                                      </p:cBhvr>
+                                    </p:animEffect>
+                                  </p:childTnLst>
+                                </p:cTn>
+                              </p:par>
+                              <p:par>
+                                <p:cTn id="58" presetID="10" presetClass="entr" presetSubtype="0" fill="hold" grpId="0" nodeType="withEffect">
+                                  <p:stCondLst>
+                                    <p:cond delay="0"/>
+                                  </p:stCondLst>
+                                  <p:childTnLst>
+                                    <p:set>
+                                      <p:cBhvr>
+                                        <p:cTn id="59" dur="1" fill="hold">
+                                          <p:stCondLst>
+                                            <p:cond delay="0"/>
+                                          </p:stCondLst>
+                                        </p:cTn>
+                                        <p:tgtEl>
+                                          <p:spTgt spid="14"/>
+                                        </p:tgtEl>
+                                        <p:attrNameLst>
+                                          <p:attrName>style.visibility</p:attrName>
+                                        </p:attrNameLst>
+                                      </p:cBhvr>
+                                      <p:to>
+                                        <p:strVal val="visible"/>
+                                      </p:to>
+                                    </p:set>
+                                    <p:animEffect transition="in" filter="fade">
+                                      <p:cBhvr>
+                                        <p:cTn id="60" dur="500"/>
+                                        <p:tgtEl>
+                                          <p:spTgt spid="14"/>
+                                        </p:tgtEl>
+                                      </p:cBhvr>
+                                    </p:animEffect>
+                                  </p:childTnLst>
+                                </p:cTn>
+                              </p:par>
+                              <p:par>
+                                <p:cTn id="61" presetID="1" presetClass="exit" presetSubtype="0" fill="hold" nodeType="withEffect">
+                                  <p:stCondLst>
+                                    <p:cond delay="0"/>
+                                  </p:stCondLst>
+                                  <p:childTnLst>
+                                    <p:set>
+                                      <p:cBhvr>
+                                        <p:cTn id="62" dur="1" fill="hold">
+                                          <p:stCondLst>
+                                            <p:cond delay="0"/>
+                                          </p:stCondLst>
+                                        </p:cTn>
+                                        <p:tgtEl>
+                                          <p:spTgt spid="1032"/>
+                                        </p:tgtEl>
+                                        <p:attrNameLst>
+                                          <p:attrName>style.visibility</p:attrName>
+                                        </p:attrNameLst>
+                                      </p:cBhvr>
+                                      <p:to>
+                                        <p:strVal val="hidden"/>
+                                      </p:to>
+                                    </p:set>
+                                  </p:childTnLst>
+                                </p:cTn>
+                              </p:par>
+                              <p:par>
+                                <p:cTn id="63" presetID="10" presetClass="entr" presetSubtype="0" fill="hold" nodeType="withEffect">
+                                  <p:stCondLst>
+                                    <p:cond delay="0"/>
+                                  </p:stCondLst>
+                                  <p:childTnLst>
+                                    <p:set>
+                                      <p:cBhvr>
+                                        <p:cTn id="64" dur="1" fill="hold">
+                                          <p:stCondLst>
+                                            <p:cond delay="0"/>
+                                          </p:stCondLst>
+                                        </p:cTn>
+                                        <p:tgtEl>
+                                          <p:spTgt spid="20"/>
+                                        </p:tgtEl>
+                                        <p:attrNameLst>
+                                          <p:attrName>style.visibility</p:attrName>
+                                        </p:attrNameLst>
+                                      </p:cBhvr>
+                                      <p:to>
+                                        <p:strVal val="visible"/>
+                                      </p:to>
+                                    </p:set>
+                                    <p:animEffect transition="in" filter="fade">
+                                      <p:cBhvr>
+                                        <p:cTn id="65" dur="500"/>
+                                        <p:tgtEl>
+                                          <p:spTgt spid="20"/>
+                                        </p:tgtEl>
+                                      </p:cBhvr>
+                                    </p:animEffect>
+                                  </p:childTnLst>
+                                </p:cTn>
+                              </p:par>
+                            </p:childTnLst>
+                          </p:cTn>
+                        </p:par>
+                      </p:childTnLst>
+                    </p:cTn>
+                  </p:par>
+                  <p:par>
+                    <p:cTn id="66" fill="hold">
+                      <p:stCondLst>
+                        <p:cond delay="indefinite"/>
+                      </p:stCondLst>
+                      <p:childTnLst>
+                        <p:par>
+                          <p:cTn id="67" fill="hold">
+                            <p:stCondLst>
+                              <p:cond delay="0"/>
+                            </p:stCondLst>
+                            <p:childTnLst>
+                              <p:par>
+                                <p:cTn id="68" presetID="10" presetClass="entr" presetSubtype="0" fill="hold" grpId="0" nodeType="clickEffect">
+                                  <p:stCondLst>
+                                    <p:cond delay="0"/>
+                                  </p:stCondLst>
+                                  <p:childTnLst>
+                                    <p:set>
+                                      <p:cBhvr>
+                                        <p:cTn id="69" dur="1" fill="hold">
+                                          <p:stCondLst>
+                                            <p:cond delay="0"/>
+                                          </p:stCondLst>
+                                        </p:cTn>
+                                        <p:tgtEl>
+                                          <p:spTgt spid="40"/>
+                                        </p:tgtEl>
+                                        <p:attrNameLst>
+                                          <p:attrName>style.visibility</p:attrName>
+                                        </p:attrNameLst>
+                                      </p:cBhvr>
+                                      <p:to>
+                                        <p:strVal val="visible"/>
+                                      </p:to>
+                                    </p:set>
+                                    <p:animEffect transition="in" filter="fade">
+                                      <p:cBhvr>
+                                        <p:cTn id="70" dur="500"/>
+                                        <p:tgtEl>
+                                          <p:spTgt spid="40"/>
+                                        </p:tgtEl>
+                                      </p:cBhvr>
+                                    </p:animEffect>
+                                  </p:childTnLst>
+                                </p:cTn>
+                              </p:par>
+                            </p:childTnLst>
+                          </p:cTn>
+                        </p:par>
+                      </p:childTnLst>
+                    </p:cTn>
+                  </p:par>
+                </p:childTnLst>
+              </p:cTn>
+              <p:prevCondLst>
+                <p:cond evt="onPrev" delay="0">
+                  <p:tgtEl>
+                    <p:sldTgt/>
+                  </p:tgtEl>
+                </p:cond>
+              </p:prevCondLst>
+              <p:nextCondLst>
+                <p:cond evt="onNext" delay="0">
+                  <p:tgtEl>
+                    <p:sldTgt/>
+                  </p:tgtEl>
+                </p:cond>
+              </p:nextCondLst>
+            </p:seq>
+          </p:childTnLst>
+        </p:cTn>
+      </p:par>
+    </p:tnLst>
+    <p:bldLst>
+      <p:bldP spid="14" grpId="0" animBg="1"/>
+      <p:bldP spid="19" grpId="0"/>
+      <p:bldP spid="19" grpId="1"/>
+      <p:bldP spid="39" grpId="0" animBg="1"/>
+      <p:bldP spid="40" grpId="0" animBg="1"/>
+    </p:bldLst>
+  </p:timing>
 </p:sld>
 </file>
 
@@ -13660,7 +16278,10 @@
               <a:rPr lang="es-PE" dirty="0" err="1"/>
               <a:t>reduction</a:t>
             </a:r>
-            <a:endParaRPr lang="es-PE" dirty="0"/>
+            <a:r>
+              <a:rPr lang="es-PE" dirty="0"/>
+              <a:t> II</a:t>
+            </a:r>
           </a:p>
         </p:txBody>
       </p:sp>
@@ -13683,13 +16304,13 @@
         <p:spPr/>
         <p:txBody>
           <a:bodyPr>
-            <a:normAutofit fontScale="92500"/>
+            <a:normAutofit/>
           </a:bodyPr>
           <a:lstStyle/>
           <a:p>
             <a:r>
               <a:rPr lang="es-PE" dirty="0" err="1"/>
-              <a:t>Joining</a:t>
+              <a:t>Remove</a:t>
             </a:r>
             <a:r>
               <a:rPr lang="es-PE" dirty="0"/>
@@ -13697,22 +16318,14 @@
             </a:r>
             <a:r>
               <a:rPr lang="es-PE" dirty="0" err="1"/>
-              <a:t>overlapping</a:t>
-            </a:r>
-            <a:r>
-              <a:rPr lang="es-PE" dirty="0"/>
-              <a:t> </a:t>
-            </a:r>
-            <a:r>
-              <a:rPr lang="es-PE" dirty="0" err="1"/>
-              <a:t>reads</a:t>
+              <a:t>chimeras</a:t>
             </a:r>
             <a:endParaRPr lang="es-PE" dirty="0"/>
           </a:p>
           <a:p>
             <a:r>
               <a:rPr lang="es-PE" dirty="0" err="1"/>
-              <a:t>Removing</a:t>
+              <a:t>Remove</a:t>
             </a:r>
             <a:r>
               <a:rPr lang="es-PE" dirty="0"/>
@@ -13720,7 +16333,15 @@
             </a:r>
             <a:r>
               <a:rPr lang="es-PE" dirty="0" err="1"/>
-              <a:t>weird</a:t>
+              <a:t>poorly</a:t>
+            </a:r>
+            <a:r>
+              <a:rPr lang="es-PE" dirty="0"/>
+              <a:t> </a:t>
+            </a:r>
+            <a:r>
+              <a:rPr lang="es-PE" dirty="0" err="1"/>
+              <a:t>aligned</a:t>
             </a:r>
             <a:r>
               <a:rPr lang="es-PE" dirty="0"/>
@@ -13733,97 +16354,31 @@
             <a:endParaRPr lang="es-PE" dirty="0"/>
           </a:p>
           <a:p>
+            <a:pPr lvl="1"/>
+            <a:r>
+              <a:rPr lang="es-PE" dirty="0"/>
+              <a:t>Non-</a:t>
+            </a:r>
             <a:r>
               <a:rPr lang="es-PE" dirty="0" err="1"/>
-              <a:t>Remove</a:t>
+              <a:t>specific</a:t>
             </a:r>
             <a:r>
               <a:rPr lang="es-PE" dirty="0"/>
-              <a:t> </a:t>
-            </a:r>
-            <a:r>
-              <a:rPr lang="es-PE" dirty="0" err="1"/>
-              <a:t>poorly</a:t>
-            </a:r>
-            <a:r>
-              <a:rPr lang="es-PE" dirty="0"/>
-              <a:t> </a:t>
-            </a:r>
-            <a:r>
-              <a:rPr lang="es-PE" dirty="0" err="1"/>
-              <a:t>aligned</a:t>
-            </a:r>
-            <a:r>
-              <a:rPr lang="es-PE" dirty="0"/>
-              <a:t> </a:t>
-            </a:r>
-            <a:r>
-              <a:rPr lang="es-PE" dirty="0" err="1"/>
-              <a:t>sequences</a:t>
-            </a:r>
-            <a:endParaRPr lang="es-PE" dirty="0"/>
+              <a:t> target</a:t>
+            </a:r>
           </a:p>
           <a:p>
+            <a:pPr lvl="1"/>
+            <a:r>
+              <a:rPr lang="es-PE" dirty="0"/>
+              <a:t>PCR </a:t>
+            </a:r>
             <a:r>
               <a:rPr lang="es-PE" dirty="0" err="1"/>
-              <a:t>Remove</a:t>
-            </a:r>
-            <a:r>
-              <a:rPr lang="es-PE" dirty="0"/>
-              <a:t> </a:t>
-            </a:r>
-            <a:r>
-              <a:rPr lang="es-PE" dirty="0" err="1"/>
-              <a:t>chimeras</a:t>
+              <a:t>artifacts</a:t>
             </a:r>
             <a:endParaRPr lang="es-PE" dirty="0"/>
-          </a:p>
-          <a:p>
-            <a:r>
-              <a:rPr lang="es-PE" dirty="0" err="1"/>
-              <a:t>Remove</a:t>
-            </a:r>
-            <a:r>
-              <a:rPr lang="es-PE" dirty="0"/>
-              <a:t> </a:t>
-            </a:r>
-            <a:r>
-              <a:rPr lang="es-PE" dirty="0" err="1"/>
-              <a:t>contaminants</a:t>
-            </a:r>
-            <a:endParaRPr lang="es-PE" dirty="0"/>
-          </a:p>
-          <a:p>
-            <a:r>
-              <a:rPr lang="es-PE" dirty="0" err="1"/>
-              <a:t>Preclustering</a:t>
-            </a:r>
-            <a:endParaRPr lang="es-PE" dirty="0"/>
-          </a:p>
-        </p:txBody>
-      </p:sp>
-      <p:sp>
-        <p:nvSpPr>
-          <p:cNvPr id="4" name="Content Placeholder 3">
-            <a:extLst>
-              <a:ext uri="{FF2B5EF4-FFF2-40B4-BE49-F238E27FC236}">
-                <a16:creationId xmlns:a16="http://schemas.microsoft.com/office/drawing/2014/main" id="{9F28F008-CA77-42A0-AE79-498941FF7F17}"/>
-              </a:ext>
-            </a:extLst>
-          </p:cNvPr>
-          <p:cNvSpPr>
-            <a:spLocks noGrp="1"/>
-          </p:cNvSpPr>
-          <p:nvPr>
-            <p:ph sz="quarter" idx="14"/>
-          </p:nvPr>
-        </p:nvSpPr>
-        <p:spPr/>
-        <p:txBody>
-          <a:bodyPr/>
-          <a:lstStyle/>
-          <a:p>
-            <a:endParaRPr lang="es-PE"/>
           </a:p>
         </p:txBody>
       </p:sp>
@@ -13856,8 +16411,8 @@
         </p:blipFill>
         <p:spPr bwMode="auto">
           <a:xfrm>
-            <a:off x="7402514" y="274637"/>
-            <a:ext cx="2475064" cy="2020889"/>
+            <a:off x="5800556" y="1385381"/>
+            <a:ext cx="2187645" cy="1786211"/>
           </a:xfrm>
           <a:prstGeom prst="rect">
             <a:avLst/>
@@ -13874,10 +16429,527 @@
           </a:extLst>
         </p:spPr>
       </p:pic>
+      <p:grpSp>
+        <p:nvGrpSpPr>
+          <p:cNvPr id="16" name="Group 15">
+            <a:extLst>
+              <a:ext uri="{FF2B5EF4-FFF2-40B4-BE49-F238E27FC236}">
+                <a16:creationId xmlns:a16="http://schemas.microsoft.com/office/drawing/2014/main" id="{13B66AFF-8CB3-466B-B7BD-D8F1D1A72BC2}"/>
+              </a:ext>
+            </a:extLst>
+          </p:cNvPr>
+          <p:cNvGrpSpPr/>
+          <p:nvPr/>
+        </p:nvGrpSpPr>
+        <p:grpSpPr>
+          <a:xfrm>
+            <a:off x="5436096" y="3826009"/>
+            <a:ext cx="2680615" cy="1475199"/>
+            <a:chOff x="4572000" y="3710821"/>
+            <a:chExt cx="3668349" cy="1901399"/>
+          </a:xfrm>
+        </p:grpSpPr>
+        <p:sp>
+          <p:nvSpPr>
+            <p:cNvPr id="6" name="Rectangle 5">
+              <a:extLst>
+                <a:ext uri="{FF2B5EF4-FFF2-40B4-BE49-F238E27FC236}">
+                  <a16:creationId xmlns:a16="http://schemas.microsoft.com/office/drawing/2014/main" id="{090356C5-C8EC-4FA9-8E9A-61A00508CA39}"/>
+                </a:ext>
+              </a:extLst>
+            </p:cNvPr>
+            <p:cNvSpPr/>
+            <p:nvPr/>
+          </p:nvSpPr>
+          <p:spPr>
+            <a:xfrm>
+              <a:off x="5322309" y="3733800"/>
+              <a:ext cx="2918040" cy="288032"/>
+            </a:xfrm>
+            <a:prstGeom prst="rect">
+              <a:avLst/>
+            </a:prstGeom>
+          </p:spPr>
+          <p:style>
+            <a:lnRef idx="2">
+              <a:schemeClr val="accent1">
+                <a:shade val="50000"/>
+              </a:schemeClr>
+            </a:lnRef>
+            <a:fillRef idx="1">
+              <a:schemeClr val="accent1"/>
+            </a:fillRef>
+            <a:effectRef idx="0">
+              <a:schemeClr val="accent1"/>
+            </a:effectRef>
+            <a:fontRef idx="minor">
+              <a:schemeClr val="lt1"/>
+            </a:fontRef>
+          </p:style>
+          <p:txBody>
+            <a:bodyPr rtlCol="0" anchor="ctr"/>
+            <a:lstStyle/>
+            <a:p>
+              <a:pPr algn="ctr"/>
+              <a:endParaRPr lang="es-PE"/>
+            </a:p>
+          </p:txBody>
+        </p:sp>
+        <p:sp>
+          <p:nvSpPr>
+            <p:cNvPr id="7" name="Rectangle 6">
+              <a:extLst>
+                <a:ext uri="{FF2B5EF4-FFF2-40B4-BE49-F238E27FC236}">
+                  <a16:creationId xmlns:a16="http://schemas.microsoft.com/office/drawing/2014/main" id="{3FACB998-899C-49EF-A9EA-322B14495B43}"/>
+                </a:ext>
+              </a:extLst>
+            </p:cNvPr>
+            <p:cNvSpPr/>
+            <p:nvPr/>
+          </p:nvSpPr>
+          <p:spPr>
+            <a:xfrm>
+              <a:off x="5322309" y="4021832"/>
+              <a:ext cx="2918040" cy="288032"/>
+            </a:xfrm>
+            <a:prstGeom prst="rect">
+              <a:avLst/>
+            </a:prstGeom>
+          </p:spPr>
+          <p:style>
+            <a:lnRef idx="2">
+              <a:schemeClr val="accent4">
+                <a:shade val="50000"/>
+              </a:schemeClr>
+            </a:lnRef>
+            <a:fillRef idx="1">
+              <a:schemeClr val="accent4"/>
+            </a:fillRef>
+            <a:effectRef idx="0">
+              <a:schemeClr val="accent4"/>
+            </a:effectRef>
+            <a:fontRef idx="minor">
+              <a:schemeClr val="lt1"/>
+            </a:fontRef>
+          </p:style>
+          <p:txBody>
+            <a:bodyPr rtlCol="0" anchor="ctr"/>
+            <a:lstStyle/>
+            <a:p>
+              <a:pPr algn="ctr"/>
+              <a:endParaRPr lang="es-PE"/>
+            </a:p>
+          </p:txBody>
+        </p:sp>
+        <p:sp>
+          <p:nvSpPr>
+            <p:cNvPr id="8" name="Rectangle 7">
+              <a:extLst>
+                <a:ext uri="{FF2B5EF4-FFF2-40B4-BE49-F238E27FC236}">
+                  <a16:creationId xmlns:a16="http://schemas.microsoft.com/office/drawing/2014/main" id="{D9B83ACD-7FE1-44E8-983F-8BEB208CD1F1}"/>
+                </a:ext>
+              </a:extLst>
+            </p:cNvPr>
+            <p:cNvSpPr/>
+            <p:nvPr/>
+          </p:nvSpPr>
+          <p:spPr>
+            <a:xfrm>
+              <a:off x="5322309" y="4309864"/>
+              <a:ext cx="2918040" cy="288032"/>
+            </a:xfrm>
+            <a:prstGeom prst="rect">
+              <a:avLst/>
+            </a:prstGeom>
+          </p:spPr>
+          <p:style>
+            <a:lnRef idx="2">
+              <a:schemeClr val="accent3">
+                <a:shade val="50000"/>
+              </a:schemeClr>
+            </a:lnRef>
+            <a:fillRef idx="1">
+              <a:schemeClr val="accent3"/>
+            </a:fillRef>
+            <a:effectRef idx="0">
+              <a:schemeClr val="accent3"/>
+            </a:effectRef>
+            <a:fontRef idx="minor">
+              <a:schemeClr val="lt1"/>
+            </a:fontRef>
+          </p:style>
+          <p:txBody>
+            <a:bodyPr rtlCol="0" anchor="ctr"/>
+            <a:lstStyle/>
+            <a:p>
+              <a:pPr algn="ctr"/>
+              <a:endParaRPr lang="es-PE"/>
+            </a:p>
+          </p:txBody>
+        </p:sp>
+        <p:sp>
+          <p:nvSpPr>
+            <p:cNvPr id="9" name="Rectangle 8">
+              <a:extLst>
+                <a:ext uri="{FF2B5EF4-FFF2-40B4-BE49-F238E27FC236}">
+                  <a16:creationId xmlns:a16="http://schemas.microsoft.com/office/drawing/2014/main" id="{E298E4BC-AA3F-4CD6-A6BD-12751FC255C2}"/>
+                </a:ext>
+              </a:extLst>
+            </p:cNvPr>
+            <p:cNvSpPr/>
+            <p:nvPr/>
+          </p:nvSpPr>
+          <p:spPr>
+            <a:xfrm>
+              <a:off x="5767822" y="3710821"/>
+              <a:ext cx="172329" cy="1014324"/>
+            </a:xfrm>
+            <a:prstGeom prst="rect">
+              <a:avLst/>
+            </a:prstGeom>
+            <a:solidFill>
+              <a:schemeClr val="bg1"/>
+            </a:solidFill>
+            <a:ln>
+              <a:noFill/>
+            </a:ln>
+          </p:spPr>
+          <p:style>
+            <a:lnRef idx="2">
+              <a:schemeClr val="accent1">
+                <a:shade val="50000"/>
+              </a:schemeClr>
+            </a:lnRef>
+            <a:fillRef idx="1">
+              <a:schemeClr val="accent1"/>
+            </a:fillRef>
+            <a:effectRef idx="0">
+              <a:schemeClr val="accent1"/>
+            </a:effectRef>
+            <a:fontRef idx="minor">
+              <a:schemeClr val="lt1"/>
+            </a:fontRef>
+          </p:style>
+          <p:txBody>
+            <a:bodyPr rtlCol="0" anchor="ctr"/>
+            <a:lstStyle/>
+            <a:p>
+              <a:pPr algn="ctr"/>
+              <a:endParaRPr lang="es-PE"/>
+            </a:p>
+          </p:txBody>
+        </p:sp>
+        <p:sp>
+          <p:nvSpPr>
+            <p:cNvPr id="10" name="Rectangle 9">
+              <a:extLst>
+                <a:ext uri="{FF2B5EF4-FFF2-40B4-BE49-F238E27FC236}">
+                  <a16:creationId xmlns:a16="http://schemas.microsoft.com/office/drawing/2014/main" id="{B214FD05-0643-447F-8A9C-EADD7F171E44}"/>
+                </a:ext>
+              </a:extLst>
+            </p:cNvPr>
+            <p:cNvSpPr/>
+            <p:nvPr/>
+          </p:nvSpPr>
+          <p:spPr>
+            <a:xfrm>
+              <a:off x="6516216" y="3733800"/>
+              <a:ext cx="200499" cy="1014324"/>
+            </a:xfrm>
+            <a:prstGeom prst="rect">
+              <a:avLst/>
+            </a:prstGeom>
+            <a:solidFill>
+              <a:schemeClr val="bg1"/>
+            </a:solidFill>
+            <a:ln>
+              <a:noFill/>
+            </a:ln>
+          </p:spPr>
+          <p:style>
+            <a:lnRef idx="2">
+              <a:schemeClr val="accent1">
+                <a:shade val="50000"/>
+              </a:schemeClr>
+            </a:lnRef>
+            <a:fillRef idx="1">
+              <a:schemeClr val="accent1"/>
+            </a:fillRef>
+            <a:effectRef idx="0">
+              <a:schemeClr val="accent1"/>
+            </a:effectRef>
+            <a:fontRef idx="minor">
+              <a:schemeClr val="lt1"/>
+            </a:fontRef>
+          </p:style>
+          <p:txBody>
+            <a:bodyPr rtlCol="0" anchor="ctr"/>
+            <a:lstStyle/>
+            <a:p>
+              <a:pPr algn="ctr"/>
+              <a:endParaRPr lang="es-PE"/>
+            </a:p>
+          </p:txBody>
+        </p:sp>
+        <p:sp>
+          <p:nvSpPr>
+            <p:cNvPr id="11" name="Rectangle 10">
+              <a:extLst>
+                <a:ext uri="{FF2B5EF4-FFF2-40B4-BE49-F238E27FC236}">
+                  <a16:creationId xmlns:a16="http://schemas.microsoft.com/office/drawing/2014/main" id="{47BB7011-F6C1-47FE-85C4-AD90391B08A6}"/>
+                </a:ext>
+              </a:extLst>
+            </p:cNvPr>
+            <p:cNvSpPr/>
+            <p:nvPr/>
+          </p:nvSpPr>
+          <p:spPr>
+            <a:xfrm>
+              <a:off x="7465109" y="3730924"/>
+              <a:ext cx="200499" cy="1014324"/>
+            </a:xfrm>
+            <a:prstGeom prst="rect">
+              <a:avLst/>
+            </a:prstGeom>
+            <a:solidFill>
+              <a:schemeClr val="bg1"/>
+            </a:solidFill>
+            <a:ln>
+              <a:noFill/>
+            </a:ln>
+          </p:spPr>
+          <p:style>
+            <a:lnRef idx="2">
+              <a:schemeClr val="accent1">
+                <a:shade val="50000"/>
+              </a:schemeClr>
+            </a:lnRef>
+            <a:fillRef idx="1">
+              <a:schemeClr val="accent1"/>
+            </a:fillRef>
+            <a:effectRef idx="0">
+              <a:schemeClr val="accent1"/>
+            </a:effectRef>
+            <a:fontRef idx="minor">
+              <a:schemeClr val="lt1"/>
+            </a:fontRef>
+          </p:style>
+          <p:txBody>
+            <a:bodyPr rtlCol="0" anchor="ctr"/>
+            <a:lstStyle/>
+            <a:p>
+              <a:pPr algn="ctr"/>
+              <a:endParaRPr lang="es-PE"/>
+            </a:p>
+          </p:txBody>
+        </p:sp>
+        <p:sp>
+          <p:nvSpPr>
+            <p:cNvPr id="12" name="Rectangle 11">
+              <a:extLst>
+                <a:ext uri="{FF2B5EF4-FFF2-40B4-BE49-F238E27FC236}">
+                  <a16:creationId xmlns:a16="http://schemas.microsoft.com/office/drawing/2014/main" id="{33EE4554-3624-4B6D-BDFE-97AAD57341BB}"/>
+                </a:ext>
+              </a:extLst>
+            </p:cNvPr>
+            <p:cNvSpPr/>
+            <p:nvPr/>
+          </p:nvSpPr>
+          <p:spPr>
+            <a:xfrm>
+              <a:off x="4572000" y="4601232"/>
+              <a:ext cx="1167652" cy="284696"/>
+            </a:xfrm>
+            <a:prstGeom prst="rect">
+              <a:avLst/>
+            </a:prstGeom>
+          </p:spPr>
+          <p:style>
+            <a:lnRef idx="2">
+              <a:schemeClr val="accent6">
+                <a:shade val="50000"/>
+              </a:schemeClr>
+            </a:lnRef>
+            <a:fillRef idx="1">
+              <a:schemeClr val="accent6"/>
+            </a:fillRef>
+            <a:effectRef idx="0">
+              <a:schemeClr val="accent6"/>
+            </a:effectRef>
+            <a:fontRef idx="minor">
+              <a:schemeClr val="lt1"/>
+            </a:fontRef>
+          </p:style>
+          <p:txBody>
+            <a:bodyPr rtlCol="0" anchor="ctr"/>
+            <a:lstStyle/>
+            <a:p>
+              <a:pPr algn="ctr"/>
+              <a:endParaRPr lang="es-PE"/>
+            </a:p>
+          </p:txBody>
+        </p:sp>
+        <p:sp>
+          <p:nvSpPr>
+            <p:cNvPr id="13" name="Rectangle 12">
+              <a:extLst>
+                <a:ext uri="{FF2B5EF4-FFF2-40B4-BE49-F238E27FC236}">
+                  <a16:creationId xmlns:a16="http://schemas.microsoft.com/office/drawing/2014/main" id="{F0423D14-74FA-4F99-B35D-06D2D37DDCC7}"/>
+                </a:ext>
+              </a:extLst>
+            </p:cNvPr>
+            <p:cNvSpPr/>
+            <p:nvPr/>
+          </p:nvSpPr>
+          <p:spPr>
+            <a:xfrm>
+              <a:off x="5038337" y="4597896"/>
+              <a:ext cx="162874" cy="1014324"/>
+            </a:xfrm>
+            <a:prstGeom prst="rect">
+              <a:avLst/>
+            </a:prstGeom>
+            <a:solidFill>
+              <a:schemeClr val="bg1"/>
+            </a:solidFill>
+            <a:ln>
+              <a:noFill/>
+            </a:ln>
+          </p:spPr>
+          <p:style>
+            <a:lnRef idx="2">
+              <a:schemeClr val="accent1">
+                <a:shade val="50000"/>
+              </a:schemeClr>
+            </a:lnRef>
+            <a:fillRef idx="1">
+              <a:schemeClr val="accent1"/>
+            </a:fillRef>
+            <a:effectRef idx="0">
+              <a:schemeClr val="accent1"/>
+            </a:effectRef>
+            <a:fontRef idx="minor">
+              <a:schemeClr val="lt1"/>
+            </a:fontRef>
+          </p:style>
+          <p:txBody>
+            <a:bodyPr rtlCol="0" anchor="ctr"/>
+            <a:lstStyle/>
+            <a:p>
+              <a:pPr algn="ctr"/>
+              <a:endParaRPr lang="es-PE"/>
+            </a:p>
+          </p:txBody>
+        </p:sp>
+        <p:sp>
+          <p:nvSpPr>
+            <p:cNvPr id="14" name="Rectangle 13">
+              <a:extLst>
+                <a:ext uri="{FF2B5EF4-FFF2-40B4-BE49-F238E27FC236}">
+                  <a16:creationId xmlns:a16="http://schemas.microsoft.com/office/drawing/2014/main" id="{1AB86A81-25D7-4367-963B-6E1E79E2BCEC}"/>
+                </a:ext>
+              </a:extLst>
+            </p:cNvPr>
+            <p:cNvSpPr/>
+            <p:nvPr/>
+          </p:nvSpPr>
+          <p:spPr>
+            <a:xfrm>
+              <a:off x="4755032" y="4597896"/>
+              <a:ext cx="162874" cy="1014324"/>
+            </a:xfrm>
+            <a:prstGeom prst="rect">
+              <a:avLst/>
+            </a:prstGeom>
+            <a:solidFill>
+              <a:schemeClr val="bg1"/>
+            </a:solidFill>
+            <a:ln>
+              <a:noFill/>
+            </a:ln>
+          </p:spPr>
+          <p:style>
+            <a:lnRef idx="2">
+              <a:schemeClr val="accent1">
+                <a:shade val="50000"/>
+              </a:schemeClr>
+            </a:lnRef>
+            <a:fillRef idx="1">
+              <a:schemeClr val="accent1"/>
+            </a:fillRef>
+            <a:effectRef idx="0">
+              <a:schemeClr val="accent1"/>
+            </a:effectRef>
+            <a:fontRef idx="minor">
+              <a:schemeClr val="lt1"/>
+            </a:fontRef>
+          </p:style>
+          <p:txBody>
+            <a:bodyPr rtlCol="0" anchor="ctr"/>
+            <a:lstStyle/>
+            <a:p>
+              <a:pPr algn="ctr"/>
+              <a:endParaRPr lang="es-PE"/>
+            </a:p>
+          </p:txBody>
+        </p:sp>
+        <p:sp>
+          <p:nvSpPr>
+            <p:cNvPr id="15" name="Rectangle 14">
+              <a:extLst>
+                <a:ext uri="{FF2B5EF4-FFF2-40B4-BE49-F238E27FC236}">
+                  <a16:creationId xmlns:a16="http://schemas.microsoft.com/office/drawing/2014/main" id="{E7627897-7D7C-44E3-A727-E04DF7939F8E}"/>
+                </a:ext>
+              </a:extLst>
+            </p:cNvPr>
+            <p:cNvSpPr/>
+            <p:nvPr/>
+          </p:nvSpPr>
+          <p:spPr>
+            <a:xfrm>
+              <a:off x="5436074" y="4597896"/>
+              <a:ext cx="162874" cy="1014324"/>
+            </a:xfrm>
+            <a:prstGeom prst="rect">
+              <a:avLst/>
+            </a:prstGeom>
+            <a:solidFill>
+              <a:schemeClr val="bg1"/>
+            </a:solidFill>
+            <a:ln>
+              <a:noFill/>
+            </a:ln>
+          </p:spPr>
+          <p:style>
+            <a:lnRef idx="2">
+              <a:schemeClr val="accent1">
+                <a:shade val="50000"/>
+              </a:schemeClr>
+            </a:lnRef>
+            <a:fillRef idx="1">
+              <a:schemeClr val="accent1"/>
+            </a:fillRef>
+            <a:effectRef idx="0">
+              <a:schemeClr val="accent1"/>
+            </a:effectRef>
+            <a:fontRef idx="minor">
+              <a:schemeClr val="lt1"/>
+            </a:fontRef>
+          </p:style>
+          <p:txBody>
+            <a:bodyPr rtlCol="0" anchor="ctr"/>
+            <a:lstStyle/>
+            <a:p>
+              <a:pPr algn="ctr"/>
+              <a:endParaRPr lang="es-PE"/>
+            </a:p>
+          </p:txBody>
+        </p:sp>
+      </p:grpSp>
     </p:spTree>
     <p:extLst>
       <p:ext uri="{BB962C8B-B14F-4D97-AF65-F5344CB8AC3E}">
-        <p14:creationId xmlns:p14="http://schemas.microsoft.com/office/powerpoint/2010/main" val="3732680159"/>
+        <p14:creationId xmlns:p14="http://schemas.microsoft.com/office/powerpoint/2010/main" val="163089014"/>
       </p:ext>
     </p:extLst>
   </p:cSld>
@@ -13904,115 +16976,15 @@
           <a:chExt cx="0" cy="0"/>
         </a:xfrm>
       </p:grpSpPr>
-      <p:pic>
-        <p:nvPicPr>
-          <p:cNvPr id="5" name="Picture 2"/>
-          <p:cNvPicPr>
-            <a:picLocks noChangeAspect="1" noChangeArrowheads="1"/>
-          </p:cNvPicPr>
-          <p:nvPr/>
-        </p:nvPicPr>
-        <p:blipFill rotWithShape="1">
-          <a:blip r:embed="rId2">
+      <p:sp>
+        <p:nvSpPr>
+          <p:cNvPr id="2" name="Title 1">
             <a:extLst>
-              <a:ext uri="{28A0092B-C50C-407E-A947-70E740481C1C}">
-                <a14:useLocalDpi xmlns:a14="http://schemas.microsoft.com/office/drawing/2010/main" val="0"/>
+              <a:ext uri="{FF2B5EF4-FFF2-40B4-BE49-F238E27FC236}">
+                <a16:creationId xmlns:a16="http://schemas.microsoft.com/office/drawing/2014/main" id="{C392817B-2F5E-4202-8159-31860D675E80}"/>
               </a:ext>
             </a:extLst>
-          </a:blip>
-          <a:srcRect l="3447"/>
-          <a:stretch/>
-        </p:blipFill>
-        <p:spPr bwMode="auto">
-          <a:xfrm>
-            <a:off x="3468819" y="920439"/>
-            <a:ext cx="5472187" cy="5065030"/>
-          </a:xfrm>
-          <a:prstGeom prst="rect">
-            <a:avLst/>
-          </a:prstGeom>
-          <a:noFill/>
-          <a:ln>
-            <a:noFill/>
-          </a:ln>
-          <a:extLst>
-            <a:ext uri="{909E8E84-426E-40DD-AFC4-6F175D3DCCD1}">
-              <a14:hiddenFill xmlns:a14="http://schemas.microsoft.com/office/drawing/2010/main">
-                <a:solidFill>
-                  <a:schemeClr val="accent1"/>
-                </a:solidFill>
-              </a14:hiddenFill>
-            </a:ext>
-            <a:ext uri="{91240B29-F687-4F45-9708-019B960494DF}">
-              <a14:hiddenLine xmlns:a14="http://schemas.microsoft.com/office/drawing/2010/main" w="9525">
-                <a:solidFill>
-                  <a:schemeClr val="tx1"/>
-                </a:solidFill>
-                <a:miter lim="800000"/>
-                <a:headEnd/>
-                <a:tailEnd/>
-              </a14:hiddenLine>
-            </a:ext>
-          </a:extLst>
-        </p:spPr>
-      </p:pic>
-      <p:pic>
-        <p:nvPicPr>
-          <p:cNvPr id="6" name="Picture 3"/>
-          <p:cNvPicPr>
-            <a:picLocks noChangeAspect="1" noChangeArrowheads="1"/>
-          </p:cNvPicPr>
-          <p:nvPr/>
-        </p:nvPicPr>
-        <p:blipFill>
-          <a:blip r:embed="rId3">
-            <a:extLst>
-              <a:ext uri="{28A0092B-C50C-407E-A947-70E740481C1C}">
-                <a14:useLocalDpi xmlns:a14="http://schemas.microsoft.com/office/drawing/2010/main" val="0"/>
-              </a:ext>
-            </a:extLst>
-          </a:blip>
-          <a:srcRect/>
-          <a:stretch>
-            <a:fillRect/>
-          </a:stretch>
-        </p:blipFill>
-        <p:spPr bwMode="auto">
-          <a:xfrm>
-            <a:off x="6266656" y="5959479"/>
-            <a:ext cx="2638425" cy="400050"/>
-          </a:xfrm>
-          <a:prstGeom prst="rect">
-            <a:avLst/>
-          </a:prstGeom>
-          <a:noFill/>
-          <a:ln>
-            <a:noFill/>
-          </a:ln>
-          <a:extLst>
-            <a:ext uri="{909E8E84-426E-40DD-AFC4-6F175D3DCCD1}">
-              <a14:hiddenFill xmlns:a14="http://schemas.microsoft.com/office/drawing/2010/main">
-                <a:solidFill>
-                  <a:schemeClr val="accent1"/>
-                </a:solidFill>
-              </a14:hiddenFill>
-            </a:ext>
-            <a:ext uri="{91240B29-F687-4F45-9708-019B960494DF}">
-              <a14:hiddenLine xmlns:a14="http://schemas.microsoft.com/office/drawing/2010/main" w="9525">
-                <a:solidFill>
-                  <a:schemeClr val="tx1"/>
-                </a:solidFill>
-                <a:miter lim="800000"/>
-                <a:headEnd/>
-                <a:tailEnd/>
-              </a14:hiddenLine>
-            </a:ext>
-          </a:extLst>
-        </p:spPr>
-      </p:pic>
-      <p:sp>
-        <p:nvSpPr>
-          <p:cNvPr id="3" name="Title 2"/>
+          </p:cNvPr>
           <p:cNvSpPr>
             <a:spLocks noGrp="1"/>
           </p:cNvSpPr>
@@ -14026,191 +16998,1090 @@
           <a:lstStyle/>
           <a:p>
             <a:r>
-              <a:rPr lang="en-US" dirty="0"/>
-              <a:t>Multiplex approach</a:t>
+              <a:rPr lang="es-PE" dirty="0" err="1"/>
+              <a:t>Quality</a:t>
+            </a:r>
+            <a:r>
+              <a:rPr lang="es-PE" dirty="0"/>
+              <a:t> control and </a:t>
+            </a:r>
+            <a:r>
+              <a:rPr lang="es-PE" dirty="0" err="1"/>
+              <a:t>noise</a:t>
+            </a:r>
+            <a:r>
+              <a:rPr lang="es-PE" dirty="0"/>
+              <a:t> </a:t>
+            </a:r>
+            <a:r>
+              <a:rPr lang="es-PE" dirty="0" err="1"/>
+              <a:t>reduction</a:t>
+            </a:r>
+            <a:r>
+              <a:rPr lang="es-PE" dirty="0"/>
+              <a:t> III</a:t>
             </a:r>
           </a:p>
         </p:txBody>
       </p:sp>
       <p:sp>
         <p:nvSpPr>
-          <p:cNvPr id="10" name="4 Marcador de contenido"/>
-          <p:cNvSpPr txBox="1">
-            <a:spLocks/>
+          <p:cNvPr id="3" name="Content Placeholder 2">
+            <a:extLst>
+              <a:ext uri="{FF2B5EF4-FFF2-40B4-BE49-F238E27FC236}">
+                <a16:creationId xmlns:a16="http://schemas.microsoft.com/office/drawing/2014/main" id="{3DD6B102-B303-4227-908B-54AF4C6643E4}"/>
+              </a:ext>
+            </a:extLst>
+          </p:cNvPr>
+          <p:cNvSpPr>
+            <a:spLocks noGrp="1"/>
           </p:cNvSpPr>
-          <p:nvPr/>
+          <p:nvPr>
+            <p:ph sz="quarter" idx="13"/>
+          </p:nvPr>
         </p:nvSpPr>
-        <p:spPr>
-          <a:xfrm>
-            <a:off x="917562" y="1295400"/>
-            <a:ext cx="2214278" cy="4876800"/>
-          </a:xfrm>
-          <a:prstGeom prst="rect">
-            <a:avLst/>
-          </a:prstGeom>
-        </p:spPr>
+        <p:spPr/>
         <p:txBody>
           <a:bodyPr>
             <a:normAutofit/>
           </a:bodyPr>
-          <a:lstStyle>
-            <a:lvl1pPr marL="311045" indent="-311045" algn="l" defTabSz="829452" rtl="0" eaLnBrk="1" latinLnBrk="0" hangingPunct="1">
-              <a:spcBef>
-                <a:spcPct val="20000"/>
-              </a:spcBef>
-              <a:buFont typeface="Arial" panose="020B0604020202020204" pitchFamily="34" charset="0"/>
-              <a:buChar char="•"/>
-              <a:defRPr sz="2900" kern="1200">
-                <a:solidFill>
-                  <a:schemeClr val="tx1"/>
-                </a:solidFill>
-                <a:latin typeface="Helvetica Neue" panose="02000503000000020004" pitchFamily="2"/>
-                <a:ea typeface="+mn-ea"/>
-                <a:cs typeface="+mn-cs"/>
-              </a:defRPr>
-            </a:lvl1pPr>
-            <a:lvl2pPr marL="673930" indent="-259204" algn="l" defTabSz="829452" rtl="0" eaLnBrk="1" latinLnBrk="0" hangingPunct="1">
-              <a:spcBef>
-                <a:spcPct val="20000"/>
-              </a:spcBef>
-              <a:buFont typeface="Arial" panose="020B0604020202020204" pitchFamily="34" charset="0"/>
-              <a:buChar char="–"/>
-              <a:defRPr sz="2500" kern="1200">
-                <a:solidFill>
-                  <a:schemeClr val="tx1"/>
-                </a:solidFill>
-                <a:latin typeface="Helvetica Neue" panose="02000503000000020004" pitchFamily="2"/>
-                <a:ea typeface="+mn-ea"/>
-                <a:cs typeface="+mn-cs"/>
-              </a:defRPr>
-            </a:lvl2pPr>
-            <a:lvl3pPr marL="1036815" indent="-207363" algn="l" defTabSz="829452" rtl="0" eaLnBrk="1" latinLnBrk="0" hangingPunct="1">
-              <a:spcBef>
-                <a:spcPct val="20000"/>
-              </a:spcBef>
-              <a:buFont typeface="Arial" panose="020B0604020202020204" pitchFamily="34" charset="0"/>
-              <a:buChar char="•"/>
-              <a:defRPr sz="2200" kern="1200">
-                <a:solidFill>
-                  <a:schemeClr val="tx1"/>
-                </a:solidFill>
-                <a:latin typeface="Helvetica Neue" panose="02000503000000020004" pitchFamily="2"/>
-                <a:ea typeface="+mn-ea"/>
-                <a:cs typeface="+mn-cs"/>
-              </a:defRPr>
-            </a:lvl3pPr>
-            <a:lvl4pPr marL="1451541" indent="-207363" algn="l" defTabSz="829452" rtl="0" eaLnBrk="1" latinLnBrk="0" hangingPunct="1">
-              <a:spcBef>
-                <a:spcPct val="20000"/>
-              </a:spcBef>
-              <a:buFont typeface="Arial" panose="020B0604020202020204" pitchFamily="34" charset="0"/>
-              <a:buChar char="–"/>
-              <a:defRPr sz="1800" kern="1200">
-                <a:solidFill>
-                  <a:schemeClr val="tx1"/>
-                </a:solidFill>
-                <a:latin typeface="Helvetica Neue" panose="02000503000000020004" pitchFamily="2"/>
-                <a:ea typeface="+mn-ea"/>
-                <a:cs typeface="+mn-cs"/>
-              </a:defRPr>
-            </a:lvl4pPr>
-            <a:lvl5pPr marL="1866268" indent="-207363" algn="l" defTabSz="829452" rtl="0" eaLnBrk="1" latinLnBrk="0" hangingPunct="1">
-              <a:spcBef>
-                <a:spcPct val="20000"/>
-              </a:spcBef>
-              <a:buFont typeface="Arial" panose="020B0604020202020204" pitchFamily="34" charset="0"/>
-              <a:buChar char="»"/>
-              <a:defRPr sz="1800" kern="1200">
-                <a:solidFill>
-                  <a:schemeClr val="tx1"/>
-                </a:solidFill>
-                <a:latin typeface="Helvetica Neue" panose="02000503000000020004" pitchFamily="2"/>
-                <a:ea typeface="+mn-ea"/>
-                <a:cs typeface="+mn-cs"/>
-              </a:defRPr>
-            </a:lvl5pPr>
-            <a:lvl6pPr marL="2280994" indent="-207363" algn="l" defTabSz="829452" rtl="0" eaLnBrk="1" latinLnBrk="0" hangingPunct="1">
-              <a:spcBef>
-                <a:spcPct val="20000"/>
-              </a:spcBef>
-              <a:buFont typeface="Arial" panose="020B0604020202020204" pitchFamily="34" charset="0"/>
-              <a:buChar char="•"/>
-              <a:defRPr sz="1800" kern="1200">
-                <a:solidFill>
-                  <a:schemeClr val="tx1"/>
-                </a:solidFill>
-                <a:latin typeface="+mn-lt"/>
-                <a:ea typeface="+mn-ea"/>
-                <a:cs typeface="+mn-cs"/>
-              </a:defRPr>
-            </a:lvl6pPr>
-            <a:lvl7pPr marL="2695720" indent="-207363" algn="l" defTabSz="829452" rtl="0" eaLnBrk="1" latinLnBrk="0" hangingPunct="1">
-              <a:spcBef>
-                <a:spcPct val="20000"/>
-              </a:spcBef>
-              <a:buFont typeface="Arial" panose="020B0604020202020204" pitchFamily="34" charset="0"/>
-              <a:buChar char="•"/>
-              <a:defRPr sz="1800" kern="1200">
-                <a:solidFill>
-                  <a:schemeClr val="tx1"/>
-                </a:solidFill>
-                <a:latin typeface="+mn-lt"/>
-                <a:ea typeface="+mn-ea"/>
-                <a:cs typeface="+mn-cs"/>
-              </a:defRPr>
-            </a:lvl7pPr>
-            <a:lvl8pPr marL="3110446" indent="-207363" algn="l" defTabSz="829452" rtl="0" eaLnBrk="1" latinLnBrk="0" hangingPunct="1">
-              <a:spcBef>
-                <a:spcPct val="20000"/>
-              </a:spcBef>
-              <a:buFont typeface="Arial" panose="020B0604020202020204" pitchFamily="34" charset="0"/>
-              <a:buChar char="•"/>
-              <a:defRPr sz="1800" kern="1200">
-                <a:solidFill>
-                  <a:schemeClr val="tx1"/>
-                </a:solidFill>
-                <a:latin typeface="+mn-lt"/>
-                <a:ea typeface="+mn-ea"/>
-                <a:cs typeface="+mn-cs"/>
-              </a:defRPr>
-            </a:lvl8pPr>
-            <a:lvl9pPr marL="3525172" indent="-207363" algn="l" defTabSz="829452" rtl="0" eaLnBrk="1" latinLnBrk="0" hangingPunct="1">
-              <a:spcBef>
-                <a:spcPct val="20000"/>
-              </a:spcBef>
-              <a:buFont typeface="Arial" panose="020B0604020202020204" pitchFamily="34" charset="0"/>
-              <a:buChar char="•"/>
-              <a:defRPr sz="1800" kern="1200">
-                <a:solidFill>
-                  <a:schemeClr val="tx1"/>
-                </a:solidFill>
-                <a:latin typeface="+mn-lt"/>
-                <a:ea typeface="+mn-ea"/>
-                <a:cs typeface="+mn-cs"/>
-              </a:defRPr>
-            </a:lvl9pPr>
-          </a:lstStyle>
+          <a:lstStyle/>
           <a:p>
-            <a:pPr marL="0" indent="0">
-              <a:buNone/>
-            </a:pPr>
-            <a:r>
-              <a:rPr lang="en-AU" sz="2400" dirty="0"/>
-              <a:t>Allow for sequencing of multiple samples in one run.</a:t>
-            </a:r>
+            <a:r>
+              <a:rPr lang="es-PE" dirty="0" err="1"/>
+              <a:t>Remove</a:t>
+            </a:r>
+            <a:r>
+              <a:rPr lang="es-PE" dirty="0"/>
+              <a:t> </a:t>
+            </a:r>
+            <a:r>
+              <a:rPr lang="es-PE" dirty="0" err="1"/>
+              <a:t>contaminants</a:t>
+            </a:r>
+            <a:endParaRPr lang="es-PE" dirty="0"/>
           </a:p>
           <a:p>
-            <a:pPr marL="0" indent="0">
-              <a:buNone/>
-            </a:pPr>
-            <a:endParaRPr lang="en-AU" sz="2400" dirty="0"/>
+            <a:pPr lvl="1"/>
+            <a:r>
+              <a:rPr lang="es-PE" dirty="0" err="1"/>
+              <a:t>Archaea</a:t>
+            </a:r>
+            <a:endParaRPr lang="es-PE" dirty="0"/>
+          </a:p>
+          <a:p>
+            <a:pPr lvl="1"/>
+            <a:r>
+              <a:rPr lang="es-PE" dirty="0" err="1"/>
+              <a:t>Mitochondria</a:t>
+            </a:r>
+            <a:endParaRPr lang="es-PE" dirty="0"/>
+          </a:p>
+          <a:p>
+            <a:pPr lvl="1"/>
+            <a:r>
+              <a:rPr lang="es-PE" dirty="0" err="1"/>
+              <a:t>Chloroplast</a:t>
+            </a:r>
+            <a:endParaRPr lang="es-PE" dirty="0"/>
+          </a:p>
+          <a:p>
+            <a:pPr lvl="1"/>
+            <a:r>
+              <a:rPr lang="es-PE" dirty="0" err="1"/>
+              <a:t>Eukarya</a:t>
+            </a:r>
+            <a:endParaRPr lang="es-PE" dirty="0"/>
+          </a:p>
+          <a:p>
+            <a:r>
+              <a:rPr lang="es-PE" dirty="0"/>
+              <a:t>Pre-</a:t>
+            </a:r>
+            <a:r>
+              <a:rPr lang="es-PE" dirty="0" err="1"/>
+              <a:t>cluster</a:t>
+            </a:r>
+            <a:endParaRPr lang="es-PE" dirty="0"/>
           </a:p>
         </p:txBody>
       </p:sp>
+      <p:grpSp>
+        <p:nvGrpSpPr>
+          <p:cNvPr id="6" name="Group 5">
+            <a:extLst>
+              <a:ext uri="{FF2B5EF4-FFF2-40B4-BE49-F238E27FC236}">
+                <a16:creationId xmlns:a16="http://schemas.microsoft.com/office/drawing/2014/main" id="{5DC20C47-78BD-4528-8AFF-2E316DA001D5}"/>
+              </a:ext>
+            </a:extLst>
+          </p:cNvPr>
+          <p:cNvGrpSpPr/>
+          <p:nvPr/>
+        </p:nvGrpSpPr>
+        <p:grpSpPr>
+          <a:xfrm>
+            <a:off x="6008307" y="4373818"/>
+            <a:ext cx="1221182" cy="1365235"/>
+            <a:chOff x="6120053" y="3567519"/>
+            <a:chExt cx="1122680" cy="1052513"/>
+          </a:xfrm>
+        </p:grpSpPr>
+        <p:sp>
+          <p:nvSpPr>
+            <p:cNvPr id="7" name="Oval 6">
+              <a:extLst>
+                <a:ext uri="{FF2B5EF4-FFF2-40B4-BE49-F238E27FC236}">
+                  <a16:creationId xmlns:a16="http://schemas.microsoft.com/office/drawing/2014/main" id="{168299B8-0EE7-41F3-9C73-03750A85C422}"/>
+                </a:ext>
+              </a:extLst>
+            </p:cNvPr>
+            <p:cNvSpPr/>
+            <p:nvPr/>
+          </p:nvSpPr>
+          <p:spPr>
+            <a:xfrm>
+              <a:off x="6783377" y="4259814"/>
+              <a:ext cx="259080" cy="242888"/>
+            </a:xfrm>
+            <a:prstGeom prst="ellipse">
+              <a:avLst/>
+            </a:prstGeom>
+          </p:spPr>
+          <p:style>
+            <a:lnRef idx="2">
+              <a:schemeClr val="accent1">
+                <a:shade val="50000"/>
+              </a:schemeClr>
+            </a:lnRef>
+            <a:fillRef idx="1">
+              <a:schemeClr val="accent1"/>
+            </a:fillRef>
+            <a:effectRef idx="0">
+              <a:schemeClr val="accent1"/>
+            </a:effectRef>
+            <a:fontRef idx="minor">
+              <a:schemeClr val="lt1"/>
+            </a:fontRef>
+          </p:style>
+          <p:txBody>
+            <a:bodyPr rtlCol="0" anchor="ctr"/>
+            <a:lstStyle/>
+            <a:p>
+              <a:pPr algn="ctr"/>
+              <a:endParaRPr lang="en-US"/>
+            </a:p>
+          </p:txBody>
+        </p:sp>
+        <p:sp>
+          <p:nvSpPr>
+            <p:cNvPr id="8" name="Oval 7">
+              <a:extLst>
+                <a:ext uri="{FF2B5EF4-FFF2-40B4-BE49-F238E27FC236}">
+                  <a16:creationId xmlns:a16="http://schemas.microsoft.com/office/drawing/2014/main" id="{B3D3865C-3C0B-468A-81FB-B8C39298AF43}"/>
+                </a:ext>
+              </a:extLst>
+            </p:cNvPr>
+            <p:cNvSpPr/>
+            <p:nvPr/>
+          </p:nvSpPr>
+          <p:spPr>
+            <a:xfrm>
+              <a:off x="6308398" y="3774040"/>
+              <a:ext cx="259080" cy="242888"/>
+            </a:xfrm>
+            <a:prstGeom prst="ellipse">
+              <a:avLst/>
+            </a:prstGeom>
+          </p:spPr>
+          <p:style>
+            <a:lnRef idx="2">
+              <a:schemeClr val="accent1">
+                <a:shade val="50000"/>
+              </a:schemeClr>
+            </a:lnRef>
+            <a:fillRef idx="1">
+              <a:schemeClr val="accent1"/>
+            </a:fillRef>
+            <a:effectRef idx="0">
+              <a:schemeClr val="accent1"/>
+            </a:effectRef>
+            <a:fontRef idx="minor">
+              <a:schemeClr val="lt1"/>
+            </a:fontRef>
+          </p:style>
+          <p:txBody>
+            <a:bodyPr rtlCol="0" anchor="ctr"/>
+            <a:lstStyle/>
+            <a:p>
+              <a:pPr algn="ctr"/>
+              <a:endParaRPr lang="en-US"/>
+            </a:p>
+          </p:txBody>
+        </p:sp>
+        <p:sp>
+          <p:nvSpPr>
+            <p:cNvPr id="9" name="Oval 8">
+              <a:extLst>
+                <a:ext uri="{FF2B5EF4-FFF2-40B4-BE49-F238E27FC236}">
+                  <a16:creationId xmlns:a16="http://schemas.microsoft.com/office/drawing/2014/main" id="{A8A9E21C-11C6-4B76-B141-96ABC69D47DF}"/>
+                </a:ext>
+              </a:extLst>
+            </p:cNvPr>
+            <p:cNvSpPr/>
+            <p:nvPr/>
+          </p:nvSpPr>
+          <p:spPr>
+            <a:xfrm>
+              <a:off x="6740197" y="3774040"/>
+              <a:ext cx="259080" cy="242888"/>
+            </a:xfrm>
+            <a:prstGeom prst="ellipse">
+              <a:avLst/>
+            </a:prstGeom>
+          </p:spPr>
+          <p:style>
+            <a:lnRef idx="2">
+              <a:schemeClr val="accent1">
+                <a:shade val="50000"/>
+              </a:schemeClr>
+            </a:lnRef>
+            <a:fillRef idx="1">
+              <a:schemeClr val="accent1"/>
+            </a:fillRef>
+            <a:effectRef idx="0">
+              <a:schemeClr val="accent1"/>
+            </a:effectRef>
+            <a:fontRef idx="minor">
+              <a:schemeClr val="lt1"/>
+            </a:fontRef>
+          </p:style>
+          <p:txBody>
+            <a:bodyPr rtlCol="0" anchor="ctr"/>
+            <a:lstStyle/>
+            <a:p>
+              <a:pPr algn="ctr"/>
+              <a:endParaRPr lang="en-US"/>
+            </a:p>
+          </p:txBody>
+        </p:sp>
+        <p:sp>
+          <p:nvSpPr>
+            <p:cNvPr id="10" name="Oval 9">
+              <a:extLst>
+                <a:ext uri="{FF2B5EF4-FFF2-40B4-BE49-F238E27FC236}">
+                  <a16:creationId xmlns:a16="http://schemas.microsoft.com/office/drawing/2014/main" id="{DBAAB3D9-EB5C-4560-AEF4-977DC7B88C8E}"/>
+                </a:ext>
+              </a:extLst>
+            </p:cNvPr>
+            <p:cNvSpPr/>
+            <p:nvPr/>
+          </p:nvSpPr>
+          <p:spPr>
+            <a:xfrm>
+              <a:off x="6120053" y="3567519"/>
+              <a:ext cx="1122680" cy="1052513"/>
+            </a:xfrm>
+            <a:prstGeom prst="ellipse">
+              <a:avLst/>
+            </a:prstGeom>
+            <a:noFill/>
+          </p:spPr>
+          <p:style>
+            <a:lnRef idx="2">
+              <a:schemeClr val="accent1"/>
+            </a:lnRef>
+            <a:fillRef idx="1">
+              <a:schemeClr val="lt1"/>
+            </a:fillRef>
+            <a:effectRef idx="0">
+              <a:schemeClr val="accent1"/>
+            </a:effectRef>
+            <a:fontRef idx="minor">
+              <a:schemeClr val="dk1"/>
+            </a:fontRef>
+          </p:style>
+          <p:txBody>
+            <a:bodyPr rtlCol="0" anchor="ctr"/>
+            <a:lstStyle/>
+            <a:p>
+              <a:pPr algn="ctr"/>
+              <a:endParaRPr lang="en-US"/>
+            </a:p>
+          </p:txBody>
+        </p:sp>
+      </p:grpSp>
+      <p:grpSp>
+        <p:nvGrpSpPr>
+          <p:cNvPr id="27" name="Group 26">
+            <a:extLst>
+              <a:ext uri="{FF2B5EF4-FFF2-40B4-BE49-F238E27FC236}">
+                <a16:creationId xmlns:a16="http://schemas.microsoft.com/office/drawing/2014/main" id="{66A900E9-3AAC-4487-9F0D-B47CA5CDCFDF}"/>
+              </a:ext>
+            </a:extLst>
+          </p:cNvPr>
+          <p:cNvGrpSpPr/>
+          <p:nvPr/>
+        </p:nvGrpSpPr>
+        <p:grpSpPr>
+          <a:xfrm>
+            <a:off x="5740881" y="1304774"/>
+            <a:ext cx="2001697" cy="2592288"/>
+            <a:chOff x="6115012" y="1772816"/>
+            <a:chExt cx="2001697" cy="2592288"/>
+          </a:xfrm>
+        </p:grpSpPr>
+        <p:sp>
+          <p:nvSpPr>
+            <p:cNvPr id="11" name="Oval 10">
+              <a:extLst>
+                <a:ext uri="{FF2B5EF4-FFF2-40B4-BE49-F238E27FC236}">
+                  <a16:creationId xmlns:a16="http://schemas.microsoft.com/office/drawing/2014/main" id="{73A46784-2B4C-4604-A276-83703CBA2D5A}"/>
+                </a:ext>
+              </a:extLst>
+            </p:cNvPr>
+            <p:cNvSpPr/>
+            <p:nvPr/>
+          </p:nvSpPr>
+          <p:spPr>
+            <a:xfrm>
+              <a:off x="7164637" y="3373683"/>
+              <a:ext cx="292656" cy="379003"/>
+            </a:xfrm>
+            <a:prstGeom prst="ellipse">
+              <a:avLst/>
+            </a:prstGeom>
+          </p:spPr>
+          <p:style>
+            <a:lnRef idx="2">
+              <a:schemeClr val="accent1">
+                <a:shade val="50000"/>
+              </a:schemeClr>
+            </a:lnRef>
+            <a:fillRef idx="1">
+              <a:schemeClr val="accent1"/>
+            </a:fillRef>
+            <a:effectRef idx="0">
+              <a:schemeClr val="accent1"/>
+            </a:effectRef>
+            <a:fontRef idx="minor">
+              <a:schemeClr val="lt1"/>
+            </a:fontRef>
+          </p:style>
+          <p:txBody>
+            <a:bodyPr rtlCol="0" anchor="ctr"/>
+            <a:lstStyle/>
+            <a:p>
+              <a:pPr algn="ctr"/>
+              <a:endParaRPr lang="en-US" sz="1400"/>
+            </a:p>
+          </p:txBody>
+        </p:sp>
+        <p:sp>
+          <p:nvSpPr>
+            <p:cNvPr id="12" name="Oval 11">
+              <a:extLst>
+                <a:ext uri="{FF2B5EF4-FFF2-40B4-BE49-F238E27FC236}">
+                  <a16:creationId xmlns:a16="http://schemas.microsoft.com/office/drawing/2014/main" id="{D83920A0-C91C-4C07-8E73-A15798B2CDB3}"/>
+                </a:ext>
+              </a:extLst>
+            </p:cNvPr>
+            <p:cNvSpPr/>
+            <p:nvPr/>
+          </p:nvSpPr>
+          <p:spPr>
+            <a:xfrm>
+              <a:off x="6628100" y="2615678"/>
+              <a:ext cx="292656" cy="379003"/>
+            </a:xfrm>
+            <a:prstGeom prst="ellipse">
+              <a:avLst/>
+            </a:prstGeom>
+          </p:spPr>
+          <p:style>
+            <a:lnRef idx="2">
+              <a:schemeClr val="accent1">
+                <a:shade val="50000"/>
+              </a:schemeClr>
+            </a:lnRef>
+            <a:fillRef idx="1">
+              <a:schemeClr val="accent1"/>
+            </a:fillRef>
+            <a:effectRef idx="0">
+              <a:schemeClr val="accent1"/>
+            </a:effectRef>
+            <a:fontRef idx="minor">
+              <a:schemeClr val="lt1"/>
+            </a:fontRef>
+          </p:style>
+          <p:txBody>
+            <a:bodyPr rtlCol="0" anchor="ctr"/>
+            <a:lstStyle/>
+            <a:p>
+              <a:pPr algn="ctr"/>
+              <a:endParaRPr lang="en-US" sz="1400"/>
+            </a:p>
+          </p:txBody>
+        </p:sp>
+        <p:sp>
+          <p:nvSpPr>
+            <p:cNvPr id="13" name="Oval 12">
+              <a:extLst>
+                <a:ext uri="{FF2B5EF4-FFF2-40B4-BE49-F238E27FC236}">
+                  <a16:creationId xmlns:a16="http://schemas.microsoft.com/office/drawing/2014/main" id="{44EDB8F9-8D9E-4E80-8C33-3EB06B5D699F}"/>
+                </a:ext>
+              </a:extLst>
+            </p:cNvPr>
+            <p:cNvSpPr/>
+            <p:nvPr/>
+          </p:nvSpPr>
+          <p:spPr>
+            <a:xfrm>
+              <a:off x="7115861" y="2615678"/>
+              <a:ext cx="292656" cy="379003"/>
+            </a:xfrm>
+            <a:prstGeom prst="ellipse">
+              <a:avLst/>
+            </a:prstGeom>
+          </p:spPr>
+          <p:style>
+            <a:lnRef idx="2">
+              <a:schemeClr val="accent1">
+                <a:shade val="50000"/>
+              </a:schemeClr>
+            </a:lnRef>
+            <a:fillRef idx="1">
+              <a:schemeClr val="accent1"/>
+            </a:fillRef>
+            <a:effectRef idx="0">
+              <a:schemeClr val="accent1"/>
+            </a:effectRef>
+            <a:fontRef idx="minor">
+              <a:schemeClr val="lt1"/>
+            </a:fontRef>
+          </p:style>
+          <p:txBody>
+            <a:bodyPr rtlCol="0" anchor="ctr"/>
+            <a:lstStyle/>
+            <a:p>
+              <a:pPr algn="ctr"/>
+              <a:endParaRPr lang="en-US" sz="1400"/>
+            </a:p>
+          </p:txBody>
+        </p:sp>
+        <p:sp>
+          <p:nvSpPr>
+            <p:cNvPr id="14" name="Oval 13">
+              <a:extLst>
+                <a:ext uri="{FF2B5EF4-FFF2-40B4-BE49-F238E27FC236}">
+                  <a16:creationId xmlns:a16="http://schemas.microsoft.com/office/drawing/2014/main" id="{935385CD-AD6C-45A0-BF47-FA21C5951D81}"/>
+                </a:ext>
+              </a:extLst>
+            </p:cNvPr>
+            <p:cNvSpPr/>
+            <p:nvPr/>
+          </p:nvSpPr>
+          <p:spPr>
+            <a:xfrm>
+              <a:off x="6115012" y="1772816"/>
+              <a:ext cx="2001697" cy="2592288"/>
+            </a:xfrm>
+            <a:prstGeom prst="ellipse">
+              <a:avLst/>
+            </a:prstGeom>
+            <a:noFill/>
+          </p:spPr>
+          <p:style>
+            <a:lnRef idx="2">
+              <a:schemeClr val="accent1"/>
+            </a:lnRef>
+            <a:fillRef idx="1">
+              <a:schemeClr val="lt1"/>
+            </a:fillRef>
+            <a:effectRef idx="0">
+              <a:schemeClr val="accent1"/>
+            </a:effectRef>
+            <a:fontRef idx="minor">
+              <a:schemeClr val="dk1"/>
+            </a:fontRef>
+          </p:style>
+          <p:txBody>
+            <a:bodyPr rtlCol="0" anchor="ctr"/>
+            <a:lstStyle/>
+            <a:p>
+              <a:pPr algn="ctr"/>
+              <a:endParaRPr lang="en-US" sz="1400"/>
+            </a:p>
+          </p:txBody>
+        </p:sp>
+        <p:sp>
+          <p:nvSpPr>
+            <p:cNvPr id="15" name="Oval 14">
+              <a:extLst>
+                <a:ext uri="{FF2B5EF4-FFF2-40B4-BE49-F238E27FC236}">
+                  <a16:creationId xmlns:a16="http://schemas.microsoft.com/office/drawing/2014/main" id="{94D5B330-870C-4B2E-AA7A-F6FF48C4A58E}"/>
+                </a:ext>
+              </a:extLst>
+            </p:cNvPr>
+            <p:cNvSpPr/>
+            <p:nvPr/>
+          </p:nvSpPr>
+          <p:spPr>
+            <a:xfrm>
+              <a:off x="6725618" y="2173507"/>
+              <a:ext cx="292656" cy="379003"/>
+            </a:xfrm>
+            <a:prstGeom prst="ellipse">
+              <a:avLst/>
+            </a:prstGeom>
+            <a:solidFill>
+              <a:schemeClr val="tx2">
+                <a:lumMod val="20000"/>
+                <a:lumOff val="80000"/>
+              </a:schemeClr>
+            </a:solidFill>
+          </p:spPr>
+          <p:style>
+            <a:lnRef idx="2">
+              <a:schemeClr val="accent1">
+                <a:shade val="50000"/>
+              </a:schemeClr>
+            </a:lnRef>
+            <a:fillRef idx="1">
+              <a:schemeClr val="accent1"/>
+            </a:fillRef>
+            <a:effectRef idx="0">
+              <a:schemeClr val="accent1"/>
+            </a:effectRef>
+            <a:fontRef idx="minor">
+              <a:schemeClr val="lt1"/>
+            </a:fontRef>
+          </p:style>
+          <p:txBody>
+            <a:bodyPr rtlCol="0" anchor="ctr"/>
+            <a:lstStyle/>
+            <a:p>
+              <a:pPr algn="ctr"/>
+              <a:endParaRPr lang="en-US" sz="1400"/>
+            </a:p>
+          </p:txBody>
+        </p:sp>
+        <p:sp>
+          <p:nvSpPr>
+            <p:cNvPr id="16" name="Oval 15">
+              <a:extLst>
+                <a:ext uri="{FF2B5EF4-FFF2-40B4-BE49-F238E27FC236}">
+                  <a16:creationId xmlns:a16="http://schemas.microsoft.com/office/drawing/2014/main" id="{1C0274E8-7609-4EBD-A469-A26931A4FBF4}"/>
+                </a:ext>
+              </a:extLst>
+            </p:cNvPr>
+            <p:cNvSpPr/>
+            <p:nvPr/>
+          </p:nvSpPr>
+          <p:spPr>
+            <a:xfrm>
+              <a:off x="6286668" y="2647552"/>
+              <a:ext cx="292656" cy="379003"/>
+            </a:xfrm>
+            <a:prstGeom prst="ellipse">
+              <a:avLst/>
+            </a:prstGeom>
+            <a:solidFill>
+              <a:schemeClr val="tx2">
+                <a:lumMod val="20000"/>
+                <a:lumOff val="80000"/>
+              </a:schemeClr>
+            </a:solidFill>
+          </p:spPr>
+          <p:style>
+            <a:lnRef idx="2">
+              <a:schemeClr val="accent1">
+                <a:shade val="50000"/>
+              </a:schemeClr>
+            </a:lnRef>
+            <a:fillRef idx="1">
+              <a:schemeClr val="accent1"/>
+            </a:fillRef>
+            <a:effectRef idx="0">
+              <a:schemeClr val="accent1"/>
+            </a:effectRef>
+            <a:fontRef idx="minor">
+              <a:schemeClr val="lt1"/>
+            </a:fontRef>
+          </p:style>
+          <p:txBody>
+            <a:bodyPr rtlCol="0" anchor="ctr"/>
+            <a:lstStyle/>
+            <a:p>
+              <a:pPr algn="ctr"/>
+              <a:endParaRPr lang="en-US" sz="1400"/>
+            </a:p>
+          </p:txBody>
+        </p:sp>
+        <p:sp>
+          <p:nvSpPr>
+            <p:cNvPr id="17" name="Oval 16">
+              <a:extLst>
+                <a:ext uri="{FF2B5EF4-FFF2-40B4-BE49-F238E27FC236}">
+                  <a16:creationId xmlns:a16="http://schemas.microsoft.com/office/drawing/2014/main" id="{505D40D4-A692-4550-9CC5-644C65C9B7FE}"/>
+                </a:ext>
+              </a:extLst>
+            </p:cNvPr>
+            <p:cNvSpPr/>
+            <p:nvPr/>
+          </p:nvSpPr>
+          <p:spPr>
+            <a:xfrm>
+              <a:off x="6585859" y="3026556"/>
+              <a:ext cx="292656" cy="379003"/>
+            </a:xfrm>
+            <a:prstGeom prst="ellipse">
+              <a:avLst/>
+            </a:prstGeom>
+            <a:solidFill>
+              <a:schemeClr val="tx2">
+                <a:lumMod val="20000"/>
+                <a:lumOff val="80000"/>
+              </a:schemeClr>
+            </a:solidFill>
+          </p:spPr>
+          <p:style>
+            <a:lnRef idx="2">
+              <a:schemeClr val="accent1">
+                <a:shade val="50000"/>
+              </a:schemeClr>
+            </a:lnRef>
+            <a:fillRef idx="1">
+              <a:schemeClr val="accent1"/>
+            </a:fillRef>
+            <a:effectRef idx="0">
+              <a:schemeClr val="accent1"/>
+            </a:effectRef>
+            <a:fontRef idx="minor">
+              <a:schemeClr val="lt1"/>
+            </a:fontRef>
+          </p:style>
+          <p:txBody>
+            <a:bodyPr rtlCol="0" anchor="ctr"/>
+            <a:lstStyle/>
+            <a:p>
+              <a:pPr algn="ctr"/>
+              <a:endParaRPr lang="en-US" sz="1400"/>
+            </a:p>
+          </p:txBody>
+        </p:sp>
+        <p:sp>
+          <p:nvSpPr>
+            <p:cNvPr id="18" name="Oval 17">
+              <a:extLst>
+                <a:ext uri="{FF2B5EF4-FFF2-40B4-BE49-F238E27FC236}">
+                  <a16:creationId xmlns:a16="http://schemas.microsoft.com/office/drawing/2014/main" id="{081FF9B2-6973-43B1-97EE-1E2CFB3A4D40}"/>
+                </a:ext>
+              </a:extLst>
+            </p:cNvPr>
+            <p:cNvSpPr/>
+            <p:nvPr/>
+          </p:nvSpPr>
+          <p:spPr>
+            <a:xfrm>
+              <a:off x="7408517" y="2426176"/>
+              <a:ext cx="292656" cy="379003"/>
+            </a:xfrm>
+            <a:prstGeom prst="ellipse">
+              <a:avLst/>
+            </a:prstGeom>
+            <a:solidFill>
+              <a:schemeClr val="tx2">
+                <a:lumMod val="20000"/>
+                <a:lumOff val="80000"/>
+              </a:schemeClr>
+            </a:solidFill>
+          </p:spPr>
+          <p:style>
+            <a:lnRef idx="2">
+              <a:schemeClr val="accent1">
+                <a:shade val="50000"/>
+              </a:schemeClr>
+            </a:lnRef>
+            <a:fillRef idx="1">
+              <a:schemeClr val="accent1"/>
+            </a:fillRef>
+            <a:effectRef idx="0">
+              <a:schemeClr val="accent1"/>
+            </a:effectRef>
+            <a:fontRef idx="minor">
+              <a:schemeClr val="lt1"/>
+            </a:fontRef>
+          </p:style>
+          <p:txBody>
+            <a:bodyPr rtlCol="0" anchor="ctr"/>
+            <a:lstStyle/>
+            <a:p>
+              <a:pPr algn="ctr"/>
+              <a:endParaRPr lang="en-US" sz="1400"/>
+            </a:p>
+          </p:txBody>
+        </p:sp>
+        <p:sp>
+          <p:nvSpPr>
+            <p:cNvPr id="19" name="Oval 18">
+              <a:extLst>
+                <a:ext uri="{FF2B5EF4-FFF2-40B4-BE49-F238E27FC236}">
+                  <a16:creationId xmlns:a16="http://schemas.microsoft.com/office/drawing/2014/main" id="{3EB3ABE0-60EC-48C0-B32F-729095A562E4}"/>
+                </a:ext>
+              </a:extLst>
+            </p:cNvPr>
+            <p:cNvSpPr/>
+            <p:nvPr/>
+          </p:nvSpPr>
+          <p:spPr>
+            <a:xfrm>
+              <a:off x="7408517" y="2879459"/>
+              <a:ext cx="292656" cy="379003"/>
+            </a:xfrm>
+            <a:prstGeom prst="ellipse">
+              <a:avLst/>
+            </a:prstGeom>
+            <a:solidFill>
+              <a:schemeClr val="tx2">
+                <a:lumMod val="20000"/>
+                <a:lumOff val="80000"/>
+              </a:schemeClr>
+            </a:solidFill>
+          </p:spPr>
+          <p:style>
+            <a:lnRef idx="2">
+              <a:schemeClr val="accent1">
+                <a:shade val="50000"/>
+              </a:schemeClr>
+            </a:lnRef>
+            <a:fillRef idx="1">
+              <a:schemeClr val="accent1"/>
+            </a:fillRef>
+            <a:effectRef idx="0">
+              <a:schemeClr val="accent1"/>
+            </a:effectRef>
+            <a:fontRef idx="minor">
+              <a:schemeClr val="lt1"/>
+            </a:fontRef>
+          </p:style>
+          <p:txBody>
+            <a:bodyPr rtlCol="0" anchor="ctr"/>
+            <a:lstStyle/>
+            <a:p>
+              <a:pPr algn="ctr"/>
+              <a:endParaRPr lang="en-US" sz="1400"/>
+            </a:p>
+          </p:txBody>
+        </p:sp>
+        <p:sp>
+          <p:nvSpPr>
+            <p:cNvPr id="20" name="Oval 19">
+              <a:extLst>
+                <a:ext uri="{FF2B5EF4-FFF2-40B4-BE49-F238E27FC236}">
+                  <a16:creationId xmlns:a16="http://schemas.microsoft.com/office/drawing/2014/main" id="{207204D5-AB1A-4DBC-ACEE-6477FAF5907D}"/>
+                </a:ext>
+              </a:extLst>
+            </p:cNvPr>
+            <p:cNvSpPr/>
+            <p:nvPr/>
+          </p:nvSpPr>
+          <p:spPr>
+            <a:xfrm>
+              <a:off x="7310964" y="3710179"/>
+              <a:ext cx="292656" cy="379003"/>
+            </a:xfrm>
+            <a:prstGeom prst="ellipse">
+              <a:avLst/>
+            </a:prstGeom>
+            <a:solidFill>
+              <a:schemeClr val="tx2">
+                <a:lumMod val="20000"/>
+                <a:lumOff val="80000"/>
+              </a:schemeClr>
+            </a:solidFill>
+          </p:spPr>
+          <p:style>
+            <a:lnRef idx="2">
+              <a:schemeClr val="accent1">
+                <a:shade val="50000"/>
+              </a:schemeClr>
+            </a:lnRef>
+            <a:fillRef idx="1">
+              <a:schemeClr val="accent1"/>
+            </a:fillRef>
+            <a:effectRef idx="0">
+              <a:schemeClr val="accent1"/>
+            </a:effectRef>
+            <a:fontRef idx="minor">
+              <a:schemeClr val="lt1"/>
+            </a:fontRef>
+          </p:style>
+          <p:txBody>
+            <a:bodyPr rtlCol="0" anchor="ctr"/>
+            <a:lstStyle/>
+            <a:p>
+              <a:pPr algn="ctr"/>
+              <a:endParaRPr lang="en-US" sz="1400"/>
+            </a:p>
+          </p:txBody>
+        </p:sp>
+        <p:cxnSp>
+          <p:nvCxnSpPr>
+            <p:cNvPr id="21" name="Straight Arrow Connector 20">
+              <a:extLst>
+                <a:ext uri="{FF2B5EF4-FFF2-40B4-BE49-F238E27FC236}">
+                  <a16:creationId xmlns:a16="http://schemas.microsoft.com/office/drawing/2014/main" id="{DE45066D-F36D-499E-9D5F-08DAEC3BA94F}"/>
+                </a:ext>
+              </a:extLst>
+            </p:cNvPr>
+            <p:cNvCxnSpPr/>
+            <p:nvPr/>
+          </p:nvCxnSpPr>
+          <p:spPr>
+            <a:xfrm flipV="1">
+              <a:off x="6432996" y="2837054"/>
+              <a:ext cx="299191" cy="42405"/>
+            </a:xfrm>
+            <a:prstGeom prst="straightConnector1">
+              <a:avLst/>
+            </a:prstGeom>
+            <a:ln w="9525">
+              <a:solidFill>
+                <a:schemeClr val="tx1"/>
+              </a:solidFill>
+              <a:tailEnd type="arrow"/>
+            </a:ln>
+          </p:spPr>
+          <p:style>
+            <a:lnRef idx="1">
+              <a:schemeClr val="accent1"/>
+            </a:lnRef>
+            <a:fillRef idx="0">
+              <a:schemeClr val="accent1"/>
+            </a:fillRef>
+            <a:effectRef idx="0">
+              <a:schemeClr val="accent1"/>
+            </a:effectRef>
+            <a:fontRef idx="minor">
+              <a:schemeClr val="tx1"/>
+            </a:fontRef>
+          </p:style>
+        </p:cxnSp>
+        <p:cxnSp>
+          <p:nvCxnSpPr>
+            <p:cNvPr id="22" name="Straight Arrow Connector 21">
+              <a:extLst>
+                <a:ext uri="{FF2B5EF4-FFF2-40B4-BE49-F238E27FC236}">
+                  <a16:creationId xmlns:a16="http://schemas.microsoft.com/office/drawing/2014/main" id="{CD7F06B0-4688-487B-9FC4-5A8EBEC0A764}"/>
+                </a:ext>
+              </a:extLst>
+            </p:cNvPr>
+            <p:cNvCxnSpPr/>
+            <p:nvPr/>
+          </p:nvCxnSpPr>
+          <p:spPr>
+            <a:xfrm flipH="1">
+              <a:off x="6774428" y="2384212"/>
+              <a:ext cx="42242" cy="452842"/>
+            </a:xfrm>
+            <a:prstGeom prst="straightConnector1">
+              <a:avLst/>
+            </a:prstGeom>
+            <a:ln w="9525">
+              <a:solidFill>
+                <a:schemeClr val="tx1"/>
+              </a:solidFill>
+              <a:tailEnd type="arrow"/>
+            </a:ln>
+          </p:spPr>
+          <p:style>
+            <a:lnRef idx="1">
+              <a:schemeClr val="accent1"/>
+            </a:lnRef>
+            <a:fillRef idx="0">
+              <a:schemeClr val="accent1"/>
+            </a:fillRef>
+            <a:effectRef idx="0">
+              <a:schemeClr val="accent1"/>
+            </a:effectRef>
+            <a:fontRef idx="minor">
+              <a:schemeClr val="tx1"/>
+            </a:fontRef>
+          </p:style>
+        </p:cxnSp>
+        <p:cxnSp>
+          <p:nvCxnSpPr>
+            <p:cNvPr id="23" name="Straight Arrow Connector 22">
+              <a:extLst>
+                <a:ext uri="{FF2B5EF4-FFF2-40B4-BE49-F238E27FC236}">
+                  <a16:creationId xmlns:a16="http://schemas.microsoft.com/office/drawing/2014/main" id="{42801F00-8F66-4165-9297-3447E2CFB639}"/>
+                </a:ext>
+              </a:extLst>
+            </p:cNvPr>
+            <p:cNvCxnSpPr/>
+            <p:nvPr/>
+          </p:nvCxnSpPr>
+          <p:spPr>
+            <a:xfrm flipV="1">
+              <a:off x="6740846" y="2880272"/>
+              <a:ext cx="6569" cy="378190"/>
+            </a:xfrm>
+            <a:prstGeom prst="straightConnector1">
+              <a:avLst/>
+            </a:prstGeom>
+            <a:ln w="9525">
+              <a:solidFill>
+                <a:schemeClr val="tx1"/>
+              </a:solidFill>
+              <a:tailEnd type="arrow"/>
+            </a:ln>
+          </p:spPr>
+          <p:style>
+            <a:lnRef idx="1">
+              <a:schemeClr val="accent1"/>
+            </a:lnRef>
+            <a:fillRef idx="0">
+              <a:schemeClr val="accent1"/>
+            </a:fillRef>
+            <a:effectRef idx="0">
+              <a:schemeClr val="accent1"/>
+            </a:effectRef>
+            <a:fontRef idx="minor">
+              <a:schemeClr val="tx1"/>
+            </a:fontRef>
+          </p:style>
+        </p:cxnSp>
+        <p:cxnSp>
+          <p:nvCxnSpPr>
+            <p:cNvPr id="24" name="Straight Arrow Connector 23">
+              <a:extLst>
+                <a:ext uri="{FF2B5EF4-FFF2-40B4-BE49-F238E27FC236}">
+                  <a16:creationId xmlns:a16="http://schemas.microsoft.com/office/drawing/2014/main" id="{E17ED7F5-8D1A-4C74-B6E3-EEA48C347F61}"/>
+                </a:ext>
+              </a:extLst>
+            </p:cNvPr>
+            <p:cNvCxnSpPr/>
+            <p:nvPr/>
+          </p:nvCxnSpPr>
+          <p:spPr>
+            <a:xfrm flipH="1" flipV="1">
+              <a:off x="7295771" y="3563185"/>
+              <a:ext cx="95772" cy="338258"/>
+            </a:xfrm>
+            <a:prstGeom prst="straightConnector1">
+              <a:avLst/>
+            </a:prstGeom>
+            <a:ln w="9525">
+              <a:solidFill>
+                <a:schemeClr val="tx1"/>
+              </a:solidFill>
+              <a:tailEnd type="arrow"/>
+            </a:ln>
+          </p:spPr>
+          <p:style>
+            <a:lnRef idx="1">
+              <a:schemeClr val="accent1"/>
+            </a:lnRef>
+            <a:fillRef idx="0">
+              <a:schemeClr val="accent1"/>
+            </a:fillRef>
+            <a:effectRef idx="0">
+              <a:schemeClr val="accent1"/>
+            </a:effectRef>
+            <a:fontRef idx="minor">
+              <a:schemeClr val="tx1"/>
+            </a:fontRef>
+          </p:style>
+        </p:cxnSp>
+        <p:cxnSp>
+          <p:nvCxnSpPr>
+            <p:cNvPr id="25" name="Straight Arrow Connector 24">
+              <a:extLst>
+                <a:ext uri="{FF2B5EF4-FFF2-40B4-BE49-F238E27FC236}">
+                  <a16:creationId xmlns:a16="http://schemas.microsoft.com/office/drawing/2014/main" id="{65EEFAA6-D72D-4F19-B564-7648ED2B8161}"/>
+                </a:ext>
+              </a:extLst>
+            </p:cNvPr>
+            <p:cNvCxnSpPr/>
+            <p:nvPr/>
+          </p:nvCxnSpPr>
+          <p:spPr>
+            <a:xfrm flipH="1">
+              <a:off x="7295771" y="2610633"/>
+              <a:ext cx="259073" cy="226421"/>
+            </a:xfrm>
+            <a:prstGeom prst="straightConnector1">
+              <a:avLst/>
+            </a:prstGeom>
+            <a:ln w="9525">
+              <a:solidFill>
+                <a:schemeClr val="tx1"/>
+              </a:solidFill>
+              <a:tailEnd type="arrow"/>
+            </a:ln>
+          </p:spPr>
+          <p:style>
+            <a:lnRef idx="1">
+              <a:schemeClr val="accent1"/>
+            </a:lnRef>
+            <a:fillRef idx="0">
+              <a:schemeClr val="accent1"/>
+            </a:fillRef>
+            <a:effectRef idx="0">
+              <a:schemeClr val="accent1"/>
+            </a:effectRef>
+            <a:fontRef idx="minor">
+              <a:schemeClr val="tx1"/>
+            </a:fontRef>
+          </p:style>
+        </p:cxnSp>
+        <p:cxnSp>
+          <p:nvCxnSpPr>
+            <p:cNvPr id="26" name="Straight Arrow Connector 25">
+              <a:extLst>
+                <a:ext uri="{FF2B5EF4-FFF2-40B4-BE49-F238E27FC236}">
+                  <a16:creationId xmlns:a16="http://schemas.microsoft.com/office/drawing/2014/main" id="{8F8FF58E-AF62-4453-AA6F-07C92BDE93DF}"/>
+                </a:ext>
+              </a:extLst>
+            </p:cNvPr>
+            <p:cNvCxnSpPr/>
+            <p:nvPr/>
+          </p:nvCxnSpPr>
+          <p:spPr>
+            <a:xfrm flipH="1" flipV="1">
+              <a:off x="7268757" y="2880273"/>
+              <a:ext cx="286087" cy="217671"/>
+            </a:xfrm>
+            <a:prstGeom prst="straightConnector1">
+              <a:avLst/>
+            </a:prstGeom>
+            <a:ln w="9525">
+              <a:solidFill>
+                <a:schemeClr val="tx1"/>
+              </a:solidFill>
+              <a:tailEnd type="arrow"/>
+            </a:ln>
+          </p:spPr>
+          <p:style>
+            <a:lnRef idx="1">
+              <a:schemeClr val="accent1"/>
+            </a:lnRef>
+            <a:fillRef idx="0">
+              <a:schemeClr val="accent1"/>
+            </a:fillRef>
+            <a:effectRef idx="0">
+              <a:schemeClr val="accent1"/>
+            </a:effectRef>
+            <a:fontRef idx="minor">
+              <a:schemeClr val="tx1"/>
+            </a:fontRef>
+          </p:style>
+        </p:cxnSp>
+      </p:grpSp>
     </p:spTree>
     <p:extLst>
       <p:ext uri="{BB962C8B-B14F-4D97-AF65-F5344CB8AC3E}">
-        <p14:creationId xmlns:p14="http://schemas.microsoft.com/office/powerpoint/2010/main" val="1080778170"/>
+        <p14:creationId xmlns:p14="http://schemas.microsoft.com/office/powerpoint/2010/main" val="271018511"/>
       </p:ext>
     </p:extLst>
   </p:cSld>
@@ -14253,567 +18124,304 @@
           <a:lstStyle/>
           <a:p>
             <a:r>
-              <a:rPr lang="en-US" dirty="0" err="1"/>
-              <a:t>Make.contigs</a:t>
-            </a:r>
-            <a:r>
               <a:rPr lang="en-US" dirty="0"/>
-              <a:t>()</a:t>
+              <a:t>Alignment an DBs</a:t>
             </a:r>
           </a:p>
         </p:txBody>
       </p:sp>
       <p:sp>
         <p:nvSpPr>
-          <p:cNvPr id="5" name="Oval 4"/>
-          <p:cNvSpPr/>
-          <p:nvPr/>
+          <p:cNvPr id="3" name="Content Placeholder 2">
+            <a:extLst>
+              <a:ext uri="{FF2B5EF4-FFF2-40B4-BE49-F238E27FC236}">
+                <a16:creationId xmlns:a16="http://schemas.microsoft.com/office/drawing/2014/main" id="{6847692A-5CB2-483B-9580-2B26F0642507}"/>
+              </a:ext>
+            </a:extLst>
+          </p:cNvPr>
+          <p:cNvSpPr>
+            <a:spLocks noGrp="1"/>
+          </p:cNvSpPr>
+          <p:nvPr>
+            <p:ph sz="quarter" idx="13"/>
+          </p:nvPr>
         </p:nvSpPr>
         <p:spPr>
           <a:xfrm>
-            <a:off x="323528" y="3645024"/>
-            <a:ext cx="2664296" cy="2376264"/>
+            <a:off x="917562" y="1295400"/>
+            <a:ext cx="7614878" cy="4876800"/>
           </a:xfrm>
-          <a:prstGeom prst="ellipse">
-            <a:avLst/>
-          </a:prstGeom>
-          <a:gradFill flip="none" rotWithShape="1">
-            <a:gsLst>
-              <a:gs pos="0">
-                <a:schemeClr val="tx1">
-                  <a:lumMod val="50000"/>
-                  <a:lumOff val="50000"/>
-                </a:schemeClr>
-              </a:gs>
-              <a:gs pos="45000">
-                <a:schemeClr val="bg1">
-                  <a:lumMod val="85000"/>
-                  <a:shade val="67500"/>
-                  <a:satMod val="115000"/>
-                </a:schemeClr>
-              </a:gs>
-              <a:gs pos="100000">
-                <a:schemeClr val="bg1">
-                  <a:lumMod val="95000"/>
-                </a:schemeClr>
-              </a:gs>
-            </a:gsLst>
-            <a:lin ang="16200000" scaled="1"/>
-            <a:tileRect/>
-          </a:gradFill>
-          <a:ln>
-            <a:solidFill>
-              <a:schemeClr val="tx1">
-                <a:lumMod val="65000"/>
-                <a:lumOff val="35000"/>
-              </a:schemeClr>
-            </a:solidFill>
-          </a:ln>
         </p:spPr>
-        <p:style>
-          <a:lnRef idx="2">
-            <a:schemeClr val="accent1">
-              <a:shade val="50000"/>
-            </a:schemeClr>
-          </a:lnRef>
-          <a:fillRef idx="1">
-            <a:schemeClr val="accent1"/>
-          </a:fillRef>
-          <a:effectRef idx="0">
-            <a:schemeClr val="accent1"/>
-          </a:effectRef>
-          <a:fontRef idx="minor">
-            <a:schemeClr val="lt1"/>
-          </a:fontRef>
-        </p:style>
         <p:txBody>
-          <a:bodyPr rtlCol="0" anchor="ctr"/>
+          <a:bodyPr/>
           <a:lstStyle/>
           <a:p>
-            <a:pPr algn="ctr"/>
-            <a:endParaRPr lang="en-US"/>
+            <a:r>
+              <a:rPr lang="es-PE" dirty="0" err="1"/>
+              <a:t>Results</a:t>
+            </a:r>
+            <a:r>
+              <a:rPr lang="es-PE" dirty="0"/>
+              <a:t> </a:t>
+            </a:r>
+            <a:r>
+              <a:rPr lang="es-PE" dirty="0" err="1"/>
+              <a:t>depend</a:t>
+            </a:r>
+            <a:r>
+              <a:rPr lang="es-PE" dirty="0"/>
+              <a:t> </a:t>
+            </a:r>
+            <a:r>
+              <a:rPr lang="es-PE" dirty="0" err="1"/>
+              <a:t>on</a:t>
+            </a:r>
+            <a:r>
+              <a:rPr lang="es-PE" dirty="0"/>
+              <a:t> </a:t>
+            </a:r>
+            <a:r>
+              <a:rPr lang="es-PE" dirty="0" err="1"/>
+              <a:t>the</a:t>
+            </a:r>
+            <a:r>
+              <a:rPr lang="es-PE" dirty="0"/>
+              <a:t> </a:t>
+            </a:r>
+            <a:r>
+              <a:rPr lang="es-PE" dirty="0" err="1"/>
+              <a:t>DBs</a:t>
+            </a:r>
+            <a:r>
+              <a:rPr lang="es-PE" dirty="0"/>
+              <a:t> </a:t>
+            </a:r>
+            <a:r>
+              <a:rPr lang="es-PE" dirty="0" err="1"/>
+              <a:t>used</a:t>
+            </a:r>
+            <a:endParaRPr lang="es-PE" dirty="0"/>
           </a:p>
-        </p:txBody>
-      </p:sp>
-      <p:sp>
-        <p:nvSpPr>
-          <p:cNvPr id="6" name="Block Arc 5"/>
-          <p:cNvSpPr/>
-          <p:nvPr/>
-        </p:nvSpPr>
-        <p:spPr>
-          <a:xfrm>
-            <a:off x="1079612" y="2419845"/>
-            <a:ext cx="1152128" cy="2803624"/>
-          </a:xfrm>
-          <a:prstGeom prst="blockArc">
-            <a:avLst/>
-          </a:prstGeom>
-          <a:gradFill flip="none" rotWithShape="1">
-            <a:gsLst>
-              <a:gs pos="0">
-                <a:schemeClr val="accent2">
-                  <a:tint val="66000"/>
-                  <a:satMod val="160000"/>
-                </a:schemeClr>
-              </a:gs>
-              <a:gs pos="50000">
-                <a:schemeClr val="accent2">
-                  <a:tint val="44500"/>
-                  <a:satMod val="160000"/>
-                </a:schemeClr>
-              </a:gs>
-              <a:gs pos="100000">
-                <a:schemeClr val="accent2">
-                  <a:tint val="23500"/>
-                  <a:satMod val="160000"/>
-                </a:schemeClr>
-              </a:gs>
-            </a:gsLst>
-            <a:lin ang="16200000" scaled="1"/>
-            <a:tileRect/>
-          </a:gradFill>
-          <a:ln>
-            <a:solidFill>
-              <a:schemeClr val="accent2">
-                <a:lumMod val="75000"/>
-              </a:schemeClr>
-            </a:solidFill>
-          </a:ln>
-        </p:spPr>
-        <p:style>
-          <a:lnRef idx="2">
-            <a:schemeClr val="accent2">
-              <a:shade val="50000"/>
-            </a:schemeClr>
-          </a:lnRef>
-          <a:fillRef idx="1">
-            <a:schemeClr val="accent2"/>
-          </a:fillRef>
-          <a:effectRef idx="0">
-            <a:schemeClr val="accent2"/>
-          </a:effectRef>
-          <a:fontRef idx="minor">
-            <a:schemeClr val="lt1"/>
-          </a:fontRef>
-        </p:style>
-        <p:txBody>
-          <a:bodyPr rtlCol="0" anchor="ctr"/>
-          <a:lstStyle/>
           <a:p>
-            <a:pPr algn="ctr"/>
-            <a:endParaRPr lang="en-US">
-              <a:solidFill>
-                <a:schemeClr val="tx1"/>
-              </a:solidFill>
-            </a:endParaRPr>
+            <a:r>
+              <a:rPr lang="es-PE" dirty="0"/>
+              <a:t>Silva </a:t>
+            </a:r>
+            <a:r>
+              <a:rPr lang="es-PE" dirty="0" err="1"/>
+              <a:t>is</a:t>
+            </a:r>
+            <a:r>
+              <a:rPr lang="es-PE" dirty="0"/>
+              <a:t> </a:t>
+            </a:r>
+            <a:r>
+              <a:rPr lang="es-PE" dirty="0" err="1"/>
+              <a:t>considered</a:t>
+            </a:r>
+            <a:r>
+              <a:rPr lang="es-PE" dirty="0"/>
+              <a:t> </a:t>
+            </a:r>
+            <a:r>
+              <a:rPr lang="es-PE" dirty="0" err="1"/>
+              <a:t>the</a:t>
+            </a:r>
+            <a:r>
+              <a:rPr lang="es-PE" dirty="0"/>
+              <a:t> </a:t>
+            </a:r>
+            <a:r>
+              <a:rPr lang="es-PE" dirty="0" err="1"/>
+              <a:t>best</a:t>
+            </a:r>
+            <a:r>
+              <a:rPr lang="es-PE" dirty="0"/>
+              <a:t> </a:t>
+            </a:r>
+            <a:r>
+              <a:rPr lang="es-PE" dirty="0" err="1"/>
+              <a:t>alignment</a:t>
+            </a:r>
+            <a:r>
+              <a:rPr lang="es-PE" dirty="0"/>
+              <a:t>, </a:t>
+            </a:r>
+            <a:r>
+              <a:rPr lang="es-PE" dirty="0" err="1"/>
+              <a:t>Greengenes</a:t>
+            </a:r>
+            <a:r>
+              <a:rPr lang="es-PE" dirty="0"/>
+              <a:t> </a:t>
+            </a:r>
+            <a:r>
+              <a:rPr lang="es-PE" dirty="0" err="1"/>
+              <a:t>is</a:t>
+            </a:r>
+            <a:r>
+              <a:rPr lang="es-PE" dirty="0"/>
+              <a:t> </a:t>
+            </a:r>
+            <a:r>
+              <a:rPr lang="es-PE" dirty="0" err="1"/>
+              <a:t>bad</a:t>
+            </a:r>
+            <a:r>
+              <a:rPr lang="es-PE" dirty="0"/>
+              <a:t>.</a:t>
+            </a:r>
           </a:p>
-        </p:txBody>
-      </p:sp>
-      <p:sp>
-        <p:nvSpPr>
-          <p:cNvPr id="7" name="Down Arrow 6"/>
-          <p:cNvSpPr/>
-          <p:nvPr/>
-        </p:nvSpPr>
-        <p:spPr>
-          <a:xfrm rot="10800000">
-            <a:off x="899590" y="3281597"/>
-            <a:ext cx="432049" cy="540060"/>
-          </a:xfrm>
-          <a:prstGeom prst="downArrow">
-            <a:avLst/>
-          </a:prstGeom>
-        </p:spPr>
-        <p:style>
-          <a:lnRef idx="2">
-            <a:schemeClr val="dk1"/>
-          </a:lnRef>
-          <a:fillRef idx="1">
-            <a:schemeClr val="lt1"/>
-          </a:fillRef>
-          <a:effectRef idx="0">
-            <a:schemeClr val="dk1"/>
-          </a:effectRef>
-          <a:fontRef idx="minor">
-            <a:schemeClr val="dk1"/>
-          </a:fontRef>
-        </p:style>
-        <p:txBody>
-          <a:bodyPr rtlCol="0" anchor="ctr"/>
-          <a:lstStyle/>
           <a:p>
-            <a:pPr algn="ctr"/>
-            <a:endParaRPr lang="en-US"/>
+            <a:r>
+              <a:rPr lang="es-PE" dirty="0" err="1"/>
+              <a:t>Greengenes</a:t>
+            </a:r>
+            <a:r>
+              <a:rPr lang="es-PE" dirty="0"/>
+              <a:t> </a:t>
+            </a:r>
+            <a:r>
+              <a:rPr lang="es-PE" dirty="0" err="1"/>
+              <a:t>taxonomy</a:t>
+            </a:r>
+            <a:r>
+              <a:rPr lang="es-PE" dirty="0"/>
+              <a:t> </a:t>
+            </a:r>
+            <a:r>
+              <a:rPr lang="es-PE" dirty="0" err="1"/>
+              <a:t>is</a:t>
+            </a:r>
+            <a:r>
+              <a:rPr lang="es-PE" dirty="0"/>
+              <a:t> </a:t>
+            </a:r>
+            <a:r>
+              <a:rPr lang="es-PE" dirty="0" err="1"/>
+              <a:t>the</a:t>
+            </a:r>
+            <a:r>
+              <a:rPr lang="es-PE" dirty="0"/>
+              <a:t> </a:t>
+            </a:r>
+            <a:r>
+              <a:rPr lang="es-PE" dirty="0" err="1"/>
+              <a:t>best</a:t>
+            </a:r>
+            <a:r>
+              <a:rPr lang="es-PE" dirty="0"/>
+              <a:t>, </a:t>
+            </a:r>
+            <a:r>
+              <a:rPr lang="es-PE" dirty="0" err="1"/>
+              <a:t>not</a:t>
+            </a:r>
+            <a:r>
+              <a:rPr lang="es-PE" dirty="0"/>
+              <a:t> </a:t>
+            </a:r>
+            <a:r>
+              <a:rPr lang="es-PE" dirty="0" err="1"/>
+              <a:t>updated</a:t>
+            </a:r>
+            <a:endParaRPr lang="es-PE" dirty="0"/>
           </a:p>
-        </p:txBody>
-      </p:sp>
-      <p:sp>
-        <p:nvSpPr>
-          <p:cNvPr id="9" name="Rectangle 8"/>
-          <p:cNvSpPr/>
-          <p:nvPr/>
-        </p:nvSpPr>
-        <p:spPr>
-          <a:xfrm>
-            <a:off x="4517780" y="2292337"/>
-            <a:ext cx="2916324" cy="360040"/>
-          </a:xfrm>
-          <a:prstGeom prst="rect">
-            <a:avLst/>
-          </a:prstGeom>
-          <a:solidFill>
-            <a:schemeClr val="accent2">
-              <a:lumMod val="40000"/>
-              <a:lumOff val="60000"/>
-            </a:schemeClr>
-          </a:solidFill>
-        </p:spPr>
-        <p:style>
-          <a:lnRef idx="2">
-            <a:schemeClr val="accent2">
-              <a:shade val="50000"/>
-            </a:schemeClr>
-          </a:lnRef>
-          <a:fillRef idx="1">
-            <a:schemeClr val="accent2"/>
-          </a:fillRef>
-          <a:effectRef idx="0">
-            <a:schemeClr val="accent2"/>
-          </a:effectRef>
-          <a:fontRef idx="minor">
-            <a:schemeClr val="lt1"/>
-          </a:fontRef>
-        </p:style>
-        <p:txBody>
-          <a:bodyPr rtlCol="0" anchor="ctr"/>
-          <a:lstStyle/>
           <a:p>
-            <a:pPr algn="ctr"/>
-            <a:endParaRPr lang="en-US"/>
+            <a:r>
+              <a:rPr lang="es-PE" dirty="0" err="1"/>
+              <a:t>Check</a:t>
+            </a:r>
+            <a:r>
+              <a:rPr lang="es-PE" dirty="0"/>
+              <a:t> </a:t>
+            </a:r>
+            <a:r>
+              <a:rPr lang="es-PE" dirty="0" err="1"/>
+              <a:t>the</a:t>
+            </a:r>
+            <a:r>
+              <a:rPr lang="es-PE" dirty="0"/>
+              <a:t> </a:t>
+            </a:r>
+            <a:r>
+              <a:rPr lang="es-PE" dirty="0" err="1"/>
+              <a:t>standards</a:t>
+            </a:r>
+            <a:r>
+              <a:rPr lang="es-PE" dirty="0"/>
+              <a:t> in </a:t>
+            </a:r>
+            <a:r>
+              <a:rPr lang="es-PE" dirty="0" err="1"/>
+              <a:t>your</a:t>
+            </a:r>
+            <a:r>
+              <a:rPr lang="es-PE" dirty="0"/>
+              <a:t> </a:t>
+            </a:r>
+            <a:r>
+              <a:rPr lang="es-PE" dirty="0" err="1"/>
+              <a:t>field</a:t>
+            </a:r>
+            <a:r>
+              <a:rPr lang="es-PE" dirty="0"/>
+              <a:t> </a:t>
+            </a:r>
+            <a:r>
+              <a:rPr lang="es-PE" dirty="0" err="1"/>
+              <a:t>first</a:t>
+            </a:r>
+            <a:endParaRPr lang="es-PE" dirty="0"/>
           </a:p>
-        </p:txBody>
-      </p:sp>
-      <p:sp>
-        <p:nvSpPr>
-          <p:cNvPr id="10" name="Down Arrow 9"/>
-          <p:cNvSpPr/>
-          <p:nvPr/>
-        </p:nvSpPr>
-        <p:spPr>
-          <a:xfrm rot="16200000">
-            <a:off x="5238073" y="1284221"/>
-            <a:ext cx="432049" cy="1944217"/>
-          </a:xfrm>
-          <a:prstGeom prst="downArrow">
-            <a:avLst/>
-          </a:prstGeom>
-        </p:spPr>
-        <p:style>
-          <a:lnRef idx="2">
-            <a:schemeClr val="dk1"/>
-          </a:lnRef>
-          <a:fillRef idx="1">
-            <a:schemeClr val="lt1"/>
-          </a:fillRef>
-          <a:effectRef idx="0">
-            <a:schemeClr val="dk1"/>
-          </a:effectRef>
-          <a:fontRef idx="minor">
-            <a:schemeClr val="dk1"/>
-          </a:fontRef>
-        </p:style>
-        <p:txBody>
-          <a:bodyPr rtlCol="0" anchor="ctr"/>
-          <a:lstStyle/>
           <a:p>
-            <a:pPr algn="ctr"/>
-            <a:endParaRPr lang="en-US"/>
+            <a:r>
+              <a:rPr lang="es-PE" dirty="0" err="1"/>
+              <a:t>You</a:t>
+            </a:r>
+            <a:r>
+              <a:rPr lang="es-PE" dirty="0"/>
+              <a:t> can </a:t>
+            </a:r>
+            <a:r>
+              <a:rPr lang="es-PE" dirty="0" err="1"/>
+              <a:t>create</a:t>
+            </a:r>
+            <a:r>
+              <a:rPr lang="es-PE" dirty="0"/>
+              <a:t> </a:t>
+            </a:r>
+            <a:r>
+              <a:rPr lang="es-PE" dirty="0" err="1"/>
+              <a:t>your</a:t>
+            </a:r>
+            <a:r>
+              <a:rPr lang="es-PE" dirty="0"/>
+              <a:t> </a:t>
+            </a:r>
+            <a:r>
+              <a:rPr lang="es-PE" dirty="0" err="1"/>
+              <a:t>own</a:t>
+            </a:r>
+            <a:r>
+              <a:rPr lang="es-PE" dirty="0"/>
+              <a:t> </a:t>
+            </a:r>
+            <a:r>
+              <a:rPr lang="es-PE" dirty="0" err="1"/>
+              <a:t>database</a:t>
+            </a:r>
+            <a:endParaRPr lang="es-PE" dirty="0"/>
           </a:p>
-        </p:txBody>
-      </p:sp>
-      <p:sp>
-        <p:nvSpPr>
-          <p:cNvPr id="11" name="Down Arrow 10"/>
-          <p:cNvSpPr/>
-          <p:nvPr/>
-        </p:nvSpPr>
-        <p:spPr>
-          <a:xfrm rot="5400000">
-            <a:off x="6245971" y="1617122"/>
-            <a:ext cx="432049" cy="1944217"/>
-          </a:xfrm>
-          <a:prstGeom prst="downArrow">
-            <a:avLst/>
-          </a:prstGeom>
-        </p:spPr>
-        <p:style>
-          <a:lnRef idx="2">
-            <a:schemeClr val="dk1"/>
-          </a:lnRef>
-          <a:fillRef idx="1">
-            <a:schemeClr val="lt1"/>
-          </a:fillRef>
-          <a:effectRef idx="0">
-            <a:schemeClr val="dk1"/>
-          </a:effectRef>
-          <a:fontRef idx="minor">
-            <a:schemeClr val="dk1"/>
-          </a:fontRef>
-        </p:style>
-        <p:txBody>
-          <a:bodyPr rtlCol="0" anchor="ctr"/>
-          <a:lstStyle/>
           <a:p>
-            <a:pPr algn="ctr"/>
-            <a:endParaRPr lang="en-US"/>
-          </a:p>
-        </p:txBody>
-      </p:sp>
-      <p:sp>
-        <p:nvSpPr>
-          <p:cNvPr id="13" name="Down Arrow 12"/>
-          <p:cNvSpPr/>
-          <p:nvPr/>
-        </p:nvSpPr>
-        <p:spPr>
-          <a:xfrm rot="16200000">
-            <a:off x="5256075" y="2960949"/>
-            <a:ext cx="432049" cy="1944217"/>
-          </a:xfrm>
-          <a:prstGeom prst="downArrow">
-            <a:avLst/>
-          </a:prstGeom>
-        </p:spPr>
-        <p:style>
-          <a:lnRef idx="2">
-            <a:schemeClr val="dk1"/>
-          </a:lnRef>
-          <a:fillRef idx="1">
-            <a:schemeClr val="lt1"/>
-          </a:fillRef>
-          <a:effectRef idx="0">
-            <a:schemeClr val="dk1"/>
-          </a:effectRef>
-          <a:fontRef idx="minor">
-            <a:schemeClr val="dk1"/>
-          </a:fontRef>
-        </p:style>
-        <p:txBody>
-          <a:bodyPr rtlCol="0" anchor="ctr"/>
-          <a:lstStyle/>
-          <a:p>
-            <a:pPr algn="ctr"/>
-            <a:endParaRPr lang="en-US"/>
-          </a:p>
-        </p:txBody>
-      </p:sp>
-      <p:sp>
-        <p:nvSpPr>
-          <p:cNvPr id="14" name="Down Arrow 13"/>
-          <p:cNvSpPr/>
-          <p:nvPr/>
-        </p:nvSpPr>
-        <p:spPr>
-          <a:xfrm rot="5400000">
-            <a:off x="6210181" y="3098028"/>
-            <a:ext cx="432049" cy="1944217"/>
-          </a:xfrm>
-          <a:prstGeom prst="downArrow">
-            <a:avLst/>
-          </a:prstGeom>
-        </p:spPr>
-        <p:style>
-          <a:lnRef idx="2">
-            <a:schemeClr val="dk1"/>
-          </a:lnRef>
-          <a:fillRef idx="1">
-            <a:schemeClr val="lt1"/>
-          </a:fillRef>
-          <a:effectRef idx="0">
-            <a:schemeClr val="dk1"/>
-          </a:effectRef>
-          <a:fontRef idx="minor">
-            <a:schemeClr val="dk1"/>
-          </a:fontRef>
-        </p:style>
-        <p:txBody>
-          <a:bodyPr rtlCol="0" anchor="ctr"/>
-          <a:lstStyle/>
-          <a:p>
-            <a:pPr algn="ctr"/>
-            <a:endParaRPr lang="en-US"/>
-          </a:p>
-        </p:txBody>
-      </p:sp>
-      <p:sp>
-        <p:nvSpPr>
-          <p:cNvPr id="15" name="Down Arrow 14"/>
-          <p:cNvSpPr/>
-          <p:nvPr/>
-        </p:nvSpPr>
-        <p:spPr>
-          <a:xfrm rot="10800000">
-            <a:off x="1823545" y="3281598"/>
-            <a:ext cx="432049" cy="540060"/>
-          </a:xfrm>
-          <a:prstGeom prst="downArrow">
-            <a:avLst/>
-          </a:prstGeom>
-        </p:spPr>
-        <p:style>
-          <a:lnRef idx="2">
-            <a:schemeClr val="dk1"/>
-          </a:lnRef>
-          <a:fillRef idx="1">
-            <a:schemeClr val="lt1"/>
-          </a:fillRef>
-          <a:effectRef idx="0">
-            <a:schemeClr val="dk1"/>
-          </a:effectRef>
-          <a:fontRef idx="minor">
-            <a:schemeClr val="dk1"/>
-          </a:fontRef>
-        </p:style>
-        <p:txBody>
-          <a:bodyPr rtlCol="0" anchor="ctr"/>
-          <a:lstStyle/>
-          <a:p>
-            <a:pPr algn="ctr"/>
-            <a:endParaRPr lang="en-US"/>
-          </a:p>
-        </p:txBody>
-      </p:sp>
-      <p:sp>
-        <p:nvSpPr>
-          <p:cNvPr id="17" name="Rectangle 16"/>
-          <p:cNvSpPr/>
-          <p:nvPr/>
-        </p:nvSpPr>
-        <p:spPr>
-          <a:xfrm>
-            <a:off x="4512574" y="5223469"/>
-            <a:ext cx="2916324" cy="360040"/>
-          </a:xfrm>
-          <a:prstGeom prst="rect">
-            <a:avLst/>
-          </a:prstGeom>
-        </p:spPr>
-        <p:style>
-          <a:lnRef idx="2">
-            <a:schemeClr val="dk1"/>
-          </a:lnRef>
-          <a:fillRef idx="1">
-            <a:schemeClr val="lt1"/>
-          </a:fillRef>
-          <a:effectRef idx="0">
-            <a:schemeClr val="dk1"/>
-          </a:effectRef>
-          <a:fontRef idx="minor">
-            <a:schemeClr val="dk1"/>
-          </a:fontRef>
-        </p:style>
-        <p:txBody>
-          <a:bodyPr rtlCol="0" anchor="ctr"/>
-          <a:lstStyle/>
-          <a:p>
-            <a:pPr algn="ctr"/>
-            <a:endParaRPr lang="en-US"/>
-          </a:p>
-        </p:txBody>
-      </p:sp>
-      <p:sp>
-        <p:nvSpPr>
-          <p:cNvPr id="18" name="Curved Left Arrow 17"/>
-          <p:cNvSpPr/>
-          <p:nvPr/>
-        </p:nvSpPr>
-        <p:spPr>
-          <a:xfrm>
-            <a:off x="7812360" y="2924944"/>
-            <a:ext cx="432048" cy="720080"/>
-          </a:xfrm>
-          <a:prstGeom prst="curvedLeftArrow">
-            <a:avLst/>
-          </a:prstGeom>
-        </p:spPr>
-        <p:style>
-          <a:lnRef idx="2">
-            <a:schemeClr val="accent5">
-              <a:shade val="50000"/>
-            </a:schemeClr>
-          </a:lnRef>
-          <a:fillRef idx="1">
-            <a:schemeClr val="accent5"/>
-          </a:fillRef>
-          <a:effectRef idx="0">
-            <a:schemeClr val="accent5"/>
-          </a:effectRef>
-          <a:fontRef idx="minor">
-            <a:schemeClr val="lt1"/>
-          </a:fontRef>
-        </p:style>
-        <p:txBody>
-          <a:bodyPr rtlCol="0" anchor="ctr"/>
-          <a:lstStyle/>
-          <a:p>
-            <a:pPr algn="ctr"/>
-            <a:endParaRPr lang="en-US">
-              <a:solidFill>
-                <a:schemeClr val="tx1"/>
-              </a:solidFill>
-            </a:endParaRPr>
-          </a:p>
-        </p:txBody>
-      </p:sp>
-      <p:sp>
-        <p:nvSpPr>
-          <p:cNvPr id="19" name="Curved Left Arrow 18"/>
-          <p:cNvSpPr/>
-          <p:nvPr/>
-        </p:nvSpPr>
-        <p:spPr>
-          <a:xfrm>
-            <a:off x="7885225" y="4292043"/>
-            <a:ext cx="432048" cy="720080"/>
-          </a:xfrm>
-          <a:prstGeom prst="curvedLeftArrow">
-            <a:avLst/>
-          </a:prstGeom>
-        </p:spPr>
-        <p:style>
-          <a:lnRef idx="2">
-            <a:schemeClr val="accent5">
-              <a:shade val="50000"/>
-            </a:schemeClr>
-          </a:lnRef>
-          <a:fillRef idx="1">
-            <a:schemeClr val="accent5"/>
-          </a:fillRef>
-          <a:effectRef idx="0">
-            <a:schemeClr val="accent5"/>
-          </a:effectRef>
-          <a:fontRef idx="minor">
-            <a:schemeClr val="lt1"/>
-          </a:fontRef>
-        </p:style>
-        <p:txBody>
-          <a:bodyPr rtlCol="0" anchor="ctr"/>
-          <a:lstStyle/>
-          <a:p>
-            <a:pPr algn="ctr"/>
-            <a:endParaRPr lang="en-US">
-              <a:solidFill>
-                <a:schemeClr val="tx1"/>
-              </a:solidFill>
-            </a:endParaRPr>
+            <a:endParaRPr lang="es-PE" dirty="0"/>
           </a:p>
         </p:txBody>
       </p:sp>
     </p:spTree>
     <p:extLst>
       <p:ext uri="{BB962C8B-B14F-4D97-AF65-F5344CB8AC3E}">
-        <p14:creationId xmlns:p14="http://schemas.microsoft.com/office/powerpoint/2010/main" val="1320734851"/>
+        <p14:creationId xmlns:p14="http://schemas.microsoft.com/office/powerpoint/2010/main" val="1194705727"/>
       </p:ext>
     </p:extLst>
   </p:cSld>
@@ -14857,1039 +18465,8 @@
           <a:p>
             <a:r>
               <a:rPr lang="en-US" dirty="0"/>
-              <a:t>What is pre-clustering</a:t>
-            </a:r>
-          </a:p>
-        </p:txBody>
-      </p:sp>
-      <p:grpSp>
-        <p:nvGrpSpPr>
-          <p:cNvPr id="20" name="Group 19"/>
-          <p:cNvGrpSpPr/>
-          <p:nvPr/>
-        </p:nvGrpSpPr>
-        <p:grpSpPr>
-          <a:xfrm>
-            <a:off x="903757" y="3438582"/>
-            <a:ext cx="1498768" cy="1636680"/>
-            <a:chOff x="2590800" y="1600200"/>
-            <a:chExt cx="1122680" cy="1052513"/>
-          </a:xfrm>
-        </p:grpSpPr>
-        <p:sp>
-          <p:nvSpPr>
-            <p:cNvPr id="5" name="Oval 4"/>
-            <p:cNvSpPr/>
-            <p:nvPr/>
-          </p:nvSpPr>
-          <p:spPr>
-            <a:xfrm>
-              <a:off x="3238500" y="2247900"/>
-              <a:ext cx="259080" cy="242888"/>
-            </a:xfrm>
-            <a:prstGeom prst="ellipse">
-              <a:avLst/>
-            </a:prstGeom>
-          </p:spPr>
-          <p:style>
-            <a:lnRef idx="2">
-              <a:schemeClr val="accent1">
-                <a:shade val="50000"/>
-              </a:schemeClr>
-            </a:lnRef>
-            <a:fillRef idx="1">
-              <a:schemeClr val="accent1"/>
-            </a:fillRef>
-            <a:effectRef idx="0">
-              <a:schemeClr val="accent1"/>
-            </a:effectRef>
-            <a:fontRef idx="minor">
-              <a:schemeClr val="lt1"/>
-            </a:fontRef>
-          </p:style>
-          <p:txBody>
-            <a:bodyPr rtlCol="0" anchor="ctr"/>
-            <a:lstStyle/>
-            <a:p>
-              <a:pPr algn="ctr"/>
-              <a:endParaRPr lang="en-US"/>
-            </a:p>
-          </p:txBody>
-        </p:sp>
-        <p:sp>
-          <p:nvSpPr>
-            <p:cNvPr id="6" name="Oval 5"/>
-            <p:cNvSpPr/>
-            <p:nvPr/>
-          </p:nvSpPr>
-          <p:spPr>
-            <a:xfrm>
-              <a:off x="2763520" y="1762125"/>
-              <a:ext cx="259080" cy="242888"/>
-            </a:xfrm>
-            <a:prstGeom prst="ellipse">
-              <a:avLst/>
-            </a:prstGeom>
-          </p:spPr>
-          <p:style>
-            <a:lnRef idx="2">
-              <a:schemeClr val="accent1">
-                <a:shade val="50000"/>
-              </a:schemeClr>
-            </a:lnRef>
-            <a:fillRef idx="1">
-              <a:schemeClr val="accent1"/>
-            </a:fillRef>
-            <a:effectRef idx="0">
-              <a:schemeClr val="accent1"/>
-            </a:effectRef>
-            <a:fontRef idx="minor">
-              <a:schemeClr val="lt1"/>
-            </a:fontRef>
-          </p:style>
-          <p:txBody>
-            <a:bodyPr rtlCol="0" anchor="ctr"/>
-            <a:lstStyle/>
-            <a:p>
-              <a:pPr algn="ctr"/>
-              <a:endParaRPr lang="en-US"/>
-            </a:p>
-          </p:txBody>
-        </p:sp>
-        <p:sp>
-          <p:nvSpPr>
-            <p:cNvPr id="8" name="Oval 7"/>
-            <p:cNvSpPr/>
-            <p:nvPr/>
-          </p:nvSpPr>
-          <p:spPr>
-            <a:xfrm>
-              <a:off x="3195320" y="1762125"/>
-              <a:ext cx="259080" cy="242888"/>
-            </a:xfrm>
-            <a:prstGeom prst="ellipse">
-              <a:avLst/>
-            </a:prstGeom>
-          </p:spPr>
-          <p:style>
-            <a:lnRef idx="2">
-              <a:schemeClr val="accent1">
-                <a:shade val="50000"/>
-              </a:schemeClr>
-            </a:lnRef>
-            <a:fillRef idx="1">
-              <a:schemeClr val="accent1"/>
-            </a:fillRef>
-            <a:effectRef idx="0">
-              <a:schemeClr val="accent1"/>
-            </a:effectRef>
-            <a:fontRef idx="minor">
-              <a:schemeClr val="lt1"/>
-            </a:fontRef>
-          </p:style>
-          <p:txBody>
-            <a:bodyPr rtlCol="0" anchor="ctr"/>
-            <a:lstStyle/>
-            <a:p>
-              <a:pPr algn="ctr"/>
-              <a:endParaRPr lang="en-US"/>
-            </a:p>
-          </p:txBody>
-        </p:sp>
-        <p:sp>
-          <p:nvSpPr>
-            <p:cNvPr id="9" name="Oval 8"/>
-            <p:cNvSpPr/>
-            <p:nvPr/>
-          </p:nvSpPr>
-          <p:spPr>
-            <a:xfrm>
-              <a:off x="2590800" y="1600200"/>
-              <a:ext cx="1122680" cy="1052513"/>
-            </a:xfrm>
-            <a:prstGeom prst="ellipse">
-              <a:avLst/>
-            </a:prstGeom>
-            <a:noFill/>
-          </p:spPr>
-          <p:style>
-            <a:lnRef idx="2">
-              <a:schemeClr val="accent1"/>
-            </a:lnRef>
-            <a:fillRef idx="1">
-              <a:schemeClr val="lt1"/>
-            </a:fillRef>
-            <a:effectRef idx="0">
-              <a:schemeClr val="accent1"/>
-            </a:effectRef>
-            <a:fontRef idx="minor">
-              <a:schemeClr val="dk1"/>
-            </a:fontRef>
-          </p:style>
-          <p:txBody>
-            <a:bodyPr rtlCol="0" anchor="ctr"/>
-            <a:lstStyle/>
-            <a:p>
-              <a:pPr algn="ctr"/>
-              <a:endParaRPr lang="en-US"/>
-            </a:p>
-          </p:txBody>
-        </p:sp>
-      </p:grpSp>
-      <p:sp>
-        <p:nvSpPr>
-          <p:cNvPr id="22" name="Oval 21"/>
-          <p:cNvSpPr/>
-          <p:nvPr/>
-        </p:nvSpPr>
-        <p:spPr>
-          <a:xfrm>
-            <a:off x="6214784" y="4166679"/>
-            <a:ext cx="599507" cy="654673"/>
-          </a:xfrm>
-          <a:prstGeom prst="ellipse">
-            <a:avLst/>
-          </a:prstGeom>
-        </p:spPr>
-        <p:style>
-          <a:lnRef idx="2">
-            <a:schemeClr val="accent1">
-              <a:shade val="50000"/>
-            </a:schemeClr>
-          </a:lnRef>
-          <a:fillRef idx="1">
-            <a:schemeClr val="accent1"/>
-          </a:fillRef>
-          <a:effectRef idx="0">
-            <a:schemeClr val="accent1"/>
-          </a:effectRef>
-          <a:fontRef idx="minor">
-            <a:schemeClr val="lt1"/>
-          </a:fontRef>
-        </p:style>
-        <p:txBody>
-          <a:bodyPr rtlCol="0" anchor="ctr"/>
-          <a:lstStyle/>
-          <a:p>
-            <a:pPr algn="ctr"/>
-            <a:endParaRPr lang="en-US"/>
-          </a:p>
-        </p:txBody>
-      </p:sp>
-      <p:sp>
-        <p:nvSpPr>
-          <p:cNvPr id="23" name="Oval 22"/>
-          <p:cNvSpPr/>
-          <p:nvPr/>
-        </p:nvSpPr>
-        <p:spPr>
-          <a:xfrm>
-            <a:off x="5115687" y="2857336"/>
-            <a:ext cx="599507" cy="654673"/>
-          </a:xfrm>
-          <a:prstGeom prst="ellipse">
-            <a:avLst/>
-          </a:prstGeom>
-        </p:spPr>
-        <p:style>
-          <a:lnRef idx="2">
-            <a:schemeClr val="accent1">
-              <a:shade val="50000"/>
-            </a:schemeClr>
-          </a:lnRef>
-          <a:fillRef idx="1">
-            <a:schemeClr val="accent1"/>
-          </a:fillRef>
-          <a:effectRef idx="0">
-            <a:schemeClr val="accent1"/>
-          </a:effectRef>
-          <a:fontRef idx="minor">
-            <a:schemeClr val="lt1"/>
-          </a:fontRef>
-        </p:style>
-        <p:txBody>
-          <a:bodyPr rtlCol="0" anchor="ctr"/>
-          <a:lstStyle/>
-          <a:p>
-            <a:pPr algn="ctr"/>
-            <a:endParaRPr lang="en-US"/>
-          </a:p>
-        </p:txBody>
-      </p:sp>
-      <p:sp>
-        <p:nvSpPr>
-          <p:cNvPr id="24" name="Oval 23"/>
-          <p:cNvSpPr/>
-          <p:nvPr/>
-        </p:nvSpPr>
-        <p:spPr>
-          <a:xfrm>
-            <a:off x="6114866" y="2857336"/>
-            <a:ext cx="599507" cy="654673"/>
-          </a:xfrm>
-          <a:prstGeom prst="ellipse">
-            <a:avLst/>
-          </a:prstGeom>
-        </p:spPr>
-        <p:style>
-          <a:lnRef idx="2">
-            <a:schemeClr val="accent1">
-              <a:shade val="50000"/>
-            </a:schemeClr>
-          </a:lnRef>
-          <a:fillRef idx="1">
-            <a:schemeClr val="accent1"/>
-          </a:fillRef>
-          <a:effectRef idx="0">
-            <a:schemeClr val="accent1"/>
-          </a:effectRef>
-          <a:fontRef idx="minor">
-            <a:schemeClr val="lt1"/>
-          </a:fontRef>
-        </p:style>
-        <p:txBody>
-          <a:bodyPr rtlCol="0" anchor="ctr"/>
-          <a:lstStyle/>
-          <a:p>
-            <a:pPr algn="ctr"/>
-            <a:endParaRPr lang="en-US"/>
-          </a:p>
-        </p:txBody>
-      </p:sp>
-      <p:sp>
-        <p:nvSpPr>
-          <p:cNvPr id="25" name="Oval 24"/>
-          <p:cNvSpPr/>
-          <p:nvPr/>
-        </p:nvSpPr>
-        <p:spPr>
-          <a:xfrm>
-            <a:off x="4064624" y="1401415"/>
-            <a:ext cx="4100484" cy="4477799"/>
-          </a:xfrm>
-          <a:prstGeom prst="ellipse">
-            <a:avLst/>
-          </a:prstGeom>
-          <a:noFill/>
-        </p:spPr>
-        <p:style>
-          <a:lnRef idx="2">
-            <a:schemeClr val="accent1"/>
-          </a:lnRef>
-          <a:fillRef idx="1">
-            <a:schemeClr val="lt1"/>
-          </a:fillRef>
-          <a:effectRef idx="0">
-            <a:schemeClr val="accent1"/>
-          </a:effectRef>
-          <a:fontRef idx="minor">
-            <a:schemeClr val="dk1"/>
-          </a:fontRef>
-        </p:style>
-        <p:txBody>
-          <a:bodyPr rtlCol="0" anchor="ctr"/>
-          <a:lstStyle/>
-          <a:p>
-            <a:pPr algn="ctr"/>
-            <a:endParaRPr lang="en-US"/>
-          </a:p>
-        </p:txBody>
-      </p:sp>
-      <p:sp>
-        <p:nvSpPr>
-          <p:cNvPr id="26" name="Oval 25"/>
-          <p:cNvSpPr/>
-          <p:nvPr/>
-        </p:nvSpPr>
-        <p:spPr>
-          <a:xfrm>
-            <a:off x="5315452" y="2093551"/>
-            <a:ext cx="599507" cy="654673"/>
-          </a:xfrm>
-          <a:prstGeom prst="ellipse">
-            <a:avLst/>
-          </a:prstGeom>
-          <a:solidFill>
-            <a:schemeClr val="tx2">
-              <a:lumMod val="20000"/>
-              <a:lumOff val="80000"/>
-            </a:schemeClr>
-          </a:solidFill>
-        </p:spPr>
-        <p:style>
-          <a:lnRef idx="2">
-            <a:schemeClr val="accent1">
-              <a:shade val="50000"/>
-            </a:schemeClr>
-          </a:lnRef>
-          <a:fillRef idx="1">
-            <a:schemeClr val="accent1"/>
-          </a:fillRef>
-          <a:effectRef idx="0">
-            <a:schemeClr val="accent1"/>
-          </a:effectRef>
-          <a:fontRef idx="minor">
-            <a:schemeClr val="lt1"/>
-          </a:fontRef>
-        </p:style>
-        <p:txBody>
-          <a:bodyPr rtlCol="0" anchor="ctr"/>
-          <a:lstStyle/>
-          <a:p>
-            <a:pPr algn="ctr"/>
-            <a:endParaRPr lang="en-US"/>
-          </a:p>
-        </p:txBody>
-      </p:sp>
-      <p:sp>
-        <p:nvSpPr>
-          <p:cNvPr id="27" name="Oval 26"/>
-          <p:cNvSpPr/>
-          <p:nvPr/>
-        </p:nvSpPr>
-        <p:spPr>
-          <a:xfrm>
-            <a:off x="4416262" y="2912394"/>
-            <a:ext cx="599507" cy="654673"/>
-          </a:xfrm>
-          <a:prstGeom prst="ellipse">
-            <a:avLst/>
-          </a:prstGeom>
-          <a:solidFill>
-            <a:schemeClr val="tx2">
-              <a:lumMod val="20000"/>
-              <a:lumOff val="80000"/>
-            </a:schemeClr>
-          </a:solidFill>
-        </p:spPr>
-        <p:style>
-          <a:lnRef idx="2">
-            <a:schemeClr val="accent1">
-              <a:shade val="50000"/>
-            </a:schemeClr>
-          </a:lnRef>
-          <a:fillRef idx="1">
-            <a:schemeClr val="accent1"/>
-          </a:fillRef>
-          <a:effectRef idx="0">
-            <a:schemeClr val="accent1"/>
-          </a:effectRef>
-          <a:fontRef idx="minor">
-            <a:schemeClr val="lt1"/>
-          </a:fontRef>
-        </p:style>
-        <p:txBody>
-          <a:bodyPr rtlCol="0" anchor="ctr"/>
-          <a:lstStyle/>
-          <a:p>
-            <a:pPr algn="ctr"/>
-            <a:endParaRPr lang="en-US"/>
-          </a:p>
-        </p:txBody>
-      </p:sp>
-      <p:sp>
-        <p:nvSpPr>
-          <p:cNvPr id="28" name="Oval 27"/>
-          <p:cNvSpPr/>
-          <p:nvPr/>
-        </p:nvSpPr>
-        <p:spPr>
-          <a:xfrm>
-            <a:off x="5029155" y="3567067"/>
-            <a:ext cx="599507" cy="654673"/>
-          </a:xfrm>
-          <a:prstGeom prst="ellipse">
-            <a:avLst/>
-          </a:prstGeom>
-          <a:solidFill>
-            <a:schemeClr val="tx2">
-              <a:lumMod val="20000"/>
-              <a:lumOff val="80000"/>
-            </a:schemeClr>
-          </a:solidFill>
-        </p:spPr>
-        <p:style>
-          <a:lnRef idx="2">
-            <a:schemeClr val="accent1">
-              <a:shade val="50000"/>
-            </a:schemeClr>
-          </a:lnRef>
-          <a:fillRef idx="1">
-            <a:schemeClr val="accent1"/>
-          </a:fillRef>
-          <a:effectRef idx="0">
-            <a:schemeClr val="accent1"/>
-          </a:effectRef>
-          <a:fontRef idx="minor">
-            <a:schemeClr val="lt1"/>
-          </a:fontRef>
-        </p:style>
-        <p:txBody>
-          <a:bodyPr rtlCol="0" anchor="ctr"/>
-          <a:lstStyle/>
-          <a:p>
-            <a:pPr algn="ctr"/>
-            <a:endParaRPr lang="en-US"/>
-          </a:p>
-        </p:txBody>
-      </p:sp>
-      <p:sp>
-        <p:nvSpPr>
-          <p:cNvPr id="29" name="Oval 28"/>
-          <p:cNvSpPr/>
-          <p:nvPr/>
-        </p:nvSpPr>
-        <p:spPr>
-          <a:xfrm>
-            <a:off x="6714373" y="2529999"/>
-            <a:ext cx="599507" cy="654673"/>
-          </a:xfrm>
-          <a:prstGeom prst="ellipse">
-            <a:avLst/>
-          </a:prstGeom>
-          <a:solidFill>
-            <a:schemeClr val="tx2">
-              <a:lumMod val="20000"/>
-              <a:lumOff val="80000"/>
-            </a:schemeClr>
-          </a:solidFill>
-        </p:spPr>
-        <p:style>
-          <a:lnRef idx="2">
-            <a:schemeClr val="accent1">
-              <a:shade val="50000"/>
-            </a:schemeClr>
-          </a:lnRef>
-          <a:fillRef idx="1">
-            <a:schemeClr val="accent1"/>
-          </a:fillRef>
-          <a:effectRef idx="0">
-            <a:schemeClr val="accent1"/>
-          </a:effectRef>
-          <a:fontRef idx="minor">
-            <a:schemeClr val="lt1"/>
-          </a:fontRef>
-        </p:style>
-        <p:txBody>
-          <a:bodyPr rtlCol="0" anchor="ctr"/>
-          <a:lstStyle/>
-          <a:p>
-            <a:pPr algn="ctr"/>
-            <a:endParaRPr lang="en-US"/>
-          </a:p>
-        </p:txBody>
-      </p:sp>
-      <p:sp>
-        <p:nvSpPr>
-          <p:cNvPr id="30" name="Oval 29"/>
-          <p:cNvSpPr/>
-          <p:nvPr/>
-        </p:nvSpPr>
-        <p:spPr>
-          <a:xfrm>
-            <a:off x="6714373" y="3312979"/>
-            <a:ext cx="599507" cy="654673"/>
-          </a:xfrm>
-          <a:prstGeom prst="ellipse">
-            <a:avLst/>
-          </a:prstGeom>
-          <a:solidFill>
-            <a:schemeClr val="tx2">
-              <a:lumMod val="20000"/>
-              <a:lumOff val="80000"/>
-            </a:schemeClr>
-          </a:solidFill>
-        </p:spPr>
-        <p:style>
-          <a:lnRef idx="2">
-            <a:schemeClr val="accent1">
-              <a:shade val="50000"/>
-            </a:schemeClr>
-          </a:lnRef>
-          <a:fillRef idx="1">
-            <a:schemeClr val="accent1"/>
-          </a:fillRef>
-          <a:effectRef idx="0">
-            <a:schemeClr val="accent1"/>
-          </a:effectRef>
-          <a:fontRef idx="minor">
-            <a:schemeClr val="lt1"/>
-          </a:fontRef>
-        </p:style>
-        <p:txBody>
-          <a:bodyPr rtlCol="0" anchor="ctr"/>
-          <a:lstStyle/>
-          <a:p>
-            <a:pPr algn="ctr"/>
-            <a:endParaRPr lang="en-US"/>
-          </a:p>
-        </p:txBody>
-      </p:sp>
-      <p:sp>
-        <p:nvSpPr>
-          <p:cNvPr id="31" name="Oval 30"/>
-          <p:cNvSpPr/>
-          <p:nvPr/>
-        </p:nvSpPr>
-        <p:spPr>
-          <a:xfrm>
-            <a:off x="6514537" y="4747926"/>
-            <a:ext cx="599507" cy="654673"/>
-          </a:xfrm>
-          <a:prstGeom prst="ellipse">
-            <a:avLst/>
-          </a:prstGeom>
-          <a:solidFill>
-            <a:schemeClr val="tx2">
-              <a:lumMod val="20000"/>
-              <a:lumOff val="80000"/>
-            </a:schemeClr>
-          </a:solidFill>
-        </p:spPr>
-        <p:style>
-          <a:lnRef idx="2">
-            <a:schemeClr val="accent1">
-              <a:shade val="50000"/>
-            </a:schemeClr>
-          </a:lnRef>
-          <a:fillRef idx="1">
-            <a:schemeClr val="accent1"/>
-          </a:fillRef>
-          <a:effectRef idx="0">
-            <a:schemeClr val="accent1"/>
-          </a:effectRef>
-          <a:fontRef idx="minor">
-            <a:schemeClr val="lt1"/>
-          </a:fontRef>
-        </p:style>
-        <p:txBody>
-          <a:bodyPr rtlCol="0" anchor="ctr"/>
-          <a:lstStyle/>
-          <a:p>
-            <a:pPr algn="ctr"/>
-            <a:endParaRPr lang="en-US"/>
-          </a:p>
-        </p:txBody>
-      </p:sp>
-      <p:cxnSp>
-        <p:nvCxnSpPr>
-          <p:cNvPr id="33" name="Straight Arrow Connector 32"/>
-          <p:cNvCxnSpPr/>
-          <p:nvPr/>
-        </p:nvCxnSpPr>
-        <p:spPr>
-          <a:xfrm flipV="1">
-            <a:off x="4716015" y="3239730"/>
-            <a:ext cx="612893" cy="73249"/>
-          </a:xfrm>
-          <a:prstGeom prst="straightConnector1">
-            <a:avLst/>
-          </a:prstGeom>
-          <a:ln w="57150">
-            <a:solidFill>
-              <a:schemeClr val="tx1"/>
-            </a:solidFill>
-            <a:tailEnd type="arrow"/>
-          </a:ln>
-        </p:spPr>
-        <p:style>
-          <a:lnRef idx="1">
-            <a:schemeClr val="accent1"/>
-          </a:lnRef>
-          <a:fillRef idx="0">
-            <a:schemeClr val="accent1"/>
-          </a:fillRef>
-          <a:effectRef idx="0">
-            <a:schemeClr val="accent1"/>
-          </a:effectRef>
-          <a:fontRef idx="minor">
-            <a:schemeClr val="tx1"/>
-          </a:fontRef>
-        </p:style>
-      </p:cxnSp>
-      <p:cxnSp>
-        <p:nvCxnSpPr>
-          <p:cNvPr id="34" name="Straight Arrow Connector 33"/>
-          <p:cNvCxnSpPr/>
-          <p:nvPr/>
-        </p:nvCxnSpPr>
-        <p:spPr>
-          <a:xfrm flipH="1">
-            <a:off x="5415440" y="2457512"/>
-            <a:ext cx="86533" cy="782218"/>
-          </a:xfrm>
-          <a:prstGeom prst="straightConnector1">
-            <a:avLst/>
-          </a:prstGeom>
-          <a:ln w="57150">
-            <a:solidFill>
-              <a:schemeClr val="tx1"/>
-            </a:solidFill>
-            <a:tailEnd type="arrow"/>
-          </a:ln>
-        </p:spPr>
-        <p:style>
-          <a:lnRef idx="1">
-            <a:schemeClr val="accent1"/>
-          </a:lnRef>
-          <a:fillRef idx="0">
-            <a:schemeClr val="accent1"/>
-          </a:fillRef>
-          <a:effectRef idx="0">
-            <a:schemeClr val="accent1"/>
-          </a:effectRef>
-          <a:fontRef idx="minor">
-            <a:schemeClr val="tx1"/>
-          </a:fontRef>
-        </p:style>
-      </p:cxnSp>
-      <p:cxnSp>
-        <p:nvCxnSpPr>
-          <p:cNvPr id="36" name="Straight Arrow Connector 35"/>
-          <p:cNvCxnSpPr/>
-          <p:nvPr/>
-        </p:nvCxnSpPr>
-        <p:spPr>
-          <a:xfrm flipV="1">
-            <a:off x="5346647" y="3314384"/>
-            <a:ext cx="13457" cy="653268"/>
-          </a:xfrm>
-          <a:prstGeom prst="straightConnector1">
-            <a:avLst/>
-          </a:prstGeom>
-          <a:ln w="57150">
-            <a:solidFill>
-              <a:schemeClr val="tx1"/>
-            </a:solidFill>
-            <a:tailEnd type="arrow"/>
-          </a:ln>
-        </p:spPr>
-        <p:style>
-          <a:lnRef idx="1">
-            <a:schemeClr val="accent1"/>
-          </a:lnRef>
-          <a:fillRef idx="0">
-            <a:schemeClr val="accent1"/>
-          </a:fillRef>
-          <a:effectRef idx="0">
-            <a:schemeClr val="accent1"/>
-          </a:effectRef>
-          <a:fontRef idx="minor">
-            <a:schemeClr val="tx1"/>
-          </a:fontRef>
-        </p:style>
-      </p:cxnSp>
-      <p:cxnSp>
-        <p:nvCxnSpPr>
-          <p:cNvPr id="39" name="Straight Arrow Connector 38"/>
-          <p:cNvCxnSpPr/>
-          <p:nvPr/>
-        </p:nvCxnSpPr>
-        <p:spPr>
-          <a:xfrm flipH="1" flipV="1">
-            <a:off x="6483413" y="4494015"/>
-            <a:ext cx="196190" cy="584291"/>
-          </a:xfrm>
-          <a:prstGeom prst="straightConnector1">
-            <a:avLst/>
-          </a:prstGeom>
-          <a:ln w="57150">
-            <a:solidFill>
-              <a:schemeClr val="tx1"/>
-            </a:solidFill>
-            <a:tailEnd type="arrow"/>
-          </a:ln>
-        </p:spPr>
-        <p:style>
-          <a:lnRef idx="1">
-            <a:schemeClr val="accent1"/>
-          </a:lnRef>
-          <a:fillRef idx="0">
-            <a:schemeClr val="accent1"/>
-          </a:fillRef>
-          <a:effectRef idx="0">
-            <a:schemeClr val="accent1"/>
-          </a:effectRef>
-          <a:fontRef idx="minor">
-            <a:schemeClr val="tx1"/>
-          </a:fontRef>
-        </p:style>
-      </p:cxnSp>
-      <p:cxnSp>
-        <p:nvCxnSpPr>
-          <p:cNvPr id="40" name="Straight Arrow Connector 39"/>
-          <p:cNvCxnSpPr/>
-          <p:nvPr/>
-        </p:nvCxnSpPr>
-        <p:spPr>
-          <a:xfrm flipH="1">
-            <a:off x="6483413" y="2848621"/>
-            <a:ext cx="530713" cy="391109"/>
-          </a:xfrm>
-          <a:prstGeom prst="straightConnector1">
-            <a:avLst/>
-          </a:prstGeom>
-          <a:ln w="57150">
-            <a:solidFill>
-              <a:schemeClr val="tx1"/>
-            </a:solidFill>
-            <a:tailEnd type="arrow"/>
-          </a:ln>
-        </p:spPr>
-        <p:style>
-          <a:lnRef idx="1">
-            <a:schemeClr val="accent1"/>
-          </a:lnRef>
-          <a:fillRef idx="0">
-            <a:schemeClr val="accent1"/>
-          </a:fillRef>
-          <a:effectRef idx="0">
-            <a:schemeClr val="accent1"/>
-          </a:effectRef>
-          <a:fontRef idx="minor">
-            <a:schemeClr val="tx1"/>
-          </a:fontRef>
-        </p:style>
-      </p:cxnSp>
-      <p:cxnSp>
-        <p:nvCxnSpPr>
-          <p:cNvPr id="41" name="Straight Arrow Connector 40"/>
-          <p:cNvCxnSpPr/>
-          <p:nvPr/>
-        </p:nvCxnSpPr>
-        <p:spPr>
-          <a:xfrm flipH="1" flipV="1">
-            <a:off x="6428076" y="3314385"/>
-            <a:ext cx="586050" cy="375994"/>
-          </a:xfrm>
-          <a:prstGeom prst="straightConnector1">
-            <a:avLst/>
-          </a:prstGeom>
-          <a:ln w="57150">
-            <a:solidFill>
-              <a:schemeClr val="tx1"/>
-            </a:solidFill>
-            <a:tailEnd type="arrow"/>
-          </a:ln>
-        </p:spPr>
-        <p:style>
-          <a:lnRef idx="1">
-            <a:schemeClr val="accent1"/>
-          </a:lnRef>
-          <a:fillRef idx="0">
-            <a:schemeClr val="accent1"/>
-          </a:fillRef>
-          <a:effectRef idx="0">
-            <a:schemeClr val="accent1"/>
-          </a:effectRef>
-          <a:fontRef idx="minor">
-            <a:schemeClr val="tx1"/>
-          </a:fontRef>
-        </p:style>
-      </p:cxnSp>
-    </p:spTree>
-    <p:extLst>
-      <p:ext uri="{BB962C8B-B14F-4D97-AF65-F5344CB8AC3E}">
-        <p14:creationId xmlns:p14="http://schemas.microsoft.com/office/powerpoint/2010/main" val="1194705727"/>
-      </p:ext>
-    </p:extLst>
-  </p:cSld>
-  <p:clrMapOvr>
-    <a:masterClrMapping/>
-  </p:clrMapOvr>
-</p:sld>
-</file>
-
-<file path=ppt/slides/slide24.xml><?xml version="1.0" encoding="utf-8"?>
-<p:sld xmlns:a="http://schemas.openxmlformats.org/drawingml/2006/main" xmlns:r="http://schemas.openxmlformats.org/officeDocument/2006/relationships" xmlns:p="http://schemas.openxmlformats.org/presentationml/2006/main">
-  <p:cSld>
-    <p:spTree>
-      <p:nvGrpSpPr>
-        <p:cNvPr id="1" name=""/>
-        <p:cNvGrpSpPr/>
-        <p:nvPr/>
-      </p:nvGrpSpPr>
-      <p:grpSpPr>
-        <a:xfrm>
-          <a:off x="0" y="0"/>
-          <a:ext cx="0" cy="0"/>
-          <a:chOff x="0" y="0"/>
-          <a:chExt cx="0" cy="0"/>
-        </a:xfrm>
-      </p:grpSpPr>
-      <p:sp>
-        <p:nvSpPr>
-          <p:cNvPr id="4" name="3 Título"/>
-          <p:cNvSpPr>
-            <a:spLocks noGrp="1"/>
-          </p:cNvSpPr>
-          <p:nvPr>
-            <p:ph type="title"/>
-          </p:nvPr>
-        </p:nvSpPr>
-        <p:spPr/>
-        <p:txBody>
-          <a:bodyPr/>
-          <a:lstStyle/>
-          <a:p>
-            <a:r>
-              <a:rPr lang="en-AU" dirty="0"/>
-              <a:t>Analysis of communities</a:t>
-            </a:r>
-          </a:p>
-        </p:txBody>
-      </p:sp>
-      <p:sp>
-        <p:nvSpPr>
-          <p:cNvPr id="5" name="4 Marcador de contenido"/>
-          <p:cNvSpPr>
-            <a:spLocks noGrp="1"/>
-          </p:cNvSpPr>
-          <p:nvPr>
-            <p:ph sz="quarter" idx="13"/>
-          </p:nvPr>
-        </p:nvSpPr>
-        <p:spPr/>
-        <p:txBody>
-          <a:bodyPr>
-            <a:normAutofit/>
-          </a:bodyPr>
-          <a:lstStyle/>
-          <a:p>
-            <a:pPr marL="0" indent="0">
-              <a:buNone/>
-            </a:pPr>
-            <a:r>
-              <a:rPr lang="en-AU" sz="2800" b="1" dirty="0"/>
-              <a:t>Today’s task</a:t>
-            </a:r>
-          </a:p>
-          <a:p>
-            <a:endParaRPr lang="en-AU" sz="2400" dirty="0"/>
-          </a:p>
-          <a:p>
-            <a:r>
-              <a:rPr lang="en-AU" sz="2400" dirty="0"/>
-              <a:t>Run the pipeline</a:t>
-            </a:r>
-          </a:p>
-          <a:p>
-            <a:r>
-              <a:rPr lang="en-AU" sz="2400" dirty="0"/>
-              <a:t>Open .shared file in Excel</a:t>
-            </a:r>
-          </a:p>
-          <a:p>
-            <a:r>
-              <a:rPr lang="en-AU" sz="2400" dirty="0"/>
-              <a:t>Open .design file in Excel</a:t>
-            </a:r>
-          </a:p>
-        </p:txBody>
-      </p:sp>
-      <p:sp>
-        <p:nvSpPr>
-          <p:cNvPr id="6" name="5 Marcador de contenido"/>
-          <p:cNvSpPr>
-            <a:spLocks noGrp="1"/>
-          </p:cNvSpPr>
-          <p:nvPr>
-            <p:ph sz="quarter" idx="14"/>
-          </p:nvPr>
-        </p:nvSpPr>
-        <p:spPr/>
-        <p:txBody>
-          <a:bodyPr>
-            <a:normAutofit/>
-          </a:bodyPr>
-          <a:lstStyle/>
-          <a:p>
-            <a:pPr marL="0" indent="0">
-              <a:buNone/>
-            </a:pPr>
-            <a:r>
-              <a:rPr lang="en-AU" sz="2800" b="1" dirty="0"/>
-              <a:t>Today’s questions</a:t>
-            </a:r>
-          </a:p>
-          <a:p>
-            <a:endParaRPr lang="en-AU" sz="2400" dirty="0"/>
-          </a:p>
-          <a:p>
-            <a:r>
-              <a:rPr lang="en-AU" sz="2400" dirty="0"/>
-              <a:t>How many species were detected in total?</a:t>
-            </a:r>
-          </a:p>
-          <a:p>
-            <a:r>
-              <a:rPr lang="en-AU" sz="2400" dirty="0"/>
-              <a:t>Which treatment has more species?</a:t>
-            </a:r>
-          </a:p>
-          <a:p>
-            <a:r>
-              <a:rPr lang="en-AU" sz="2400" dirty="0"/>
-              <a:t>Which treatment has higher diversity?</a:t>
-            </a:r>
-          </a:p>
-          <a:p>
-            <a:endParaRPr lang="en-AU" sz="2400" dirty="0"/>
-          </a:p>
-        </p:txBody>
-      </p:sp>
-    </p:spTree>
-    <p:extLst>
-      <p:ext uri="{BB962C8B-B14F-4D97-AF65-F5344CB8AC3E}">
-        <p14:creationId xmlns:p14="http://schemas.microsoft.com/office/powerpoint/2010/main" val="744869900"/>
-      </p:ext>
-    </p:extLst>
-  </p:cSld>
-  <p:clrMapOvr>
-    <a:masterClrMapping/>
-  </p:clrMapOvr>
-</p:sld>
-</file>
-
-<file path=ppt/slides/slide25.xml><?xml version="1.0" encoding="utf-8"?>
-<p:sld xmlns:a="http://schemas.openxmlformats.org/drawingml/2006/main" xmlns:r="http://schemas.openxmlformats.org/officeDocument/2006/relationships" xmlns:p="http://schemas.openxmlformats.org/presentationml/2006/main">
-  <p:cSld>
-    <p:spTree>
-      <p:nvGrpSpPr>
-        <p:cNvPr id="1" name=""/>
-        <p:cNvGrpSpPr/>
-        <p:nvPr/>
-      </p:nvGrpSpPr>
-      <p:grpSpPr>
-        <a:xfrm>
-          <a:off x="0" y="0"/>
-          <a:ext cx="0" cy="0"/>
-          <a:chOff x="0" y="0"/>
-          <a:chExt cx="0" cy="0"/>
-        </a:xfrm>
-      </p:grpSpPr>
-      <p:sp>
-        <p:nvSpPr>
-          <p:cNvPr id="2" name="Title 1">
-            <a:extLst>
-              <a:ext uri="{FF2B5EF4-FFF2-40B4-BE49-F238E27FC236}">
-                <a16:creationId xmlns:a16="http://schemas.microsoft.com/office/drawing/2014/main" id="{57E96530-1E0C-4564-A967-017CDF492417}"/>
-              </a:ext>
-            </a:extLst>
-          </p:cNvPr>
-          <p:cNvSpPr>
-            <a:spLocks noGrp="1"/>
-          </p:cNvSpPr>
-          <p:nvPr>
-            <p:ph type="title"/>
-          </p:nvPr>
-        </p:nvSpPr>
-        <p:spPr/>
-        <p:txBody>
-          <a:bodyPr/>
-          <a:lstStyle/>
-          <a:p>
-            <a:endParaRPr lang="es-PE"/>
+              <a:t>Summary</a:t>
+            </a:r>
           </a:p>
         </p:txBody>
       </p:sp>
@@ -15898,7 +18475,7 @@
           <p:cNvPr id="3" name="Content Placeholder 2">
             <a:extLst>
               <a:ext uri="{FF2B5EF4-FFF2-40B4-BE49-F238E27FC236}">
-                <a16:creationId xmlns:a16="http://schemas.microsoft.com/office/drawing/2014/main" id="{3C38B8E3-87FC-401F-BB73-8A710E7DB447}"/>
+                <a16:creationId xmlns:a16="http://schemas.microsoft.com/office/drawing/2014/main" id="{6847692A-5CB2-483B-9580-2B26F0642507}"/>
               </a:ext>
             </a:extLst>
           </p:cNvPr>
@@ -15909,44 +18486,86 @@
             <p:ph sz="quarter" idx="13"/>
           </p:nvPr>
         </p:nvSpPr>
-        <p:spPr/>
+        <p:spPr>
+          <a:xfrm>
+            <a:off x="917562" y="1295400"/>
+            <a:ext cx="7614878" cy="4876800"/>
+          </a:xfrm>
+        </p:spPr>
         <p:txBody>
           <a:bodyPr/>
           <a:lstStyle/>
           <a:p>
-            <a:endParaRPr lang="es-PE"/>
+            <a:r>
+              <a:rPr lang="es-PE" dirty="0" err="1"/>
+              <a:t>Results</a:t>
+            </a:r>
+            <a:r>
+              <a:rPr lang="es-PE" dirty="0"/>
+              <a:t> are </a:t>
+            </a:r>
+            <a:r>
+              <a:rPr lang="es-PE" dirty="0" err="1"/>
+              <a:t>tool-dependent</a:t>
+            </a:r>
+            <a:endParaRPr lang="es-PE" dirty="0"/>
           </a:p>
-        </p:txBody>
-      </p:sp>
-      <p:sp>
-        <p:nvSpPr>
-          <p:cNvPr id="4" name="Content Placeholder 3">
-            <a:extLst>
-              <a:ext uri="{FF2B5EF4-FFF2-40B4-BE49-F238E27FC236}">
-                <a16:creationId xmlns:a16="http://schemas.microsoft.com/office/drawing/2014/main" id="{984FB0D1-98EE-4DC2-9EBD-79DFB9F87576}"/>
-              </a:ext>
-            </a:extLst>
-          </p:cNvPr>
-          <p:cNvSpPr>
-            <a:spLocks noGrp="1"/>
-          </p:cNvSpPr>
-          <p:nvPr>
-            <p:ph sz="quarter" idx="14"/>
-          </p:nvPr>
-        </p:nvSpPr>
-        <p:spPr/>
-        <p:txBody>
-          <a:bodyPr/>
-          <a:lstStyle/>
           <a:p>
-            <a:endParaRPr lang="es-PE"/>
+            <a:r>
+              <a:rPr lang="es-PE" dirty="0" err="1"/>
+              <a:t>All</a:t>
+            </a:r>
+            <a:r>
+              <a:rPr lang="es-PE" dirty="0"/>
+              <a:t> </a:t>
+            </a:r>
+            <a:r>
+              <a:rPr lang="es-PE" dirty="0" err="1"/>
+              <a:t>tools</a:t>
+            </a:r>
+            <a:r>
+              <a:rPr lang="es-PE" dirty="0"/>
+              <a:t> are </a:t>
+            </a:r>
+            <a:r>
+              <a:rPr lang="es-PE" dirty="0" err="1"/>
+              <a:t>wrong</a:t>
+            </a:r>
+            <a:r>
+              <a:rPr lang="es-PE" dirty="0"/>
+              <a:t>, </a:t>
+            </a:r>
+            <a:r>
+              <a:rPr lang="es-PE" dirty="0" err="1"/>
+              <a:t>some</a:t>
+            </a:r>
+            <a:r>
+              <a:rPr lang="es-PE" dirty="0"/>
+              <a:t> </a:t>
+            </a:r>
+            <a:r>
+              <a:rPr lang="es-PE" dirty="0" err="1"/>
+              <a:t>tools</a:t>
+            </a:r>
+            <a:r>
+              <a:rPr lang="es-PE" dirty="0"/>
+              <a:t> are </a:t>
+            </a:r>
+            <a:r>
+              <a:rPr lang="es-PE" dirty="0" err="1"/>
+              <a:t>useful</a:t>
+            </a:r>
+            <a:r>
+              <a:rPr lang="es-PE" dirty="0"/>
+              <a:t>.</a:t>
+            </a:r>
           </a:p>
         </p:txBody>
       </p:sp>
     </p:spTree>
     <p:extLst>
       <p:ext uri="{BB962C8B-B14F-4D97-AF65-F5344CB8AC3E}">
-        <p14:creationId xmlns:p14="http://schemas.microsoft.com/office/powerpoint/2010/main" val="3698745368"/>
+        <p14:creationId xmlns:p14="http://schemas.microsoft.com/office/powerpoint/2010/main" val="2953899958"/>
       </p:ext>
     </p:extLst>
   </p:cSld>

--- a/W3_16S_analysis.pptx
+++ b/W3_16S_analysis.pptx
@@ -13750,10 +13750,10 @@
         </p:nvGrpSpPr>
         <p:grpSpPr>
           <a:xfrm>
-            <a:off x="1461669" y="2000257"/>
-            <a:ext cx="2225585" cy="1148549"/>
-            <a:chOff x="1964132" y="1554489"/>
-            <a:chExt cx="2967446" cy="1531398"/>
+            <a:off x="1218539" y="2000256"/>
+            <a:ext cx="2468715" cy="825384"/>
+            <a:chOff x="1639959" y="1554489"/>
+            <a:chExt cx="3291619" cy="1100512"/>
           </a:xfrm>
         </p:grpSpPr>
         <p:sp>
@@ -13770,8 +13770,8 @@
           </p:nvSpPr>
           <p:spPr>
             <a:xfrm>
-              <a:off x="1964132" y="1670116"/>
-              <a:ext cx="2147454" cy="1415771"/>
+              <a:off x="1639959" y="1670116"/>
+              <a:ext cx="2471627" cy="984885"/>
             </a:xfrm>
             <a:prstGeom prst="rect">
               <a:avLst/>
@@ -15356,51 +15356,6 @@
           </a:fontRef>
         </p:style>
       </p:pic>
-      <p:sp>
-        <p:nvSpPr>
-          <p:cNvPr id="2" name="Oval 1">
-            <a:extLst>
-              <a:ext uri="{FF2B5EF4-FFF2-40B4-BE49-F238E27FC236}">
-                <a16:creationId xmlns:a16="http://schemas.microsoft.com/office/drawing/2014/main" id="{59F2F99B-F7BB-43BE-B3F8-7167F6E861E5}"/>
-              </a:ext>
-            </a:extLst>
-          </p:cNvPr>
-          <p:cNvSpPr/>
-          <p:nvPr/>
-        </p:nvSpPr>
-        <p:spPr>
-          <a:xfrm rot="20419249">
-            <a:off x="3554045" y="4099865"/>
-            <a:ext cx="3616199" cy="1864649"/>
-          </a:xfrm>
-          <a:prstGeom prst="ellipse">
-            <a:avLst/>
-          </a:prstGeom>
-          <a:noFill/>
-        </p:spPr>
-        <p:style>
-          <a:lnRef idx="2">
-            <a:schemeClr val="accent6"/>
-          </a:lnRef>
-          <a:fillRef idx="1">
-            <a:schemeClr val="lt1"/>
-          </a:fillRef>
-          <a:effectRef idx="0">
-            <a:schemeClr val="accent6"/>
-          </a:effectRef>
-          <a:fontRef idx="minor">
-            <a:schemeClr val="dk1"/>
-          </a:fontRef>
-        </p:style>
-        <p:txBody>
-          <a:bodyPr rtlCol="0" anchor="ctr"/>
-          <a:lstStyle/>
-          <a:p>
-            <a:pPr algn="ctr"/>
-            <a:endParaRPr lang="es-PE"/>
-          </a:p>
-        </p:txBody>
-      </p:sp>
     </p:spTree>
     <p:extLst>
       <p:ext uri="{BB962C8B-B14F-4D97-AF65-F5344CB8AC3E}">
@@ -18329,6 +18284,33 @@
           </a:p>
           <a:p>
             <a:r>
+              <a:rPr lang="es-PE" dirty="0"/>
+              <a:t>RDP </a:t>
+            </a:r>
+            <a:r>
+              <a:rPr lang="es-PE" dirty="0" err="1"/>
+              <a:t>is</a:t>
+            </a:r>
+            <a:r>
+              <a:rPr lang="es-PE" dirty="0"/>
+              <a:t> </a:t>
+            </a:r>
+            <a:r>
+              <a:rPr lang="es-PE" dirty="0" err="1"/>
+              <a:t>very</a:t>
+            </a:r>
+            <a:r>
+              <a:rPr lang="es-PE" dirty="0"/>
+              <a:t> </a:t>
+            </a:r>
+            <a:r>
+              <a:rPr lang="es-PE" dirty="0" err="1"/>
+              <a:t>conservative</a:t>
+            </a:r>
+            <a:endParaRPr lang="es-PE" dirty="0"/>
+          </a:p>
+          <a:p>
+            <a:r>
               <a:rPr lang="es-PE" dirty="0" err="1"/>
               <a:t>Check</a:t>
             </a:r>
@@ -18761,12 +18743,16 @@
           </p:cNvGraphicFramePr>
           <p:nvPr>
             <p:ph sz="quarter" idx="13"/>
-            <p:extLst/>
+            <p:extLst>
+              <p:ext uri="{D42A27DB-BD31-4B8C-83A1-F6EECF244321}">
+                <p14:modId xmlns:p14="http://schemas.microsoft.com/office/powerpoint/2010/main" val="3017375501"/>
+              </p:ext>
+            </p:extLst>
           </p:nvPr>
         </p:nvGraphicFramePr>
         <p:xfrm>
           <a:off x="533400" y="1295400"/>
-          <a:ext cx="7924802" cy="4343400"/>
+          <a:ext cx="7924802" cy="4434035"/>
         </p:xfrm>
         <a:graphic>
           <a:graphicData uri="http://schemas.openxmlformats.org/drawingml/2006/table">
@@ -19152,7 +19138,25 @@
                         <a:rPr lang="es-PE" dirty="0" err="1"/>
                         <a:t>environments</a:t>
                       </a:r>
-                      <a:endParaRPr lang="es-PE" dirty="0"/>
+                      <a:r>
+                        <a:rPr lang="es-PE" dirty="0"/>
+                        <a:t>,</a:t>
+                      </a:r>
+                    </a:p>
+                    <a:p>
+                      <a:pPr algn="ctr"/>
+                      <a:r>
+                        <a:rPr lang="es-PE" dirty="0"/>
+                        <a:t>May </a:t>
+                      </a:r>
+                      <a:r>
+                        <a:rPr lang="es-PE" dirty="0" err="1"/>
+                        <a:t>have</a:t>
+                      </a:r>
+                      <a:r>
+                        <a:rPr lang="es-PE" dirty="0"/>
+                        <a:t> host DNA</a:t>
+                      </a:r>
                     </a:p>
                   </a:txBody>
                   <a:tcPr/>
@@ -19407,6 +19411,14 @@
                     <a:lstStyle/>
                     <a:p>
                       <a:pPr algn="ctr"/>
+                      <a:r>
+                        <a:rPr lang="es-PE" dirty="0"/>
+                        <a:t>Poor </a:t>
+                      </a:r>
+                      <a:r>
+                        <a:rPr lang="es-PE" dirty="0" err="1"/>
+                        <a:t>databases</a:t>
+                      </a:r>
                       <a:endParaRPr lang="es-PE" dirty="0"/>
                     </a:p>
                   </a:txBody>
